--- a/NSC-National-Round/risk analyze.pptx
+++ b/NSC-National-Round/risk analyze.pptx
@@ -6,6 +6,7 @@
   </p:sldMasterIdLst>
   <p:sldIdLst>
     <p:sldId id="256" r:id="rId2"/>
+    <p:sldId id="257" r:id="rId3"/>
   </p:sldIdLst>
   <p:sldSz cx="12192000" cy="6858000"/>
   <p:notesSz cx="6858000" cy="9144000"/>
@@ -104,6 +105,11 @@
       </a:defRPr>
     </a:lvl9pPr>
   </p:defaultTextStyle>
+  <p:extLst>
+    <p:ext uri="{EFAFB233-063F-42B5-8137-9DF3F51BA10A}">
+      <p15:sldGuideLst xmlns:p15="http://schemas.microsoft.com/office/powerpoint/2012/main"/>
+    </p:ext>
+  </p:extLst>
 </p:presentation>
 </file>
 
@@ -807,6 +813,230 @@
 </inkml:ink>
 </file>
 
+<file path=ppt/ink/ink32.xml><?xml version="1.0" encoding="utf-8"?>
+<inkml:ink xmlns:inkml="http://www.w3.org/2003/InkML">
+  <inkml:definitions>
+    <inkml:context xml:id="ctx0">
+      <inkml:inkSource xml:id="inkSrc0">
+        <inkml:traceFormat>
+          <inkml:channel name="X" type="integer" min="-2.14748E9" max="2.14748E9" units="cm"/>
+          <inkml:channel name="Y" type="integer" min="-2.14748E9" max="2.14748E9" units="cm"/>
+          <inkml:channel name="F" type="integer" max="32767" units="dev"/>
+        </inkml:traceFormat>
+        <inkml:channelProperties>
+          <inkml:channelProperty channel="X" name="resolution" value="1000" units="1/cm"/>
+          <inkml:channelProperty channel="Y" name="resolution" value="1000" units="1/cm"/>
+          <inkml:channelProperty channel="F" name="resolution" value="0" units="1/dev"/>
+        </inkml:channelProperties>
+      </inkml:inkSource>
+      <inkml:timestamp xml:id="ts0" timeString="2022-05-12T20:01:19.048"/>
+    </inkml:context>
+    <inkml:brush xml:id="br0">
+      <inkml:brushProperty name="width" value="0.025" units="cm"/>
+      <inkml:brushProperty name="height" value="0.025" units="cm"/>
+      <inkml:brushProperty name="color" value="#00A0D7"/>
+    </inkml:brush>
+  </inkml:definitions>
+  <inkml:trace contextRef="#ctx0" brushRef="#br0">1 0 24575</inkml:trace>
+</inkml:ink>
+</file>
+
+<file path=ppt/ink/ink33.xml><?xml version="1.0" encoding="utf-8"?>
+<inkml:ink xmlns:inkml="http://www.w3.org/2003/InkML">
+  <inkml:definitions>
+    <inkml:context xml:id="ctx0">
+      <inkml:inkSource xml:id="inkSrc0">
+        <inkml:traceFormat>
+          <inkml:channel name="X" type="integer" min="-2.14748E9" max="2.14748E9" units="cm"/>
+          <inkml:channel name="Y" type="integer" min="-2.14748E9" max="2.14748E9" units="cm"/>
+          <inkml:channel name="F" type="integer" max="32767" units="dev"/>
+        </inkml:traceFormat>
+        <inkml:channelProperties>
+          <inkml:channelProperty channel="X" name="resolution" value="1000" units="1/cm"/>
+          <inkml:channelProperty channel="Y" name="resolution" value="1000" units="1/cm"/>
+          <inkml:channelProperty channel="F" name="resolution" value="0" units="1/dev"/>
+        </inkml:channelProperties>
+      </inkml:inkSource>
+      <inkml:timestamp xml:id="ts0" timeString="2022-05-12T20:01:19.049"/>
+    </inkml:context>
+    <inkml:brush xml:id="br0">
+      <inkml:brushProperty name="width" value="0.025" units="cm"/>
+      <inkml:brushProperty name="height" value="0.025" units="cm"/>
+      <inkml:brushProperty name="color" value="#00A0D7"/>
+    </inkml:brush>
+  </inkml:definitions>
+  <inkml:trace contextRef="#ctx0" brushRef="#br0">32 11 24575,'-1'0'0,"0"0"0,-1 1 0,1-1 0,-1 0 0,1 1 0,0-1 0,0 1 0,-1 0 0,1-1 0,0 1 0,0 0 0,0 0 0,0-1 0,0 1 0,0 0 0,0 0 0,0 0 0,0 1 0,0-1 0,0 0 0,1 0 0,-1 0 0,0 0 0,1 1 0,-1-1 0,1 0 0,0 1 0,-1-1 0,1 0 0,0 3 0,-4 43 0,4-44 0,0-1 0,0-1 0,1 1 0,-1 0 0,0 0 0,1 0 0,-1-1 0,1 1 0,-1 0 0,1 0 0,0-1 0,-1 1 0,1-1 0,0 1 0,0-1 0,0 1 0,1-1 0,-1 1 0,0-1 0,1 0 0,-1 0 0,0 1 0,1-1 0,-1 0 0,1 0 0,0-1 0,-1 1 0,1 0 0,0-1 0,-1 1 0,1 0 0,0-1 0,0 0 0,3 1 0,-3-1 0,0 0 0,0 0 0,1 0 0,-1 0 0,0-1 0,0 1 0,1 0 0,-1-1 0,0 0 0,0 1 0,0-1 0,0 0 0,0 0 0,0 0 0,0-1 0,0 1 0,0 0 0,-1-1 0,1 1 0,0-1 0,-1 0 0,1 1 0,-1-1 0,0 0 0,0 0 0,1 0 0,0-2 0,0-2 0,0 0 0,0 0 0,0 0 0,0 0 0,-1 0 0,0-1 0,0-10 0,-1 16 0,0-1 0,-1 0 0,1 1 0,0-1 0,-1 0 0,1 1 0,-1-1 0,1 1 0,-1-1 0,0 1 0,1-1 0,-1 1 0,0-1 0,0 1 0,0 0 0,0-1 0,-1 1 0,1 0 0,0 0 0,0 0 0,-1 0 0,1 0 0,-1 0 0,1 0 0,-1 1 0,1-1 0,-1 0 0,1 1 0,-1-1 0,1 1 0,-1 0 0,0-1 0,-2 1 0,-8-2-75,10 1-42,-1 1 0,0-1-1,1 1 1,-1 0 0,0-1 0,0 1-1,0 1 1,1-1 0,-1 0-1,-3 1 1</inkml:trace>
+</inkml:ink>
+</file>
+
+<file path=ppt/ink/ink34.xml><?xml version="1.0" encoding="utf-8"?>
+<inkml:ink xmlns:inkml="http://www.w3.org/2003/InkML">
+  <inkml:definitions>
+    <inkml:context xml:id="ctx0">
+      <inkml:inkSource xml:id="inkSrc0">
+        <inkml:traceFormat>
+          <inkml:channel name="X" type="integer" min="-2.14748E9" max="2.14748E9" units="cm"/>
+          <inkml:channel name="Y" type="integer" min="-2.14748E9" max="2.14748E9" units="cm"/>
+          <inkml:channel name="F" type="integer" max="32767" units="dev"/>
+        </inkml:traceFormat>
+        <inkml:channelProperties>
+          <inkml:channelProperty channel="X" name="resolution" value="1000" units="1/cm"/>
+          <inkml:channelProperty channel="Y" name="resolution" value="1000" units="1/cm"/>
+          <inkml:channelProperty channel="F" name="resolution" value="0" units="1/dev"/>
+        </inkml:channelProperties>
+      </inkml:inkSource>
+      <inkml:timestamp xml:id="ts0" timeString="2022-05-12T20:01:19.050"/>
+    </inkml:context>
+    <inkml:brush xml:id="br0">
+      <inkml:brushProperty name="width" value="0.025" units="cm"/>
+      <inkml:brushProperty name="height" value="0.025" units="cm"/>
+      <inkml:brushProperty name="color" value="#00A0D7"/>
+    </inkml:brush>
+  </inkml:definitions>
+  <inkml:trace contextRef="#ctx0" brushRef="#br0">0 15 24575,'1'0'0,"1"0"0,1 0 0,1-1 0,1-1 0,0-1 0,-1-2 0,0 2 0</inkml:trace>
+</inkml:ink>
+</file>
+
+<file path=ppt/ink/ink35.xml><?xml version="1.0" encoding="utf-8"?>
+<inkml:ink xmlns:inkml="http://www.w3.org/2003/InkML">
+  <inkml:definitions>
+    <inkml:context xml:id="ctx0">
+      <inkml:inkSource xml:id="inkSrc0">
+        <inkml:traceFormat>
+          <inkml:channel name="X" type="integer" min="-2.14748E9" max="2.14748E9" units="cm"/>
+          <inkml:channel name="Y" type="integer" min="-2.14748E9" max="2.14748E9" units="cm"/>
+          <inkml:channel name="F" type="integer" max="32767" units="dev"/>
+        </inkml:traceFormat>
+        <inkml:channelProperties>
+          <inkml:channelProperty channel="X" name="resolution" value="1000" units="1/cm"/>
+          <inkml:channelProperty channel="Y" name="resolution" value="1000" units="1/cm"/>
+          <inkml:channelProperty channel="F" name="resolution" value="0" units="1/dev"/>
+        </inkml:channelProperties>
+      </inkml:inkSource>
+      <inkml:timestamp xml:id="ts0" timeString="2022-05-12T20:01:19.051"/>
+    </inkml:context>
+    <inkml:brush xml:id="br0">
+      <inkml:brushProperty name="width" value="0.025" units="cm"/>
+      <inkml:brushProperty name="height" value="0.025" units="cm"/>
+      <inkml:brushProperty name="color" value="#00A0D7"/>
+    </inkml:brush>
+  </inkml:definitions>
+  <inkml:trace contextRef="#ctx0" brushRef="#br0">58 2 24575,'10'-1'0,"-1"1"0,-7 16 0,-12 122 0,9-137 0,1 0 0,-1 0 0,1 1 0,-1-1 0,1 0 0,-1 0 0,0 1 0,0-1 0,0 0 0,1 0 0,-1 0 0,0 0 0,0 0 0,0 0 0,-1-1 0,1 1 0,0 0 0,0 0 0,0-1 0,-1 1 0,1-1 0,0 1 0,0-1 0,-1 0 0,-2 1 0,2 0 0,1-1 0,-1 0 0,0 1 0,0-1 0,0 0 0,0 0 0,0 0 0,0 0 0,0 0 0,0 0 0,1-1 0,-1 1 0,0-1 0,0 1 0,0-1 0,1 0 0,-1 0 0,-3-1 0,5 2 0,0-1 0,0 1 0,0 0 0,0 0 0,0 0 0,-1 0 0,1 0 0,0 0 0,0 0 0,0 0 0,0-1 0,0 1 0,0 0 0,0 0 0,-1 0 0,1 0 0,0 0 0,0-1 0,0 1 0,0 0 0,0 0 0,0 0 0,0 0 0,0-1 0,0 1 0,0 0 0,0 0 0,0 0 0,0-1 0,0 1 0,0 0 0,0 0 0,0 0 0,0 0 0,0-1 0,0 1 0,0 0 0,0 0 0,1 0 0,-1 0 0,0 0 0,0-1 0,0 1 0,0 0 0,0 0 0,0 0 0,0 0 0,1 0 0,-1 0 0,0 0 0,0-1 0,14-2 0,15 3 0,7 7-1365</inkml:trace>
+</inkml:ink>
+</file>
+
+<file path=ppt/ink/ink36.xml><?xml version="1.0" encoding="utf-8"?>
+<inkml:ink xmlns:inkml="http://www.w3.org/2003/InkML">
+  <inkml:definitions>
+    <inkml:context xml:id="ctx0">
+      <inkml:inkSource xml:id="inkSrc0">
+        <inkml:traceFormat>
+          <inkml:channel name="X" type="integer" min="-2.14748E9" max="2.14748E9" units="cm"/>
+          <inkml:channel name="Y" type="integer" min="-2.14748E9" max="2.14748E9" units="cm"/>
+          <inkml:channel name="F" type="integer" max="32767" units="dev"/>
+        </inkml:traceFormat>
+        <inkml:channelProperties>
+          <inkml:channelProperty channel="X" name="resolution" value="1000" units="1/cm"/>
+          <inkml:channelProperty channel="Y" name="resolution" value="1000" units="1/cm"/>
+          <inkml:channelProperty channel="F" name="resolution" value="0" units="1/dev"/>
+        </inkml:channelProperties>
+      </inkml:inkSource>
+      <inkml:timestamp xml:id="ts0" timeString="2022-05-12T20:01:19.052"/>
+    </inkml:context>
+    <inkml:brush xml:id="br0">
+      <inkml:brushProperty name="width" value="0.025" units="cm"/>
+      <inkml:brushProperty name="height" value="0.025" units="cm"/>
+      <inkml:brushProperty name="color" value="#00A0D7"/>
+    </inkml:brush>
+  </inkml:definitions>
+  <inkml:trace contextRef="#ctx0" brushRef="#br0">0 54 24575,'2'-1'0,"-1"1"0,1-1 0,0 1 0,-1-1 0,0 0 0,1 0 0,-1 0 0,1 0 0,-1 0 0,0 0 0,0 0 0,1-1 0,-1 1 0,0 0 0,0-1 0,0 1 0,-1 0 0,1-1 0,0 1 0,0-3 0,0 2 0,0 0 0,0 0 0,0 0 0,0 1 0,0-1 0,1 0 0,-1 0 0,1 1 0,-1-1 0,1 1 0,-1-1 0,1 1 0,0 0 0,0 0 0,-1 0 0,1 0 0,3-1 0,-4 2 0,1 0 0,-1 0 0,1 0 0,0 0 0,-1 0 0,1 0 0,-1 1 0,1-1 0,-1 1 0,1-1 0,-1 1 0,1-1 0,-1 1 0,0 0 0,1 0 0,-1 0 0,0 0 0,0 0 0,0 0 0,1 0 0,-1 0 0,0 0 0,0 1 0,-1-1 0,1 0 0,0 1 0,0-1 0,-1 0 0,1 1 0,0-1 0,-1 1 0,0-1 0,1 1 0,-1 0 0,0-1 0,0 1 0,0 2 0,1 1 0,-1-1 0,1 1 0,-1 0 0,-1-1 0,1 1 0,-1 0 0,1-1 0,-1 1 0,0-1 0,-1 1 0,-3 7 0,3-9 0,0-1 0,0 1 0,-1-1 0,1 1 0,-1-1 0,0 0 0,1 0 0,-1 0 0,0 0 0,0-1 0,-6 3 0,5-2 0,1-1 0,0 1 0,-1 0 0,1 0 0,0 0 0,0 0 0,0 1 0,-3 3 0,6-6 0,0 0 0,-1 0 0,1 0 0,0 0 0,0 1 0,0-1 0,0 0 0,0 0 0,-1 0 0,1 1 0,0-1 0,0 0 0,0 0 0,0 0 0,0 1 0,0-1 0,0 0 0,0 0 0,0 1 0,0-1 0,0 0 0,0 0 0,0 1 0,0-1 0,0 0 0,0 0 0,0 0 0,0 1 0,0-1 0,0 0 0,0 0 0,0 1 0,1-1 0,-1 0 0,0 0 0,0 0 0,0 0 0,0 1 0,0-1 0,1 0 0,-1 0 0,0 0 0,14 5 0,18-5 0,-30 0 0,13 1-1365</inkml:trace>
+</inkml:ink>
+</file>
+
+<file path=ppt/ink/ink37.xml><?xml version="1.0" encoding="utf-8"?>
+<inkml:ink xmlns:inkml="http://www.w3.org/2003/InkML">
+  <inkml:definitions>
+    <inkml:context xml:id="ctx0">
+      <inkml:inkSource xml:id="inkSrc0">
+        <inkml:traceFormat>
+          <inkml:channel name="X" type="integer" min="-2.14748E9" max="2.14748E9" units="cm"/>
+          <inkml:channel name="Y" type="integer" min="-2.14748E9" max="2.14748E9" units="cm"/>
+          <inkml:channel name="F" type="integer" max="32767" units="dev"/>
+        </inkml:traceFormat>
+        <inkml:channelProperties>
+          <inkml:channelProperty channel="X" name="resolution" value="1000" units="1/cm"/>
+          <inkml:channelProperty channel="Y" name="resolution" value="1000" units="1/cm"/>
+          <inkml:channelProperty channel="F" name="resolution" value="0" units="1/dev"/>
+        </inkml:channelProperties>
+      </inkml:inkSource>
+      <inkml:timestamp xml:id="ts0" timeString="2022-05-12T20:01:19.053"/>
+    </inkml:context>
+    <inkml:brush xml:id="br0">
+      <inkml:brushProperty name="width" value="0.025" units="cm"/>
+      <inkml:brushProperty name="height" value="0.025" units="cm"/>
+      <inkml:brushProperty name="color" value="#00A0D7"/>
+    </inkml:brush>
+  </inkml:definitions>
+  <inkml:trace contextRef="#ctx0" brushRef="#br0">0 12 24575,'1'-1'0,"-1"0"0,0 1 0,1-1 0,-1 0 0,0 1 0,1-1 0,-1 1 0,1-1 0,-1 1 0,1-1 0,-1 1 0,1-1 0,0 1 0,-1-1 0,1 1 0,0 0 0,-1-1 0,1 1 0,0 0 0,-1 0 0,1-1 0,0 1 0,-1 0 0,1 0 0,0 0 0,0 0 0,-1 0 0,1 0 0,0 0 0,0 0 0,-1 0 0,2 1 0,0-1 0,1 0 0,-1 0 0,0 0 0,1 0 0,-1 1 0,0-1 0,0 1 0,0 0 0,4 1 0,-4 0 0,-1-1 0,1 1 0,-1-1 0,1 1 0,-1 0 0,1 0 0,-1 0 0,0 0 0,0 0 0,0 0 0,0 0 0,-1 0 0,1 0 0,0 0 0,-1 0 0,0 0 0,1 1 0,-1-1 0,0 0 0,0 0 0,0 1 0,0-1 0,-1 0 0,1 0 0,0 0 0,-1 1 0,0-1 0,1 0 0,-1 0 0,0 0 0,0 0 0,0 0 0,-1 0 0,1-1 0,0 1 0,-1 0 0,1 0 0,-1-1 0,0 1 0,1-1 0,-1 0 0,0 1 0,0-1 0,0 0 0,0 0 0,0 0 0,0 0 0,0 0 0,0-1 0,0 1 0,-3 0 0,5-1 0,0 0 0,0 0 0,0 0 0,-1 1 0,1-1 0,0 0 0,0 0 0,0 0 0,0 0 0,0 1 0,0-1 0,0 0 0,0 0 0,-1 0 0,1 1 0,0-1 0,0 0 0,0 0 0,0 1 0,0-1 0,0 0 0,0 0 0,0 0 0,0 1 0,0-1 0,1 0 0,-1 0 0,0 1 0,0-1 0,0 0 0,0 0 0,0 0 0,0 1 0,0-1 0,0 0 0,1 0 0,-1 0 0,0 0 0,0 1 0,0-1 0,0 0 0,1 0 0,-1 0 0,0 0 0,0 0 0,0 0 0,1 0 0,-1 0 0,0 1 0,0-1 0,0 0 0,1 0 0,-1 0 0,19 16 0,-3-2 0,-15-13 0,0 1 0,1-1 0,-1 1 0,0-1 0,0 1 0,0 0 0,0 0 0,0 0 0,-1-1 0,1 1 0,-1 0 0,1 0 0,-1 0 0,1 3 0,-2-4 0,1 0 0,-1 1 0,0-1 0,1 0 0,-1 0 0,0 0 0,0 0 0,0 0 0,0 0 0,0 0 0,0 0 0,0 0 0,-1-1 0,1 1 0,0 0 0,0-1 0,-1 1 0,1-1 0,0 1 0,-3 0 0,-29 6-1365,28-7-5461</inkml:trace>
+</inkml:ink>
+</file>
+
+<file path=ppt/ink/ink38.xml><?xml version="1.0" encoding="utf-8"?>
+<inkml:ink xmlns:inkml="http://www.w3.org/2003/InkML">
+  <inkml:definitions>
+    <inkml:context xml:id="ctx0">
+      <inkml:inkSource xml:id="inkSrc0">
+        <inkml:traceFormat>
+          <inkml:channel name="X" type="integer" min="-2.14748E9" max="2.14748E9" units="cm"/>
+          <inkml:channel name="Y" type="integer" min="-2.14748E9" max="2.14748E9" units="cm"/>
+          <inkml:channel name="F" type="integer" max="32767" units="dev"/>
+        </inkml:traceFormat>
+        <inkml:channelProperties>
+          <inkml:channelProperty channel="X" name="resolution" value="1000" units="1/cm"/>
+          <inkml:channelProperty channel="Y" name="resolution" value="1000" units="1/cm"/>
+          <inkml:channelProperty channel="F" name="resolution" value="0" units="1/dev"/>
+        </inkml:channelProperties>
+      </inkml:inkSource>
+      <inkml:timestamp xml:id="ts0" timeString="2022-05-12T20:01:19.054"/>
+    </inkml:context>
+    <inkml:brush xml:id="br0">
+      <inkml:brushProperty name="width" value="0.025" units="cm"/>
+      <inkml:brushProperty name="height" value="0.025" units="cm"/>
+      <inkml:brushProperty name="color" value="#00A0D7"/>
+    </inkml:brush>
+  </inkml:definitions>
+  <inkml:trace contextRef="#ctx0" brushRef="#br0">1 1 24575</inkml:trace>
+</inkml:ink>
+</file>
+
+<file path=ppt/ink/ink39.xml><?xml version="1.0" encoding="utf-8"?>
+<inkml:ink xmlns:inkml="http://www.w3.org/2003/InkML">
+  <inkml:definitions>
+    <inkml:context xml:id="ctx0">
+      <inkml:inkSource xml:id="inkSrc0">
+        <inkml:traceFormat>
+          <inkml:channel name="X" type="integer" min="-2.14748E9" max="2.14748E9" units="cm"/>
+          <inkml:channel name="Y" type="integer" min="-2.14748E9" max="2.14748E9" units="cm"/>
+          <inkml:channel name="F" type="integer" max="32767" units="dev"/>
+        </inkml:traceFormat>
+        <inkml:channelProperties>
+          <inkml:channelProperty channel="X" name="resolution" value="1000" units="1/cm"/>
+          <inkml:channelProperty channel="Y" name="resolution" value="1000" units="1/cm"/>
+          <inkml:channelProperty channel="F" name="resolution" value="0" units="1/dev"/>
+        </inkml:channelProperties>
+      </inkml:inkSource>
+      <inkml:timestamp xml:id="ts0" timeString="2022-05-12T20:01:19.055"/>
+    </inkml:context>
+    <inkml:brush xml:id="br0">
+      <inkml:brushProperty name="width" value="0.025" units="cm"/>
+      <inkml:brushProperty name="height" value="0.025" units="cm"/>
+      <inkml:brushProperty name="color" value="#00A0D7"/>
+    </inkml:brush>
+  </inkml:definitions>
+  <inkml:trace contextRef="#ctx0" brushRef="#br0">57 1 24575,'-2'4'0,"1"0"0,-1 0 0,0-1 0,0 1 0,0 0 0,-1-1 0,1 1 0,-1-1 0,0 0 0,-4 4 0,-5 6 0,11-11 0,-1-1 0,1 1 0,0 0 0,-1-1 0,1 1 0,0 0 0,0 0 0,0 0 0,0 0 0,0 0 0,1 0 0,-1 0 0,1 0 0,-1 0 0,1 0 0,0 0 0,0 1 0,0 2 0,1-4 0,0 0 0,0 1 0,0-1 0,1 0 0,-1 1 0,0-1 0,1 0 0,-1 0 0,1 0 0,-1 0 0,1-1 0,0 1 0,-1 0 0,1-1 0,0 1 0,-1-1 0,1 1 0,0-1 0,0 0 0,-1 0 0,4 0 0,16 2-66,39-1-1,-36-1-1165,-20 0-5594</inkml:trace>
+</inkml:ink>
+</file>
+
 <file path=ppt/ink/ink4.xml><?xml version="1.0" encoding="utf-8"?>
 <inkml:ink xmlns:inkml="http://www.w3.org/2003/InkML">
   <inkml:definitions>
@@ -832,6 +1062,286 @@
     </inkml:brush>
   </inkml:definitions>
   <inkml:trace contextRef="#ctx0" brushRef="#br0">58 2 24575,'10'-1'0,"-1"1"0,-7 16 0,-12 122 0,9-137 0,1 0 0,-1 0 0,1 1 0,-1-1 0,1 0 0,-1 0 0,0 1 0,0-1 0,0 0 0,1 0 0,-1 0 0,0 0 0,0 0 0,0 0 0,-1-1 0,1 1 0,0 0 0,0 0 0,0-1 0,-1 1 0,1-1 0,0 1 0,0-1 0,-1 0 0,-2 1 0,2 0 0,1-1 0,-1 0 0,0 1 0,0-1 0,0 0 0,0 0 0,0 0 0,0 0 0,0 0 0,0 0 0,1-1 0,-1 1 0,0-1 0,0 1 0,0-1 0,1 0 0,-1 0 0,-3-1 0,5 2 0,0-1 0,0 1 0,0 0 0,0 0 0,0 0 0,-1 0 0,1 0 0,0 0 0,0 0 0,0 0 0,0-1 0,0 1 0,0 0 0,0 0 0,-1 0 0,1 0 0,0 0 0,0-1 0,0 1 0,0 0 0,0 0 0,0 0 0,0 0 0,0-1 0,0 1 0,0 0 0,0 0 0,0 0 0,0-1 0,0 1 0,0 0 0,0 0 0,0 0 0,0 0 0,0-1 0,0 1 0,0 0 0,0 0 0,1 0 0,-1 0 0,0 0 0,0-1 0,0 1 0,0 0 0,0 0 0,0 0 0,0 0 0,1 0 0,-1 0 0,0 0 0,0-1 0,14-2 0,15 3 0,7 7-1365</inkml:trace>
+</inkml:ink>
+</file>
+
+<file path=ppt/ink/ink40.xml><?xml version="1.0" encoding="utf-8"?>
+<inkml:ink xmlns:inkml="http://www.w3.org/2003/InkML">
+  <inkml:definitions>
+    <inkml:context xml:id="ctx0">
+      <inkml:inkSource xml:id="inkSrc0">
+        <inkml:traceFormat>
+          <inkml:channel name="X" type="integer" min="-2.14748E9" max="2.14748E9" units="cm"/>
+          <inkml:channel name="Y" type="integer" min="-2.14748E9" max="2.14748E9" units="cm"/>
+          <inkml:channel name="F" type="integer" max="32767" units="dev"/>
+        </inkml:traceFormat>
+        <inkml:channelProperties>
+          <inkml:channelProperty channel="X" name="resolution" value="1000" units="1/cm"/>
+          <inkml:channelProperty channel="Y" name="resolution" value="1000" units="1/cm"/>
+          <inkml:channelProperty channel="F" name="resolution" value="0" units="1/dev"/>
+        </inkml:channelProperties>
+      </inkml:inkSource>
+      <inkml:timestamp xml:id="ts0" timeString="2022-05-12T20:01:19.056"/>
+    </inkml:context>
+    <inkml:brush xml:id="br0">
+      <inkml:brushProperty name="width" value="0.025" units="cm"/>
+      <inkml:brushProperty name="height" value="0.025" units="cm"/>
+      <inkml:brushProperty name="color" value="#00A0D7"/>
+    </inkml:brush>
+  </inkml:definitions>
+  <inkml:trace contextRef="#ctx0" brushRef="#br0">10 0 24575,'0'23'0,"-6"157"0,2-169-1365</inkml:trace>
+</inkml:ink>
+</file>
+
+<file path=ppt/ink/ink41.xml><?xml version="1.0" encoding="utf-8"?>
+<inkml:ink xmlns:inkml="http://www.w3.org/2003/InkML">
+  <inkml:definitions>
+    <inkml:context xml:id="ctx0">
+      <inkml:inkSource xml:id="inkSrc0">
+        <inkml:traceFormat>
+          <inkml:channel name="X" type="integer" min="-2.14748E9" max="2.14748E9" units="cm"/>
+          <inkml:channel name="Y" type="integer" min="-2.14748E9" max="2.14748E9" units="cm"/>
+          <inkml:channel name="F" type="integer" max="32767" units="dev"/>
+        </inkml:traceFormat>
+        <inkml:channelProperties>
+          <inkml:channelProperty channel="X" name="resolution" value="1000" units="1/cm"/>
+          <inkml:channelProperty channel="Y" name="resolution" value="1000" units="1/cm"/>
+          <inkml:channelProperty channel="F" name="resolution" value="0" units="1/dev"/>
+        </inkml:channelProperties>
+      </inkml:inkSource>
+      <inkml:timestamp xml:id="ts0" timeString="2022-05-12T20:01:19.057"/>
+    </inkml:context>
+    <inkml:brush xml:id="br0">
+      <inkml:brushProperty name="width" value="0.025" units="cm"/>
+      <inkml:brushProperty name="height" value="0.025" units="cm"/>
+      <inkml:brushProperty name="color" value="#00A0D7"/>
+    </inkml:brush>
+  </inkml:definitions>
+  <inkml:trace contextRef="#ctx0" brushRef="#br0">6 1 24575,'-1'18'0,"0"-13"0,1 0 0,-1 0 0,1 0 0,1 0 0,-1 1 0,3 7 0,-3-12 0,0 0 0,1-1 0,-1 1 0,1-1 0,-1 1 0,1-1 0,-1 1 0,1-1 0,-1 0 0,1 1 0,0-1 0,-1 0 0,1 1 0,0-1 0,-1 0 0,1 0 0,0 0 0,-1 1 0,1-1 0,0 0 0,-1 0 0,1 0 0,0 0 0,-1 0 0,1 0 0,1-1 0,25-2 0,-9 0 0,-16 3 0,-1 0 0,1 0 0,-1 0 0,0 1 0,1-1 0,-1 0 0,0 1 0,1-1 0,-1 1 0,0-1 0,0 1 0,1 0 0,-1-1 0,0 1 0,0 0 0,0 0 0,0 0 0,0 0 0,0 0 0,0 0 0,0 0 0,-1 0 0,1 0 0,0 1 0,-1-1 0,1 0 0,0 0 0,-1 1 0,0-1 0,1 0 0,-1 3 0,1-2 0,-1 0 0,0 1 0,0-1 0,-1 0 0,1 0 0,0 0 0,-1 0 0,1 0 0,-1 0 0,0 0 0,1 0 0,-1 0 0,0 0 0,0 0 0,0 0 0,-1 0 0,1-1 0,0 1 0,-3 2 0,1-1-72,0 0 1,-1 0-1,1-1 0,-1 1 0,1-1 0,-1 0 0,0 0 0,0 0 1,0 0-1,0 0 0,0-1 0,0 0 0,0 0 0,0 0 0,-1-1 1,1 1-1,0-1 0,-8 0 0,8 0-6754</inkml:trace>
+</inkml:ink>
+</file>
+
+<file path=ppt/ink/ink42.xml><?xml version="1.0" encoding="utf-8"?>
+<inkml:ink xmlns:inkml="http://www.w3.org/2003/InkML">
+  <inkml:definitions>
+    <inkml:context xml:id="ctx0">
+      <inkml:inkSource xml:id="inkSrc0">
+        <inkml:traceFormat>
+          <inkml:channel name="X" type="integer" min="-2.14748E9" max="2.14748E9" units="cm"/>
+          <inkml:channel name="Y" type="integer" min="-2.14748E9" max="2.14748E9" units="cm"/>
+          <inkml:channel name="F" type="integer" max="32767" units="dev"/>
+        </inkml:traceFormat>
+        <inkml:channelProperties>
+          <inkml:channelProperty channel="X" name="resolution" value="1000" units="1/cm"/>
+          <inkml:channelProperty channel="Y" name="resolution" value="1000" units="1/cm"/>
+          <inkml:channelProperty channel="F" name="resolution" value="0" units="1/dev"/>
+        </inkml:channelProperties>
+      </inkml:inkSource>
+      <inkml:timestamp xml:id="ts0" timeString="2022-05-12T20:01:19.058"/>
+    </inkml:context>
+    <inkml:brush xml:id="br0">
+      <inkml:brushProperty name="width" value="0.025" units="cm"/>
+      <inkml:brushProperty name="height" value="0.025" units="cm"/>
+      <inkml:brushProperty name="color" value="#00A0D7"/>
+    </inkml:brush>
+  </inkml:definitions>
+  <inkml:trace contextRef="#ctx0" brushRef="#br0">1 16 24575,'0'0'0,"2"0"0,3 0 0,0 0 0,1 0 0,0 0 0,0 0 0,-1-1 0,0-1 0,-1 0 0,1 0 0,-1 1 0,1-2 0,0 1 0,0 1 0,1 0 0</inkml:trace>
+</inkml:ink>
+</file>
+
+<file path=ppt/ink/ink43.xml><?xml version="1.0" encoding="utf-8"?>
+<inkml:ink xmlns:inkml="http://www.w3.org/2003/InkML">
+  <inkml:definitions>
+    <inkml:context xml:id="ctx0">
+      <inkml:inkSource xml:id="inkSrc0">
+        <inkml:traceFormat>
+          <inkml:channel name="X" type="integer" min="-2.14748E9" max="2.14748E9" units="cm"/>
+          <inkml:channel name="Y" type="integer" min="-2.14748E9" max="2.14748E9" units="cm"/>
+          <inkml:channel name="F" type="integer" max="32767" units="dev"/>
+        </inkml:traceFormat>
+        <inkml:channelProperties>
+          <inkml:channelProperty channel="X" name="resolution" value="1000" units="1/cm"/>
+          <inkml:channelProperty channel="Y" name="resolution" value="1000" units="1/cm"/>
+          <inkml:channelProperty channel="F" name="resolution" value="0" units="1/dev"/>
+        </inkml:channelProperties>
+      </inkml:inkSource>
+      <inkml:timestamp xml:id="ts0" timeString="2022-05-12T20:01:19.059"/>
+    </inkml:context>
+    <inkml:brush xml:id="br0">
+      <inkml:brushProperty name="width" value="0.025" units="cm"/>
+      <inkml:brushProperty name="height" value="0.025" units="cm"/>
+      <inkml:brushProperty name="color" value="#00A0D7"/>
+    </inkml:brush>
+  </inkml:definitions>
+  <inkml:trace contextRef="#ctx0" brushRef="#br0">91 1 24575,'-3'0'0,"-1"0"0,0 0 0,1 1 0,-1-1 0,1 1 0,-1 0 0,1 0 0,-1 0 0,1 1 0,0-1 0,-1 1 0,1-1 0,0 1 0,0 0 0,0 1 0,0-1 0,1 0 0,-4 4 0,3-2 0,0 0 0,1 0 0,-1 0 0,1 1 0,0-1 0,0 1 0,0-1 0,0 1 0,1 0 0,0-1 0,0 1 0,0 9 0,0-11 0,1 0 0,0 0 0,0 0 0,0 0 0,0 0 0,1 0 0,-1 0 0,1-1 0,0 1 0,0 0 0,2 5 0,-2-7 0,0 1 0,1-1 0,-1 1 0,0-1 0,1 0 0,-1 0 0,1 1 0,0-1 0,-1 0 0,1-1 0,0 1 0,0 0 0,-1 0 0,1-1 0,0 1 0,0-1 0,0 1 0,0-1 0,0 0 0,2 0 0,-3 1 0,0-1 0,0 0 0,0 0 0,0 0 0,1 1 0,-1-1 0,0 0 0,0 0 0,0-1 0,0 1 0,1 0 0,-1 0 0,0 0 0,0-1 0,0 1 0,0-1 0,0 1 0,0-1 0,0 1 0,0-1 0,0 0 0,0 1 0,0-1 0,0 0 0,0 0 0,0 0 0,-1 1 0,1-1 0,0 0 0,-1 0 0,1 0 0,-1 0 0,1 0 0,-1-1 0,1 1 0,-1 0 0,0 0 0,1 0 0,-1-2 0,0 0 0,0 1 0,0-1 0,-1 1 0,1-1 0,-1 1 0,1-1 0,-1 1 0,0 0 0,0-1 0,0 1 0,0 0 0,-1-1 0,1 1 0,-1 0 0,1 0 0,-1 0 0,-2-1 0,2 1-68,2 1 26,-1 0 0,0-1 0,0 1 0,0 0 0,0 0 1,0 0-1,0 1 0,0-1 0,0 0 0,-1 0 1,1 1-1,0-1 0,0 0 0,-1 1 0,1-1 0,0 1 1,-1 0-1,1-1 0,-1 1 0,1 0 0,0 0 0,-1 0 1,1 0-1,-1 0 0,1 0 0,0 0 0,-1 1 0,1-1 1,0 0-1,-3 1 0</inkml:trace>
+</inkml:ink>
+</file>
+
+<file path=ppt/ink/ink44.xml><?xml version="1.0" encoding="utf-8"?>
+<inkml:ink xmlns:inkml="http://www.w3.org/2003/InkML">
+  <inkml:definitions>
+    <inkml:context xml:id="ctx0">
+      <inkml:inkSource xml:id="inkSrc0">
+        <inkml:traceFormat>
+          <inkml:channel name="X" type="integer" min="-2.14748E9" max="2.14748E9" units="cm"/>
+          <inkml:channel name="Y" type="integer" min="-2.14748E9" max="2.14748E9" units="cm"/>
+          <inkml:channel name="F" type="integer" max="32767" units="dev"/>
+        </inkml:traceFormat>
+        <inkml:channelProperties>
+          <inkml:channelProperty channel="X" name="resolution" value="1000" units="1/cm"/>
+          <inkml:channelProperty channel="Y" name="resolution" value="1000" units="1/cm"/>
+          <inkml:channelProperty channel="F" name="resolution" value="0" units="1/dev"/>
+        </inkml:channelProperties>
+      </inkml:inkSource>
+      <inkml:timestamp xml:id="ts0" timeString="2022-05-12T20:01:19.060"/>
+    </inkml:context>
+    <inkml:brush xml:id="br0">
+      <inkml:brushProperty name="width" value="0.025" units="cm"/>
+      <inkml:brushProperty name="height" value="0.025" units="cm"/>
+      <inkml:brushProperty name="color" value="#00A0D7"/>
+    </inkml:brush>
+  </inkml:definitions>
+  <inkml:trace contextRef="#ctx0" brushRef="#br0">0 62 24575,'2'-54'0,"-3"53"0,1 1 0,0 0 0,0 0 0,0-1 0,0 1 0,0 0 0,0 0 0,1-1 0,-1 1 0,0 0 0,0-1 0,0 1 0,0 0 0,0 0 0,0 0 0,0-1 0,0 1 0,1 0 0,-1 0 0,0-1 0,0 1 0,0 0 0,1 0 0,-1 0 0,0 0 0,0-1 0,0 1 0,1 0 0,-1 0 0,0 0 0,0 0 0,1 0 0,-1 0 0,0 0 0,0 0 0,1-1 0,-1 1 0,0 0 0,0 0 0,1 0 0,-1 0 0,19 3 0,15 9 0,-33-11 0,0 0 0,0 0 0,0 0 0,0 0 0,0 1 0,0-1 0,0 0 0,0 0 0,-1 1 0,1-1 0,0 0 0,-1 1 0,1-1 0,-1 1 0,1-1 0,-1 1 0,0-1 0,0 1 0,0-1 0,0 1 0,0-1 0,0 3 0,-7 42 0,3-23 0,1-4-455,0 0 0,-9 23 0</inkml:trace>
+</inkml:ink>
+</file>
+
+<file path=ppt/ink/ink45.xml><?xml version="1.0" encoding="utf-8"?>
+<inkml:ink xmlns:inkml="http://www.w3.org/2003/InkML">
+  <inkml:definitions>
+    <inkml:context xml:id="ctx0">
+      <inkml:inkSource xml:id="inkSrc0">
+        <inkml:traceFormat>
+          <inkml:channel name="X" type="integer" min="-2.14748E9" max="2.14748E9" units="cm"/>
+          <inkml:channel name="Y" type="integer" min="-2.14748E9" max="2.14748E9" units="cm"/>
+          <inkml:channel name="F" type="integer" max="32767" units="dev"/>
+        </inkml:traceFormat>
+        <inkml:channelProperties>
+          <inkml:channelProperty channel="X" name="resolution" value="1000" units="1/cm"/>
+          <inkml:channelProperty channel="Y" name="resolution" value="1000" units="1/cm"/>
+          <inkml:channelProperty channel="F" name="resolution" value="0" units="1/dev"/>
+        </inkml:channelProperties>
+      </inkml:inkSource>
+      <inkml:timestamp xml:id="ts0" timeString="2022-05-12T20:01:19.061"/>
+    </inkml:context>
+    <inkml:brush xml:id="br0">
+      <inkml:brushProperty name="width" value="0.025" units="cm"/>
+      <inkml:brushProperty name="height" value="0.025" units="cm"/>
+      <inkml:brushProperty name="color" value="#00A0D7"/>
+    </inkml:brush>
+  </inkml:definitions>
+  <inkml:trace contextRef="#ctx0" brushRef="#br0">0 5 24575,'1'0'0,"1"0"0,3 0 0,1 0 0,3 0 0,0 0 0,1 0 0,-2 0 0,0 0 0,-2 0 0,0 0 0,0 0 0,-1-1 0,0-1 0,0 1 0,0 0 0</inkml:trace>
+</inkml:ink>
+</file>
+
+<file path=ppt/ink/ink46.xml><?xml version="1.0" encoding="utf-8"?>
+<inkml:ink xmlns:inkml="http://www.w3.org/2003/InkML">
+  <inkml:definitions>
+    <inkml:context xml:id="ctx0">
+      <inkml:inkSource xml:id="inkSrc0">
+        <inkml:traceFormat>
+          <inkml:channel name="X" type="integer" min="-2.14748E9" max="2.14748E9" units="cm"/>
+          <inkml:channel name="Y" type="integer" min="-2.14748E9" max="2.14748E9" units="cm"/>
+          <inkml:channel name="F" type="integer" max="32767" units="dev"/>
+        </inkml:traceFormat>
+        <inkml:channelProperties>
+          <inkml:channelProperty channel="X" name="resolution" value="1000" units="1/cm"/>
+          <inkml:channelProperty channel="Y" name="resolution" value="1000" units="1/cm"/>
+          <inkml:channelProperty channel="F" name="resolution" value="0" units="1/dev"/>
+        </inkml:channelProperties>
+      </inkml:inkSource>
+      <inkml:timestamp xml:id="ts0" timeString="2022-05-12T20:01:19.062"/>
+    </inkml:context>
+    <inkml:brush xml:id="br0">
+      <inkml:brushProperty name="width" value="0.025" units="cm"/>
+      <inkml:brushProperty name="height" value="0.025" units="cm"/>
+      <inkml:brushProperty name="color" value="#00A0D7"/>
+    </inkml:brush>
+  </inkml:definitions>
+  <inkml:trace contextRef="#ctx0" brushRef="#br0">111 44 24575,'0'-2'0,"1"1"0,-1-1 0,0 0 0,0 1 0,-1-1 0,1 0 0,0 1 0,-1-1 0,1 1 0,-1-1 0,1 1 0,-1-1 0,0 1 0,1-1 0,-1 1 0,0-1 0,0 1 0,0 0 0,0-1 0,0 1 0,0 0 0,-1 0 0,1 0 0,0 0 0,-1 0 0,1 0 0,0 0 0,-1 1 0,1-1 0,-1 0 0,0 1 0,1-1 0,-1 1 0,1 0 0,-1-1 0,0 1 0,1 0 0,-1 0 0,0 0 0,1 0 0,-1 0 0,1 0 0,-3 1 0,1 0 0,0-1 0,-1 1 0,1 0 0,0 0 0,0 0 0,0 1 0,0-1 0,0 1 0,0 0 0,0-1 0,0 1 0,1 1 0,-1-1 0,1 0 0,-1 1 0,1-1 0,0 1 0,0-1 0,0 1 0,-2 5 0,3-7 0,1 0 0,-1 0 0,0 1 0,1-1 0,0 0 0,-1 1 0,1-1 0,0 0 0,-1 1 0,1-1 0,0 1 0,0-1 0,0 0 0,0 1 0,1-1 0,-1 1 0,0-1 0,1 0 0,-1 1 0,0-1 0,1 0 0,0 0 0,-1 1 0,1-1 0,0 0 0,0 0 0,1 2 0,1-1 0,0 0 0,0 0 0,1 0 0,-1-1 0,1 1 0,0-1 0,-1 0 0,5 1 0,27 12 0,-34-13 0,1 0 0,-1 0 0,0 0 0,0 0 0,0 0 0,0 1 0,0-1 0,0 0 0,0 1 0,0-1 0,0 0 0,-1 1 0,1-1 0,0 1 0,-1-1 0,1 1 0,-1-1 0,0 1 0,1-1 0,-1 1 0,0 2 0,0 0 0,-1-1 0,1 1 0,-1-1 0,0 1 0,0-1 0,0 0 0,0 1 0,-1-1 0,1 0 0,-1 0 0,0 0 0,0 0 0,0 0 0,-4 4 0,5-6 0,0 0 0,1-1 0,-1 1 0,0-1 0,0 1 0,1-1 0,-1 1 0,0-1 0,0 1 0,0-1 0,0 0 0,1 1 0,-1-1 0,0 0 0,0 0 0,0 0 0,0 0 0,0 0 0,0 0 0,0 0 0,0 0 0,-1 0 0,1-1 0,-1 1 0,1-1 0,0 0 0,0 0 0,0 0 0,0 0 0,-1 0 0,1 0 0,0 0 0,1-1 0,-1 1 0,0 0 0,0-1 0,0 1 0,1 0 0,-1-1 0,1 1 0,-1-3 0,0 2 0,0 0-1,1 0 0,-1 0 0,1 0 1,0 0-1,0 0 0,0 0 1,0 0-1,0 0 0,0 0 0,0 0 1,1 0-1,-1 0 0,1 1 1,-1-1-1,1 0 0,1-4 1,23-25 89,1-2-1531</inkml:trace>
+</inkml:ink>
+</file>
+
+<file path=ppt/ink/ink47.xml><?xml version="1.0" encoding="utf-8"?>
+<inkml:ink xmlns:inkml="http://www.w3.org/2003/InkML">
+  <inkml:definitions>
+    <inkml:context xml:id="ctx0">
+      <inkml:inkSource xml:id="inkSrc0">
+        <inkml:traceFormat>
+          <inkml:channel name="X" type="integer" min="-2.14748E9" max="2.14748E9" units="cm"/>
+          <inkml:channel name="Y" type="integer" min="-2.14748E9" max="2.14748E9" units="cm"/>
+          <inkml:channel name="F" type="integer" max="32767" units="dev"/>
+        </inkml:traceFormat>
+        <inkml:channelProperties>
+          <inkml:channelProperty channel="X" name="resolution" value="1000" units="1/cm"/>
+          <inkml:channelProperty channel="Y" name="resolution" value="1000" units="1/cm"/>
+          <inkml:channelProperty channel="F" name="resolution" value="0" units="1/dev"/>
+        </inkml:channelProperties>
+      </inkml:inkSource>
+      <inkml:timestamp xml:id="ts0" timeString="2022-05-12T20:01:19.063"/>
+    </inkml:context>
+    <inkml:brush xml:id="br0">
+      <inkml:brushProperty name="width" value="0.025" units="cm"/>
+      <inkml:brushProperty name="height" value="0.025" units="cm"/>
+      <inkml:brushProperty name="color" value="#00A0D7"/>
+    </inkml:brush>
+  </inkml:definitions>
+  <inkml:trace contextRef="#ctx0" brushRef="#br0">74 1 24575,'-3'0'0,"1"0"0,-1 0 0,0 0 0,0 0 0,0 0 0,0 1 0,0 0 0,1-1 0,-1 1 0,0 0 0,1 0 0,-1 0 0,0 1 0,-3 2 0,4-2 0,1 0 0,-1 0 0,1 0 0,0 0 0,0 0 0,0 0 0,0 1 0,0-1 0,0 0 0,1 1 0,-1-1 0,1 0 0,-1 1 0,1-1 0,0 1 0,0-1 0,0 1 0,1 3 0,-1-5 0,0 1 0,1-1 0,-1 1 0,0-1 0,1 0 0,-1 1 0,1-1 0,-1 0 0,1 1 0,-1-1 0,1 0 0,0 1 0,0-1 0,0 0 0,0 0 0,0 0 0,0 0 0,0 0 0,0 0 0,0 0 0,0 0 0,0-1 0,1 1 0,-1 0 0,0-1 0,1 1 0,-1-1 0,0 1 0,1-1 0,-1 1 0,1-1 0,-1 0 0,1 0 0,-1 0 0,1 0 0,-1 0 0,0 0 0,1 0 0,-1-1 0,1 1 0,-1 0 0,1-1 0,-1 1 0,0-1 0,1 1 0,-1-1 0,0 0 0,0 0 0,1 0 0,-1 1 0,0-1 0,0 0 0,0 0 0,0 0 0,0-1 0,0 1 0,-1 0 0,1 0 0,0 0 0,0-1 0,-1 1 0,1 0 0,-1-1 0,1-2 0,0 3 0,-1-1 0,1 1 0,-1-1 0,0 1 0,0-1 0,0 0 0,0 1 0,0-1 0,0 1 0,0-1 0,0 1 0,-1-1 0,1 1 0,-1-1 0,1 1 0,-2-3 0,-2-7 0,16 20 0,3 9 0,-12-14 0,0 0 0,0 0 0,-1 0 0,0 0 0,0 0 0,3 9 0,-5-11 0,1-1 0,-1 0 0,0 1 0,0-1 0,0 0 0,-1 1 0,1-1 0,0 1 0,0-1 0,-1 0 0,1 1 0,-1-1 0,1 0 0,-1 0 0,0 1 0,1-1 0,-1 0 0,0 0 0,0 0 0,0 0 0,0 0 0,0 0 0,0 0 0,0 0 0,0 0 0,0 0 0,-2 0 0,-21 22 0,-12 9 0,35-31 0,-1 0 0,1 0 0,-1 0 0,1 0 0,-1 0 0,0-1 0,0 1 0,1 0 0,-1-1 0,0 0 0,0 1 0,1-1 0,-1 0 0,0 0 0,0 0 0,0 0 0,1 0 0,-1 0 0,0-1 0,0 1 0,-2-1 0,-2-4-1365</inkml:trace>
+</inkml:ink>
+</file>
+
+<file path=ppt/ink/ink48.xml><?xml version="1.0" encoding="utf-8"?>
+<inkml:ink xmlns:inkml="http://www.w3.org/2003/InkML">
+  <inkml:definitions>
+    <inkml:context xml:id="ctx0">
+      <inkml:inkSource xml:id="inkSrc0">
+        <inkml:traceFormat>
+          <inkml:channel name="X" type="integer" min="-2.14748E9" max="2.14748E9" units="cm"/>
+          <inkml:channel name="Y" type="integer" min="-2.14748E9" max="2.14748E9" units="cm"/>
+          <inkml:channel name="F" type="integer" max="32767" units="dev"/>
+        </inkml:traceFormat>
+        <inkml:channelProperties>
+          <inkml:channelProperty channel="X" name="resolution" value="1000" units="1/cm"/>
+          <inkml:channelProperty channel="Y" name="resolution" value="1000" units="1/cm"/>
+          <inkml:channelProperty channel="F" name="resolution" value="0" units="1/dev"/>
+        </inkml:channelProperties>
+      </inkml:inkSource>
+      <inkml:timestamp xml:id="ts0" timeString="2022-05-12T20:01:19.064"/>
+    </inkml:context>
+    <inkml:brush xml:id="br0">
+      <inkml:brushProperty name="width" value="0.025" units="cm"/>
+      <inkml:brushProperty name="height" value="0.025" units="cm"/>
+      <inkml:brushProperty name="color" value="#00A0D7"/>
+    </inkml:brush>
+  </inkml:definitions>
+  <inkml:trace contextRef="#ctx0" brushRef="#br0">0 10 24575,'9'0'0,"-1"-1"0,0 0 0,0 0 0,0 0 0,10-4 0,-18 5 0,1 0 0,-1 0 0,0 1 0,1-1 0,-1 0 0,0 1 0,1-1 0,-1 0 0,0 1 0,1-1 0,-1 1 0,0-1 0,0 1 0,1-1 0,-1 1 0,0-1 0,0 1 0,0-1 0,0 1 0,0-1 0,0 1 0,1-1 0,-1 1 0,0-1 0,-1 1 0,1-1 0,0 1 0,0-1 0,0 1 0,0-1 0,0 1 0,0-1 0,-1 1 0,-2 21 0,-4 3 0,-1 0 0,-18 41 0,26-66-30,0 0 0,0 1-1,0-1 1,0 0 0,-1 0-1,1 1 1,0-1 0,0 0-1,0 0 1,0 1 0,0-1-1,0 0 1,0 0 0,0 1-1,0-1 1,0 0-1,0 1 1,0-1 0,0 0-1,0 0 1,0 1 0,0-1-1,0 0 1,0 1 0,0-1-1,0 0 1,0 0 0,0 1-1,0-1 1,1 0 0,-1 0-1,0 1 1,0-1 0,0 0-1,0 0 1,1 0 0,-1 1-1,0-1 1,0 0 0,1 0-1,-1 0 1,0 0 0,0 1-1,1-1 1,4 1-6796</inkml:trace>
+</inkml:ink>
+</file>
+
+<file path=ppt/ink/ink49.xml><?xml version="1.0" encoding="utf-8"?>
+<inkml:ink xmlns:inkml="http://www.w3.org/2003/InkML">
+  <inkml:definitions>
+    <inkml:context xml:id="ctx0">
+      <inkml:inkSource xml:id="inkSrc0">
+        <inkml:traceFormat>
+          <inkml:channel name="X" type="integer" min="-2.14748E9" max="2.14748E9" units="cm"/>
+          <inkml:channel name="Y" type="integer" min="-2.14748E9" max="2.14748E9" units="cm"/>
+          <inkml:channel name="F" type="integer" max="32767" units="dev"/>
+        </inkml:traceFormat>
+        <inkml:channelProperties>
+          <inkml:channelProperty channel="X" name="resolution" value="1000" units="1/cm"/>
+          <inkml:channelProperty channel="Y" name="resolution" value="1000" units="1/cm"/>
+          <inkml:channelProperty channel="F" name="resolution" value="0" units="1/dev"/>
+        </inkml:channelProperties>
+      </inkml:inkSource>
+      <inkml:timestamp xml:id="ts0" timeString="2022-05-12T20:01:19.065"/>
+    </inkml:context>
+    <inkml:brush xml:id="br0">
+      <inkml:brushProperty name="width" value="0.025" units="cm"/>
+      <inkml:brushProperty name="height" value="0.025" units="cm"/>
+      <inkml:brushProperty name="color" value="#00A0D7"/>
+    </inkml:brush>
+  </inkml:definitions>
+  <inkml:trace contextRef="#ctx0" brushRef="#br0">77 111 24575,'0'1'0,"0"-1"0,-1 1 0,1 0 0,0 0 0,0 0 0,-1-1 0,1 1 0,0 0 0,-1 0 0,1-1 0,-1 1 0,1 0 0,-1-1 0,1 1 0,-1-1 0,1 1 0,-1 0 0,0-1 0,1 1 0,-1-1 0,0 0 0,1 1 0,-1-1 0,0 1 0,0-1 0,1 0 0,-1 0 0,0 1 0,0-1 0,0 0 0,1 0 0,-1 0 0,0 0 0,0 0 0,0 0 0,0 0 0,1 0 0,-1 0 0,0-1 0,0 1 0,-1-1 0,-1 1 0,0-1 0,-1 0 0,1 1 0,0-1 0,0-1 0,0 1 0,0 0 0,0-1 0,-3-2 0,4 1 0,0 1 0,1-1 0,-1 0 0,1 0 0,0 0 0,-1 1 0,1-2 0,0 1 0,1 0 0,-1 0 0,1 0 0,-1 0 0,1 0 0,0-1 0,0 1 0,0 0 0,1 0 0,-1 0 0,1 0 0,0-1 0,-1 1 0,1 0 0,1 0 0,-1 0 0,0 1 0,1-1 0,0 0 0,-1 0 0,1 1 0,0-1 0,0 1 0,1 0 0,-1-1 0,0 1 0,1 0 0,-1 0 0,1 1 0,0-1 0,4-2 0,-6 4 0,0 0 0,0 0 0,-1 0 0,1-1 0,0 1 0,0 0 0,-1 0 0,1 0 0,0 1 0,0-1 0,-1 0 0,1 0 0,0 0 0,-1 0 0,1 1 0,0-1 0,-1 0 0,1 1 0,0-1 0,-1 0 0,1 1 0,0-1 0,-1 1 0,1-1 0,-1 1 0,1-1 0,-1 1 0,1 1 0,0 0 0,1 0 0,-2 0 0,1 0 0,0 1 0,0-1 0,-1 0 0,1 1 0,-1-1 0,1 4 0,-1 1 0,0 1 0,0-1 0,-1 1 0,-3 14 0,-8 2-1365,9-20-5461</inkml:trace>
 </inkml:ink>
 </file>
 
@@ -863,6 +1373,286 @@
 </inkml:ink>
 </file>
 
+<file path=ppt/ink/ink50.xml><?xml version="1.0" encoding="utf-8"?>
+<inkml:ink xmlns:inkml="http://www.w3.org/2003/InkML">
+  <inkml:definitions>
+    <inkml:context xml:id="ctx0">
+      <inkml:inkSource xml:id="inkSrc0">
+        <inkml:traceFormat>
+          <inkml:channel name="X" type="integer" min="-2.14748E9" max="2.14748E9" units="cm"/>
+          <inkml:channel name="Y" type="integer" min="-2.14748E9" max="2.14748E9" units="cm"/>
+          <inkml:channel name="F" type="integer" max="32767" units="dev"/>
+        </inkml:traceFormat>
+        <inkml:channelProperties>
+          <inkml:channelProperty channel="X" name="resolution" value="1000" units="1/cm"/>
+          <inkml:channelProperty channel="Y" name="resolution" value="1000" units="1/cm"/>
+          <inkml:channelProperty channel="F" name="resolution" value="0" units="1/dev"/>
+        </inkml:channelProperties>
+      </inkml:inkSource>
+      <inkml:timestamp xml:id="ts0" timeString="2022-05-12T20:01:19.066"/>
+    </inkml:context>
+    <inkml:brush xml:id="br0">
+      <inkml:brushProperty name="width" value="0.025" units="cm"/>
+      <inkml:brushProperty name="height" value="0.025" units="cm"/>
+      <inkml:brushProperty name="color" value="#00A0D7"/>
+    </inkml:brush>
+  </inkml:definitions>
+  <inkml:trace contextRef="#ctx0" brushRef="#br0">1 31 24575,'0'-2'0,"1"0"0,-1 0 0,1 0 0,0 0 0,0 1 0,0-1 0,0 0 0,0 1 0,0-1 0,0 1 0,0-1 0,1 1 0,-1 0 0,2-2 0,-2 3 0,-1-1 0,0 1 0,1 0 0,-1-1 0,1 1 0,-1 0 0,0 0 0,1-1 0,-1 1 0,1 0 0,-1 0 0,1-1 0,-1 1 0,0 0 0,1 0 0,-1 0 0,1 0 0,-1 0 0,1 0 0,-1 0 0,1 0 0,-1 0 0,1 0 0,-1 0 0,1 0 0,-1 0 0,1 0 0,-1 0 0,1 1 0,-1-1 0,1 0 0,-1 0 0,0 1 0,1-1 0,-1 0 0,1 0 0,-1 1 0,0-1 0,1 0 0,-1 1 0,0-1 0,1 1 0,-1-1 0,0 0 0,0 1 0,0-1 0,1 1 0,-1-1 0,0 1 0,0-1 0,0 1 0,0-1 0,0 1 0,0-1 0,1 1 0,-1-1 0,0 1 0,-1-1 0,1 0 0,0 1 0,0-1 0,0 2 0,1 96-1365,-1-89-5461</inkml:trace>
+</inkml:ink>
+</file>
+
+<file path=ppt/ink/ink51.xml><?xml version="1.0" encoding="utf-8"?>
+<inkml:ink xmlns:inkml="http://www.w3.org/2003/InkML">
+  <inkml:definitions>
+    <inkml:context xml:id="ctx0">
+      <inkml:inkSource xml:id="inkSrc0">
+        <inkml:traceFormat>
+          <inkml:channel name="X" type="integer" min="-2.14748E9" max="2.14748E9" units="cm"/>
+          <inkml:channel name="Y" type="integer" min="-2.14748E9" max="2.14748E9" units="cm"/>
+          <inkml:channel name="F" type="integer" max="32767" units="dev"/>
+        </inkml:traceFormat>
+        <inkml:channelProperties>
+          <inkml:channelProperty channel="X" name="resolution" value="1000" units="1/cm"/>
+          <inkml:channelProperty channel="Y" name="resolution" value="1000" units="1/cm"/>
+          <inkml:channelProperty channel="F" name="resolution" value="0" units="1/dev"/>
+        </inkml:channelProperties>
+      </inkml:inkSource>
+      <inkml:timestamp xml:id="ts0" timeString="2022-05-12T20:01:19.067"/>
+    </inkml:context>
+    <inkml:brush xml:id="br0">
+      <inkml:brushProperty name="width" value="0.025" units="cm"/>
+      <inkml:brushProperty name="height" value="0.025" units="cm"/>
+      <inkml:brushProperty name="color" value="#00A0D7"/>
+    </inkml:brush>
+  </inkml:definitions>
+  <inkml:trace contextRef="#ctx0" brushRef="#br0">1 24 24575,'-1'-2'0,"1"1"0,0 0 0,0 0 0,0 0 0,0-1 0,0 1 0,1 0 0,-1 0 0,0 0 0,1-1 0,-1 1 0,0 0 0,1 0 0,0 0 0,-1 0 0,1 0 0,-1 0 0,1 0 0,1-1 0,3 5 0,-1 13 0,-5 89-1365,1-100-5461</inkml:trace>
+</inkml:ink>
+</file>
+
+<file path=ppt/ink/ink52.xml><?xml version="1.0" encoding="utf-8"?>
+<inkml:ink xmlns:inkml="http://www.w3.org/2003/InkML">
+  <inkml:definitions>
+    <inkml:context xml:id="ctx0">
+      <inkml:inkSource xml:id="inkSrc0">
+        <inkml:traceFormat>
+          <inkml:channel name="X" type="integer" min="-2.14748E9" max="2.14748E9" units="cm"/>
+          <inkml:channel name="Y" type="integer" min="-2.14748E9" max="2.14748E9" units="cm"/>
+          <inkml:channel name="F" type="integer" max="32767" units="dev"/>
+        </inkml:traceFormat>
+        <inkml:channelProperties>
+          <inkml:channelProperty channel="X" name="resolution" value="1000" units="1/cm"/>
+          <inkml:channelProperty channel="Y" name="resolution" value="1000" units="1/cm"/>
+          <inkml:channelProperty channel="F" name="resolution" value="0" units="1/dev"/>
+        </inkml:channelProperties>
+      </inkml:inkSource>
+      <inkml:timestamp xml:id="ts0" timeString="2022-05-12T20:01:19.068"/>
+    </inkml:context>
+    <inkml:brush xml:id="br0">
+      <inkml:brushProperty name="width" value="0.025" units="cm"/>
+      <inkml:brushProperty name="height" value="0.025" units="cm"/>
+      <inkml:brushProperty name="color" value="#00A0D7"/>
+    </inkml:brush>
+  </inkml:definitions>
+  <inkml:trace contextRef="#ctx0" brushRef="#br0">1 56 24575,'2'-3'0,"-1"1"0,1 0 0,-1-1 0,1 1 0,-1-1 0,0 0 0,0 1 0,0-1 0,0 0 0,1-4 0,5-16 0,-6 23 0,-1 0 0,1 1 0,-1-1 0,1 0 0,-1 0 0,1 0 0,-1 1 0,0-1 0,1 0 0,-1 1 0,1-1 0,-1 0 0,0 1 0,1-1 0,-1 1 0,0-1 0,1 0 0,-1 1 0,0-1 0,0 1 0,1-1 0,-1 1 0,0-1 0,0 1 0,0-1 0,0 1 0,0-1 0,1 1 0,-1-1 0,0 1 0,0-1 0,-1 1 0,9 22 0,-7-12-22,1 1-1,-1 0 0,-2 20 0,1-10-1251,0-18-5552</inkml:trace>
+</inkml:ink>
+</file>
+
+<file path=ppt/ink/ink53.xml><?xml version="1.0" encoding="utf-8"?>
+<inkml:ink xmlns:inkml="http://www.w3.org/2003/InkML">
+  <inkml:definitions>
+    <inkml:context xml:id="ctx0">
+      <inkml:inkSource xml:id="inkSrc0">
+        <inkml:traceFormat>
+          <inkml:channel name="X" type="integer" min="-2.14748E9" max="2.14748E9" units="cm"/>
+          <inkml:channel name="Y" type="integer" min="-2.14748E9" max="2.14748E9" units="cm"/>
+          <inkml:channel name="F" type="integer" max="32767" units="dev"/>
+        </inkml:traceFormat>
+        <inkml:channelProperties>
+          <inkml:channelProperty channel="X" name="resolution" value="1000" units="1/cm"/>
+          <inkml:channelProperty channel="Y" name="resolution" value="1000" units="1/cm"/>
+          <inkml:channelProperty channel="F" name="resolution" value="0" units="1/dev"/>
+        </inkml:channelProperties>
+      </inkml:inkSource>
+      <inkml:timestamp xml:id="ts0" timeString="2022-05-12T20:01:19.069"/>
+    </inkml:context>
+    <inkml:brush xml:id="br0">
+      <inkml:brushProperty name="width" value="0.025" units="cm"/>
+      <inkml:brushProperty name="height" value="0.025" units="cm"/>
+      <inkml:brushProperty name="color" value="#00A0D7"/>
+    </inkml:brush>
+  </inkml:definitions>
+  <inkml:trace contextRef="#ctx0" brushRef="#br0">25 1 24575,'0'-1'0,"1"1"0,0 0 0,-1 0 0,1 0 0,0 0 0,-1 1 0,1-1 0,0 0 0,-1 0 0,1 0 0,-1 0 0,1 1 0,0-1 0,-1 0 0,1 1 0,-1-1 0,1 0 0,0 1 0,-1-1 0,1 1 0,-1-1 0,0 1 0,1-1 0,-1 1 0,1-1 0,-1 1 0,0-1 0,1 1 0,-1 1 0,1 0 0,-1-1 0,0 1 0,0 0 0,0 0 0,0 0 0,0 0 0,0-1 0,0 1 0,-1 0 0,0 3 0,-2 2 0,1 0 0,-1-1 0,0 1 0,-8 10 0,7-11 0,3-5 0,-1 1 0,0 0 0,1 0 0,0 0 0,-1 0 0,1 0 0,0 0 0,0 1 0,-1 2 0,7 2 0,14-4 0,35-3-1365,-49 0-5461</inkml:trace>
+</inkml:ink>
+</file>
+
+<file path=ppt/ink/ink54.xml><?xml version="1.0" encoding="utf-8"?>
+<inkml:ink xmlns:inkml="http://www.w3.org/2003/InkML">
+  <inkml:definitions>
+    <inkml:context xml:id="ctx0">
+      <inkml:inkSource xml:id="inkSrc0">
+        <inkml:traceFormat>
+          <inkml:channel name="X" type="integer" min="-2.14748E9" max="2.14748E9" units="cm"/>
+          <inkml:channel name="Y" type="integer" min="-2.14748E9" max="2.14748E9" units="cm"/>
+          <inkml:channel name="F" type="integer" max="32767" units="dev"/>
+        </inkml:traceFormat>
+        <inkml:channelProperties>
+          <inkml:channelProperty channel="X" name="resolution" value="1000" units="1/cm"/>
+          <inkml:channelProperty channel="Y" name="resolution" value="1000" units="1/cm"/>
+          <inkml:channelProperty channel="F" name="resolution" value="0" units="1/dev"/>
+        </inkml:channelProperties>
+      </inkml:inkSource>
+      <inkml:timestamp xml:id="ts0" timeString="2022-05-12T20:01:19.070"/>
+    </inkml:context>
+    <inkml:brush xml:id="br0">
+      <inkml:brushProperty name="width" value="0.025" units="cm"/>
+      <inkml:brushProperty name="height" value="0.025" units="cm"/>
+      <inkml:brushProperty name="color" value="#00A0D7"/>
+    </inkml:brush>
+  </inkml:definitions>
+  <inkml:trace contextRef="#ctx0" brushRef="#br0">1 12 24575,'0'-1'0,"1"0"0,1-1 0,1 0 0,1-1 0,-1 0 0</inkml:trace>
+</inkml:ink>
+</file>
+
+<file path=ppt/ink/ink55.xml><?xml version="1.0" encoding="utf-8"?>
+<inkml:ink xmlns:inkml="http://www.w3.org/2003/InkML">
+  <inkml:definitions>
+    <inkml:context xml:id="ctx0">
+      <inkml:inkSource xml:id="inkSrc0">
+        <inkml:traceFormat>
+          <inkml:channel name="X" type="integer" min="-2.14748E9" max="2.14748E9" units="cm"/>
+          <inkml:channel name="Y" type="integer" min="-2.14748E9" max="2.14748E9" units="cm"/>
+          <inkml:channel name="F" type="integer" max="32767" units="dev"/>
+        </inkml:traceFormat>
+        <inkml:channelProperties>
+          <inkml:channelProperty channel="X" name="resolution" value="1000" units="1/cm"/>
+          <inkml:channelProperty channel="Y" name="resolution" value="1000" units="1/cm"/>
+          <inkml:channelProperty channel="F" name="resolution" value="0" units="1/dev"/>
+        </inkml:channelProperties>
+      </inkml:inkSource>
+      <inkml:timestamp xml:id="ts0" timeString="2022-05-12T20:01:19.071"/>
+    </inkml:context>
+    <inkml:brush xml:id="br0">
+      <inkml:brushProperty name="width" value="0.025" units="cm"/>
+      <inkml:brushProperty name="height" value="0.025" units="cm"/>
+      <inkml:brushProperty name="color" value="#00A0D7"/>
+    </inkml:brush>
+  </inkml:definitions>
+  <inkml:trace contextRef="#ctx0" brushRef="#br0">0 60 24575,'2'-1'0,"-1"1"0,1-1 0,-1 1 0,1-1 0,-1 0 0,1 1 0,-1-1 0,1 0 0,-1 0 0,0 0 0,0 0 0,0 0 0,1 0 0,-1-1 0,0 1 0,0 0 0,0 0 0,1-3 0,16-29 0,-15 27 0,-2 62 0,-2-43-273,0-1 0,-1 1 0,0-1 0,-6 18 0</inkml:trace>
+</inkml:ink>
+</file>
+
+<file path=ppt/ink/ink56.xml><?xml version="1.0" encoding="utf-8"?>
+<inkml:ink xmlns:inkml="http://www.w3.org/2003/InkML">
+  <inkml:definitions>
+    <inkml:context xml:id="ctx0">
+      <inkml:inkSource xml:id="inkSrc0">
+        <inkml:traceFormat>
+          <inkml:channel name="X" type="integer" min="-2.14748E9" max="2.14748E9" units="cm"/>
+          <inkml:channel name="Y" type="integer" min="-2.14748E9" max="2.14748E9" units="cm"/>
+          <inkml:channel name="F" type="integer" max="32767" units="dev"/>
+        </inkml:traceFormat>
+        <inkml:channelProperties>
+          <inkml:channelProperty channel="X" name="resolution" value="1000" units="1/cm"/>
+          <inkml:channelProperty channel="Y" name="resolution" value="1000" units="1/cm"/>
+          <inkml:channelProperty channel="F" name="resolution" value="0" units="1/dev"/>
+        </inkml:channelProperties>
+      </inkml:inkSource>
+      <inkml:timestamp xml:id="ts0" timeString="2022-05-12T20:01:19.072"/>
+    </inkml:context>
+    <inkml:brush xml:id="br0">
+      <inkml:brushProperty name="width" value="0.025" units="cm"/>
+      <inkml:brushProperty name="height" value="0.025" units="cm"/>
+      <inkml:brushProperty name="color" value="#00A0D7"/>
+    </inkml:brush>
+  </inkml:definitions>
+  <inkml:trace contextRef="#ctx0" brushRef="#br0">30 9 24575,'0'-1'0,"1"0"0,-1 1 0,1-1 0,-1 1 0,1-1 0,-1 1 0,1-1 0,-1 1 0,1-1 0,0 1 0,-1-1 0,1 1 0,0 0 0,-1-1 0,1 1 0,0 0 0,-1 0 0,1 0 0,0 0 0,0-1 0,-1 1 0,1 0 0,0 0 0,0 0 0,-1 1 0,1-1 0,0 0 0,0 0 0,-1 0 0,1 0 0,0 1 0,-1-1 0,1 0 0,0 1 0,-1-1 0,1 0 0,0 1 0,-1-1 0,1 1 0,-1-1 0,1 1 0,-1-1 0,1 1 0,-1 0 0,1-1 0,-1 1 0,1-1 0,-1 2 0,1 0 0,0 1 0,0-1 0,-1 0 0,1 0 0,-1 1 0,0-1 0,0 0 0,0 1 0,0-1 0,0 0 0,0 1 0,0-1 0,-1 0 0,1 0 0,-1 1 0,0-1 0,0 0 0,0 0 0,0 0 0,0 0 0,0 0 0,0 0 0,-1 0 0,1 0 0,-1-1 0,1 1 0,-1 0 0,0-1 0,1 1 0,-5 1 0,7-1 0,1-1 0,-1 0 0,0 1 0,1-1 0,-1 0 0,1 0 0,0 0 0,-1-1 0,1 1 0,0 0 0,0-1 0,2 2 0,9 4 0,-12-5 0,0 0 0,0 0 0,0 0 0,-1 0 0,1 0 0,0 0 0,-1 1 0,1-1 0,-1 0 0,0 0 0,1 1 0,-1-1 0,0 0 0,0 1 0,1-1 0,-1 0 0,0 1 0,-1-1 0,1 0 0,0 1 0,0-1 0,0 0 0,-1 1 0,1-1 0,-1 0 0,1 0 0,-1 1 0,1-1 0,-1 0 0,0 0 0,0 0 0,1 0 0,-1 0 0,0 0 0,-1 1 0,0 0 0,1-1 0,-1 1 0,0-1 0,0 0 0,0 0 0,1 1 0,-1-1 0,0 0 0,0-1 0,0 1 0,0 0 0,-1-1 0,1 1 0,0-1 0,0 1 0,0-1 0,0 0 0,-1 0 0,1 0 0,0 0 0,-3-1 0,-20-6-1365</inkml:trace>
+</inkml:ink>
+</file>
+
+<file path=ppt/ink/ink57.xml><?xml version="1.0" encoding="utf-8"?>
+<inkml:ink xmlns:inkml="http://www.w3.org/2003/InkML">
+  <inkml:definitions>
+    <inkml:context xml:id="ctx0">
+      <inkml:inkSource xml:id="inkSrc0">
+        <inkml:traceFormat>
+          <inkml:channel name="X" type="integer" min="-2.14748E9" max="2.14748E9" units="cm"/>
+          <inkml:channel name="Y" type="integer" min="-2.14748E9" max="2.14748E9" units="cm"/>
+          <inkml:channel name="F" type="integer" max="32767" units="dev"/>
+        </inkml:traceFormat>
+        <inkml:channelProperties>
+          <inkml:channelProperty channel="X" name="resolution" value="1000" units="1/cm"/>
+          <inkml:channelProperty channel="Y" name="resolution" value="1000" units="1/cm"/>
+          <inkml:channelProperty channel="F" name="resolution" value="0" units="1/dev"/>
+        </inkml:channelProperties>
+      </inkml:inkSource>
+      <inkml:timestamp xml:id="ts0" timeString="2022-05-12T20:01:19.073"/>
+    </inkml:context>
+    <inkml:brush xml:id="br0">
+      <inkml:brushProperty name="width" value="0.025" units="cm"/>
+      <inkml:brushProperty name="height" value="0.025" units="cm"/>
+      <inkml:brushProperty name="color" value="#00A0D7"/>
+    </inkml:brush>
+  </inkml:definitions>
+  <inkml:trace contextRef="#ctx0" brushRef="#br0">1 33 24575,'0'-2'0,"0"0"0,0 1 0,0-1 0,0 1 0,0-1 0,1 1 0,-1-1 0,0 1 0,1 0 0,-1-1 0,1 1 0,0-1 0,-1 1 0,1 0 0,0 0 0,0-1 0,0 1 0,0 0 0,0 0 0,0 0 0,2-1 0,-3 1 0,1 1 0,-1 0 0,0 0 0,1 0 0,-1 0 0,1 0 0,-1 0 0,0 0 0,1-1 0,-1 1 0,1 0 0,-1 0 0,1 1 0,-1-1 0,0 0 0,1 0 0,-1 0 0,1 0 0,-1 0 0,0 0 0,1 0 0,-1 1 0,1-1 0,-1 0 0,0 0 0,1 1 0,8 17 0,-6 2-455,0 0 0,-1 38 0,-2-52-6371</inkml:trace>
+</inkml:ink>
+</file>
+
+<file path=ppt/ink/ink58.xml><?xml version="1.0" encoding="utf-8"?>
+<inkml:ink xmlns:inkml="http://www.w3.org/2003/InkML">
+  <inkml:definitions>
+    <inkml:context xml:id="ctx0">
+      <inkml:inkSource xml:id="inkSrc0">
+        <inkml:traceFormat>
+          <inkml:channel name="X" type="integer" min="-2.14748E9" max="2.14748E9" units="cm"/>
+          <inkml:channel name="Y" type="integer" min="-2.14748E9" max="2.14748E9" units="cm"/>
+          <inkml:channel name="F" type="integer" max="32767" units="dev"/>
+        </inkml:traceFormat>
+        <inkml:channelProperties>
+          <inkml:channelProperty channel="X" name="resolution" value="1000" units="1/cm"/>
+          <inkml:channelProperty channel="Y" name="resolution" value="1000" units="1/cm"/>
+          <inkml:channelProperty channel="F" name="resolution" value="0" units="1/dev"/>
+        </inkml:channelProperties>
+      </inkml:inkSource>
+      <inkml:timestamp xml:id="ts0" timeString="2022-05-12T20:01:19.074"/>
+    </inkml:context>
+    <inkml:brush xml:id="br0">
+      <inkml:brushProperty name="width" value="0.025" units="cm"/>
+      <inkml:brushProperty name="height" value="0.025" units="cm"/>
+      <inkml:brushProperty name="color" value="#00A0D7"/>
+    </inkml:brush>
+  </inkml:definitions>
+  <inkml:trace contextRef="#ctx0" brushRef="#br0">34 1 24575,'0'6'0,"-1"1"0,-1-1 0,1 1 0,-1-1 0,0 0 0,0 1 0,-5 7 0,4-8 0,1 0 0,-1 0 0,1 0 0,0 0 0,1 1 0,-1-1 0,0 8 0,3-14 0,-1 1 0,1 0 0,-1-1 0,1 1 0,0 0 0,-1-1 0,1 1 0,-1-1 0,1 1 0,0-1 0,-1 1 0,1-1 0,0 0 0,0 1 0,0-1 0,-1 0 0,1 1 0,0-1 0,0 0 0,0 0 0,-1 0 0,1 0 0,0 0 0,0 0 0,0 0 0,0 0 0,-1 0 0,2-1 0,30 0 0,-30 0 0,45-11-1365</inkml:trace>
+</inkml:ink>
+</file>
+
+<file path=ppt/ink/ink59.xml><?xml version="1.0" encoding="utf-8"?>
+<inkml:ink xmlns:inkml="http://www.w3.org/2003/InkML">
+  <inkml:definitions>
+    <inkml:context xml:id="ctx0">
+      <inkml:inkSource xml:id="inkSrc0">
+        <inkml:traceFormat>
+          <inkml:channel name="X" type="integer" min="-2.14748E9" max="2.14748E9" units="cm"/>
+          <inkml:channel name="Y" type="integer" min="-2.14748E9" max="2.14748E9" units="cm"/>
+          <inkml:channel name="F" type="integer" max="32767" units="dev"/>
+        </inkml:traceFormat>
+        <inkml:channelProperties>
+          <inkml:channelProperty channel="X" name="resolution" value="1000" units="1/cm"/>
+          <inkml:channelProperty channel="Y" name="resolution" value="1000" units="1/cm"/>
+          <inkml:channelProperty channel="F" name="resolution" value="0" units="1/dev"/>
+        </inkml:channelProperties>
+      </inkml:inkSource>
+      <inkml:timestamp xml:id="ts0" timeString="2022-05-12T20:01:19.075"/>
+    </inkml:context>
+    <inkml:brush xml:id="br0">
+      <inkml:brushProperty name="width" value="0.025" units="cm"/>
+      <inkml:brushProperty name="height" value="0.025" units="cm"/>
+      <inkml:brushProperty name="color" value="#00A0D7"/>
+    </inkml:brush>
+  </inkml:definitions>
+  <inkml:trace contextRef="#ctx0" brushRef="#br0">1 1 24575,'0'0'0,"0"6"0,3 7 0,2 4 0,0 3 0,1-1 0,-1-1 0,-1 0 0,-1-4 0,0-3 0,-2-3 0,1-1 0,-2-2 0,0 0 0</inkml:trace>
+</inkml:ink>
+</file>
+
 <file path=ppt/ink/ink6.xml><?xml version="1.0" encoding="utf-8"?>
 <inkml:ink xmlns:inkml="http://www.w3.org/2003/InkML">
   <inkml:definitions>
@@ -888,6 +1678,90 @@
     </inkml:brush>
   </inkml:definitions>
   <inkml:trace contextRef="#ctx0" brushRef="#br0">0 12 24575,'1'-1'0,"-1"0"0,0 1 0,1-1 0,-1 0 0,0 1 0,1-1 0,-1 1 0,1-1 0,-1 1 0,1-1 0,-1 1 0,1-1 0,0 1 0,-1-1 0,1 1 0,0 0 0,-1-1 0,1 1 0,0 0 0,-1 0 0,1-1 0,0 1 0,-1 0 0,1 0 0,0 0 0,0 0 0,-1 0 0,1 0 0,0 0 0,0 0 0,-1 0 0,2 1 0,0-1 0,1 0 0,-1 0 0,0 0 0,1 0 0,-1 1 0,0-1 0,0 1 0,0 0 0,4 1 0,-4 0 0,-1-1 0,1 1 0,-1-1 0,1 1 0,-1 0 0,1 0 0,-1 0 0,0 0 0,0 0 0,0 0 0,0 0 0,-1 0 0,1 0 0,0 0 0,-1 0 0,0 0 0,1 1 0,-1-1 0,0 0 0,0 0 0,0 1 0,0-1 0,-1 0 0,1 0 0,0 0 0,-1 1 0,0-1 0,1 0 0,-1 0 0,0 0 0,0 0 0,0 0 0,-1 0 0,1-1 0,0 1 0,-1 0 0,1 0 0,-1-1 0,0 1 0,1-1 0,-1 0 0,0 1 0,0-1 0,0 0 0,0 0 0,0 0 0,0 0 0,0 0 0,0-1 0,0 1 0,-3 0 0,5-1 0,0 0 0,0 0 0,0 0 0,-1 1 0,1-1 0,0 0 0,0 0 0,0 0 0,0 0 0,0 1 0,0-1 0,0 0 0,0 0 0,-1 0 0,1 1 0,0-1 0,0 0 0,0 0 0,0 1 0,0-1 0,0 0 0,0 0 0,0 0 0,0 1 0,0-1 0,1 0 0,-1 0 0,0 1 0,0-1 0,0 0 0,0 0 0,0 0 0,0 1 0,0-1 0,0 0 0,1 0 0,-1 0 0,0 0 0,0 1 0,0-1 0,0 0 0,1 0 0,-1 0 0,0 0 0,0 0 0,0 0 0,1 0 0,-1 0 0,0 1 0,0-1 0,0 0 0,1 0 0,-1 0 0,19 16 0,-3-2 0,-15-13 0,0 1 0,1-1 0,-1 1 0,0-1 0,0 1 0,0 0 0,0 0 0,0 0 0,-1-1 0,1 1 0,-1 0 0,1 0 0,-1 0 0,1 3 0,-2-4 0,1 0 0,-1 1 0,0-1 0,1 0 0,-1 0 0,0 0 0,0 0 0,0 0 0,0 0 0,0 0 0,0 0 0,0 0 0,-1-1 0,1 1 0,0 0 0,0-1 0,-1 1 0,1-1 0,0 1 0,-3 0 0,-29 6-1365,28-7-5461</inkml:trace>
+</inkml:ink>
+</file>
+
+<file path=ppt/ink/ink60.xml><?xml version="1.0" encoding="utf-8"?>
+<inkml:ink xmlns:inkml="http://www.w3.org/2003/InkML">
+  <inkml:definitions>
+    <inkml:context xml:id="ctx0">
+      <inkml:inkSource xml:id="inkSrc0">
+        <inkml:traceFormat>
+          <inkml:channel name="X" type="integer" min="-2.14748E9" max="2.14748E9" units="cm"/>
+          <inkml:channel name="Y" type="integer" min="-2.14748E9" max="2.14748E9" units="cm"/>
+          <inkml:channel name="F" type="integer" max="32767" units="dev"/>
+        </inkml:traceFormat>
+        <inkml:channelProperties>
+          <inkml:channelProperty channel="X" name="resolution" value="1000" units="1/cm"/>
+          <inkml:channelProperty channel="Y" name="resolution" value="1000" units="1/cm"/>
+          <inkml:channelProperty channel="F" name="resolution" value="0" units="1/dev"/>
+        </inkml:channelProperties>
+      </inkml:inkSource>
+      <inkml:timestamp xml:id="ts0" timeString="2022-05-12T20:01:19.076"/>
+    </inkml:context>
+    <inkml:brush xml:id="br0">
+      <inkml:brushProperty name="width" value="0.025" units="cm"/>
+      <inkml:brushProperty name="height" value="0.025" units="cm"/>
+      <inkml:brushProperty name="color" value="#00A0D7"/>
+    </inkml:brush>
+  </inkml:definitions>
+  <inkml:trace contextRef="#ctx0" brushRef="#br0">0 55 24575,'0'-6'0,"1"0"0,0 0 0,0 0 0,0 1 0,0-1 0,1 0 0,4-8 0,-2 58 0,-5 24-1365,1-56-5461</inkml:trace>
+</inkml:ink>
+</file>
+
+<file path=ppt/ink/ink61.xml><?xml version="1.0" encoding="utf-8"?>
+<inkml:ink xmlns:inkml="http://www.w3.org/2003/InkML">
+  <inkml:definitions>
+    <inkml:context xml:id="ctx0">
+      <inkml:inkSource xml:id="inkSrc0">
+        <inkml:traceFormat>
+          <inkml:channel name="X" type="integer" min="-2.14748E9" max="2.14748E9" units="cm"/>
+          <inkml:channel name="Y" type="integer" min="-2.14748E9" max="2.14748E9" units="cm"/>
+          <inkml:channel name="F" type="integer" max="32767" units="dev"/>
+        </inkml:traceFormat>
+        <inkml:channelProperties>
+          <inkml:channelProperty channel="X" name="resolution" value="1000" units="1/cm"/>
+          <inkml:channelProperty channel="Y" name="resolution" value="1000" units="1/cm"/>
+          <inkml:channelProperty channel="F" name="resolution" value="0" units="1/dev"/>
+        </inkml:channelProperties>
+      </inkml:inkSource>
+      <inkml:timestamp xml:id="ts0" timeString="2022-05-12T20:01:19.077"/>
+    </inkml:context>
+    <inkml:brush xml:id="br0">
+      <inkml:brushProperty name="width" value="0.025" units="cm"/>
+      <inkml:brushProperty name="height" value="0.025" units="cm"/>
+      <inkml:brushProperty name="color" value="#00A0D7"/>
+    </inkml:brush>
+  </inkml:definitions>
+  <inkml:trace contextRef="#ctx0" brushRef="#br0">68 0 24575,'-1'21'0,"0"-14"0,1-1 0,0 1 0,0-1 0,0 0 0,1 1 0,1 7 0,-1-14 0,-1 1 0,0-1 0,1 1 0,-1-1 0,0 1 0,1 0 0,-1-1 0,1 0 0,-1 1 0,1-1 0,-1 1 0,1-1 0,-1 1 0,1-1 0,0 0 0,-1 1 0,1-1 0,-1 0 0,1 0 0,0 0 0,-1 1 0,1-1 0,0 0 0,-1 0 0,1 0 0,0 0 0,-1 0 0,1 0 0,0 0 0,-1 0 0,1-1 0,0 1 0,0 0 0,0-1 0,0 1 0,-1 0 0,1 0 0,0 0 0,-1 0 0,1 0 0,0 0 0,-1-1 0,1 1 0,0 1 0,0-1 0,-1 0 0,1 0 0,0 0 0,-1 0 0,1 0 0,0 1 0,-1-1 0,1 0 0,-1 1 0,1-1 0,0 0 0,-1 1 0,1-1 0,-1 1 0,1-1 0,-1 1 0,1-1 0,-1 1 0,1-1 0,-1 1 0,0-1 0,1 1 0,-1 0 0,0-1 0,1 1 0,-1 0 0,0-1 0,0 1 0,0 0 0,0-1 0,1 1 0,-1 1 0,0 0 0,1 0 0,-1 0 0,0 0 0,1 0 0,-1-1 0,0 1 0,0 0 0,0 0 0,-1 0 0,1 0 0,0 0 0,-1 0 0,1 0 0,-1 0 0,0 0 0,0 2 0,-1-3 0,0 0 0,0 0 0,0 0 0,0-1 0,0 1 0,0 0 0,0-1 0,0 0 0,0 1 0,0-1 0,0 0 0,0 0 0,0 0 0,0 0 0,-4-1 0,-9 1-98,8 0-113,-1 0 0,1 0 0,0-1-1,0 0 1,-10-3 0,12 2-6615</inkml:trace>
+</inkml:ink>
+</file>
+
+<file path=ppt/ink/ink62.xml><?xml version="1.0" encoding="utf-8"?>
+<inkml:ink xmlns:inkml="http://www.w3.org/2003/InkML">
+  <inkml:definitions>
+    <inkml:context xml:id="ctx0">
+      <inkml:inkSource xml:id="inkSrc0">
+        <inkml:traceFormat>
+          <inkml:channel name="X" type="integer" min="-2.14748E9" max="2.14748E9" units="cm"/>
+          <inkml:channel name="Y" type="integer" min="-2.14748E9" max="2.14748E9" units="cm"/>
+          <inkml:channel name="F" type="integer" max="32767" units="dev"/>
+        </inkml:traceFormat>
+        <inkml:channelProperties>
+          <inkml:channelProperty channel="X" name="resolution" value="1000" units="1/cm"/>
+          <inkml:channelProperty channel="Y" name="resolution" value="1000" units="1/cm"/>
+          <inkml:channelProperty channel="F" name="resolution" value="0" units="1/dev"/>
+        </inkml:channelProperties>
+      </inkml:inkSource>
+      <inkml:timestamp xml:id="ts0" timeString="2022-05-12T20:01:19.078"/>
+    </inkml:context>
+    <inkml:brush xml:id="br0">
+      <inkml:brushProperty name="width" value="0.025" units="cm"/>
+      <inkml:brushProperty name="height" value="0.025" units="cm"/>
+      <inkml:brushProperty name="color" value="#00A0D7"/>
+    </inkml:brush>
+  </inkml:definitions>
+  <inkml:trace contextRef="#ctx0" brushRef="#br0">1 1 24575,'111'10'-1365,"-106"-10"-5461</inkml:trace>
 </inkml:ink>
 </file>
 
@@ -1124,7 +1998,7 @@
           <a:p>
             <a:fld id="{36C3229D-1A33-46A6-BD22-36929FF9F78A}" type="datetimeFigureOut">
               <a:rPr lang="en-GB" smtClean="0"/>
-              <a:t>10/03/2022</a:t>
+              <a:t>13/05/2022</a:t>
             </a:fld>
             <a:endParaRPr lang="en-GB"/>
           </a:p>
@@ -1324,7 +2198,7 @@
           <a:p>
             <a:fld id="{36C3229D-1A33-46A6-BD22-36929FF9F78A}" type="datetimeFigureOut">
               <a:rPr lang="en-GB" smtClean="0"/>
-              <a:t>10/03/2022</a:t>
+              <a:t>13/05/2022</a:t>
             </a:fld>
             <a:endParaRPr lang="en-GB"/>
           </a:p>
@@ -1534,7 +2408,7 @@
           <a:p>
             <a:fld id="{36C3229D-1A33-46A6-BD22-36929FF9F78A}" type="datetimeFigureOut">
               <a:rPr lang="en-GB" smtClean="0"/>
-              <a:t>10/03/2022</a:t>
+              <a:t>13/05/2022</a:t>
             </a:fld>
             <a:endParaRPr lang="en-GB"/>
           </a:p>
@@ -1734,7 +2608,7 @@
           <a:p>
             <a:fld id="{36C3229D-1A33-46A6-BD22-36929FF9F78A}" type="datetimeFigureOut">
               <a:rPr lang="en-GB" smtClean="0"/>
-              <a:t>10/03/2022</a:t>
+              <a:t>13/05/2022</a:t>
             </a:fld>
             <a:endParaRPr lang="en-GB"/>
           </a:p>
@@ -2010,7 +2884,7 @@
           <a:p>
             <a:fld id="{36C3229D-1A33-46A6-BD22-36929FF9F78A}" type="datetimeFigureOut">
               <a:rPr lang="en-GB" smtClean="0"/>
-              <a:t>10/03/2022</a:t>
+              <a:t>13/05/2022</a:t>
             </a:fld>
             <a:endParaRPr lang="en-GB"/>
           </a:p>
@@ -2278,7 +3152,7 @@
           <a:p>
             <a:fld id="{36C3229D-1A33-46A6-BD22-36929FF9F78A}" type="datetimeFigureOut">
               <a:rPr lang="en-GB" smtClean="0"/>
-              <a:t>10/03/2022</a:t>
+              <a:t>13/05/2022</a:t>
             </a:fld>
             <a:endParaRPr lang="en-GB"/>
           </a:p>
@@ -2693,7 +3567,7 @@
           <a:p>
             <a:fld id="{36C3229D-1A33-46A6-BD22-36929FF9F78A}" type="datetimeFigureOut">
               <a:rPr lang="en-GB" smtClean="0"/>
-              <a:t>10/03/2022</a:t>
+              <a:t>13/05/2022</a:t>
             </a:fld>
             <a:endParaRPr lang="en-GB"/>
           </a:p>
@@ -2835,7 +3709,7 @@
           <a:p>
             <a:fld id="{36C3229D-1A33-46A6-BD22-36929FF9F78A}" type="datetimeFigureOut">
               <a:rPr lang="en-GB" smtClean="0"/>
-              <a:t>10/03/2022</a:t>
+              <a:t>13/05/2022</a:t>
             </a:fld>
             <a:endParaRPr lang="en-GB"/>
           </a:p>
@@ -2948,7 +3822,7 @@
           <a:p>
             <a:fld id="{36C3229D-1A33-46A6-BD22-36929FF9F78A}" type="datetimeFigureOut">
               <a:rPr lang="en-GB" smtClean="0"/>
-              <a:t>10/03/2022</a:t>
+              <a:t>13/05/2022</a:t>
             </a:fld>
             <a:endParaRPr lang="en-GB"/>
           </a:p>
@@ -3261,7 +4135,7 @@
           <a:p>
             <a:fld id="{36C3229D-1A33-46A6-BD22-36929FF9F78A}" type="datetimeFigureOut">
               <a:rPr lang="en-GB" smtClean="0"/>
-              <a:t>10/03/2022</a:t>
+              <a:t>13/05/2022</a:t>
             </a:fld>
             <a:endParaRPr lang="en-GB"/>
           </a:p>
@@ -3550,7 +4424,7 @@
           <a:p>
             <a:fld id="{36C3229D-1A33-46A6-BD22-36929FF9F78A}" type="datetimeFigureOut">
               <a:rPr lang="en-GB" smtClean="0"/>
-              <a:t>10/03/2022</a:t>
+              <a:t>13/05/2022</a:t>
             </a:fld>
             <a:endParaRPr lang="en-GB"/>
           </a:p>
@@ -3793,7 +4667,7 @@
           <a:p>
             <a:fld id="{36C3229D-1A33-46A6-BD22-36929FF9F78A}" type="datetimeFigureOut">
               <a:rPr lang="en-GB" smtClean="0"/>
-              <a:t>10/03/2022</a:t>
+              <a:t>13/05/2022</a:t>
             </a:fld>
             <a:endParaRPr lang="en-GB"/>
           </a:p>
@@ -5182,8 +6056,8 @@
         </p:nvSpPr>
         <p:spPr>
           <a:xfrm>
-            <a:off x="4387507" y="1137208"/>
-            <a:ext cx="230392" cy="387941"/>
+            <a:off x="4289696" y="1084758"/>
+            <a:ext cx="404149" cy="440392"/>
           </a:xfrm>
           <a:prstGeom prst="roundRect">
             <a:avLst/>
@@ -5243,8 +6117,8 @@
         </p:nvSpPr>
         <p:spPr>
           <a:xfrm>
-            <a:off x="5257409" y="1137208"/>
-            <a:ext cx="262244" cy="387941"/>
+            <a:off x="5168701" y="1105796"/>
+            <a:ext cx="416760" cy="387941"/>
           </a:xfrm>
           <a:prstGeom prst="roundRect">
             <a:avLst/>
@@ -5403,8 +6277,8 @@
           </a:p>
         </p:txBody>
       </p:sp>
-      <mc:AlternateContent xmlns:mc="http://schemas.openxmlformats.org/markup-compatibility/2006">
-        <mc:Choice xmlns:p14="http://schemas.microsoft.com/office/powerpoint/2010/main" Requires="p14">
+      <mc:AlternateContent xmlns:mc="http://schemas.openxmlformats.org/markup-compatibility/2006" xmlns:p14="http://schemas.microsoft.com/office/powerpoint/2010/main">
+        <mc:Choice Requires="p14">
           <p:contentPart p14:bwMode="auto" r:id="rId4">
             <p14:nvContentPartPr>
               <p14:cNvPr id="35" name="Ink 34">
@@ -5423,7 +6297,7 @@
             </p14:xfrm>
           </p:contentPart>
         </mc:Choice>
-        <mc:Fallback>
+        <mc:Fallback xmlns="">
           <p:pic>
             <p:nvPicPr>
               <p:cNvPr id="35" name="Ink 34">
@@ -5454,8 +6328,8 @@
           </p:pic>
         </mc:Fallback>
       </mc:AlternateContent>
-      <mc:AlternateContent xmlns:mc="http://schemas.openxmlformats.org/markup-compatibility/2006">
-        <mc:Choice xmlns:p14="http://schemas.microsoft.com/office/powerpoint/2010/main" Requires="p14">
+      <mc:AlternateContent xmlns:mc="http://schemas.openxmlformats.org/markup-compatibility/2006" xmlns:p14="http://schemas.microsoft.com/office/powerpoint/2010/main">
+        <mc:Choice Requires="p14">
           <p:contentPart p14:bwMode="auto" r:id="rId6">
             <p14:nvContentPartPr>
               <p14:cNvPr id="36" name="Ink 35">
@@ -5474,7 +6348,7 @@
             </p14:xfrm>
           </p:contentPart>
         </mc:Choice>
-        <mc:Fallback>
+        <mc:Fallback xmlns="">
           <p:pic>
             <p:nvPicPr>
               <p:cNvPr id="36" name="Ink 35">
@@ -5525,8 +6399,8 @@
             <a:chExt cx="29520" cy="64800"/>
           </a:xfrm>
         </p:grpSpPr>
-        <mc:AlternateContent xmlns:mc="http://schemas.openxmlformats.org/markup-compatibility/2006">
-          <mc:Choice xmlns:p14="http://schemas.microsoft.com/office/powerpoint/2010/main" Requires="p14">
+        <mc:AlternateContent xmlns:mc="http://schemas.openxmlformats.org/markup-compatibility/2006" xmlns:p14="http://schemas.microsoft.com/office/powerpoint/2010/main">
+          <mc:Choice Requires="p14">
             <p:contentPart p14:bwMode="auto" r:id="rId8">
               <p14:nvContentPartPr>
                 <p14:cNvPr id="37" name="Ink 36">
@@ -5545,7 +6419,7 @@
               </p14:xfrm>
             </p:contentPart>
           </mc:Choice>
-          <mc:Fallback>
+          <mc:Fallback xmlns="">
             <p:pic>
               <p:nvPicPr>
                 <p:cNvPr id="37" name="Ink 36">
@@ -5576,8 +6450,8 @@
             </p:pic>
           </mc:Fallback>
         </mc:AlternateContent>
-        <mc:AlternateContent xmlns:mc="http://schemas.openxmlformats.org/markup-compatibility/2006">
-          <mc:Choice xmlns:p14="http://schemas.microsoft.com/office/powerpoint/2010/main" Requires="p14">
+        <mc:AlternateContent xmlns:mc="http://schemas.openxmlformats.org/markup-compatibility/2006" xmlns:p14="http://schemas.microsoft.com/office/powerpoint/2010/main">
+          <mc:Choice Requires="p14">
             <p:contentPart p14:bwMode="auto" r:id="rId10">
               <p14:nvContentPartPr>
                 <p14:cNvPr id="38" name="Ink 37">
@@ -5596,7 +6470,7 @@
               </p14:xfrm>
             </p:contentPart>
           </mc:Choice>
-          <mc:Fallback>
+          <mc:Fallback xmlns="">
             <p:pic>
               <p:nvPicPr>
                 <p:cNvPr id="38" name="Ink 37">
@@ -5628,8 +6502,8 @@
           </mc:Fallback>
         </mc:AlternateContent>
       </p:grpSp>
-      <mc:AlternateContent xmlns:mc="http://schemas.openxmlformats.org/markup-compatibility/2006">
-        <mc:Choice xmlns:p14="http://schemas.microsoft.com/office/powerpoint/2010/main" Requires="p14">
+      <mc:AlternateContent xmlns:mc="http://schemas.openxmlformats.org/markup-compatibility/2006" xmlns:p14="http://schemas.microsoft.com/office/powerpoint/2010/main">
+        <mc:Choice Requires="p14">
           <p:contentPart p14:bwMode="auto" r:id="rId12">
             <p14:nvContentPartPr>
               <p14:cNvPr id="39" name="Ink 38">
@@ -5648,7 +6522,7 @@
             </p14:xfrm>
           </p:contentPart>
         </mc:Choice>
-        <mc:Fallback>
+        <mc:Fallback xmlns="">
           <p:pic>
             <p:nvPicPr>
               <p:cNvPr id="39" name="Ink 38">
@@ -5699,8 +6573,8 @@
             <a:chExt cx="146880" cy="84960"/>
           </a:xfrm>
         </p:grpSpPr>
-        <mc:AlternateContent xmlns:mc="http://schemas.openxmlformats.org/markup-compatibility/2006">
-          <mc:Choice xmlns:p14="http://schemas.microsoft.com/office/powerpoint/2010/main" Requires="p14">
+        <mc:AlternateContent xmlns:mc="http://schemas.openxmlformats.org/markup-compatibility/2006" xmlns:p14="http://schemas.microsoft.com/office/powerpoint/2010/main">
+          <mc:Choice Requires="p14">
             <p:contentPart p14:bwMode="auto" r:id="rId14">
               <p14:nvContentPartPr>
                 <p14:cNvPr id="41" name="Ink 40">
@@ -5719,7 +6593,7 @@
               </p14:xfrm>
             </p:contentPart>
           </mc:Choice>
-          <mc:Fallback>
+          <mc:Fallback xmlns="">
             <p:pic>
               <p:nvPicPr>
                 <p:cNvPr id="41" name="Ink 40">
@@ -5750,8 +6624,8 @@
             </p:pic>
           </mc:Fallback>
         </mc:AlternateContent>
-        <mc:AlternateContent xmlns:mc="http://schemas.openxmlformats.org/markup-compatibility/2006">
-          <mc:Choice xmlns:p14="http://schemas.microsoft.com/office/powerpoint/2010/main" Requires="p14">
+        <mc:AlternateContent xmlns:mc="http://schemas.openxmlformats.org/markup-compatibility/2006" xmlns:p14="http://schemas.microsoft.com/office/powerpoint/2010/main">
+          <mc:Choice Requires="p14">
             <p:contentPart p14:bwMode="auto" r:id="rId16">
               <p14:nvContentPartPr>
                 <p14:cNvPr id="42" name="Ink 41">
@@ -5770,7 +6644,7 @@
               </p14:xfrm>
             </p:contentPart>
           </mc:Choice>
-          <mc:Fallback>
+          <mc:Fallback xmlns="">
             <p:pic>
               <p:nvPicPr>
                 <p:cNvPr id="42" name="Ink 41">
@@ -5801,8 +6675,8 @@
             </p:pic>
           </mc:Fallback>
         </mc:AlternateContent>
-        <mc:AlternateContent xmlns:mc="http://schemas.openxmlformats.org/markup-compatibility/2006">
-          <mc:Choice xmlns:p14="http://schemas.microsoft.com/office/powerpoint/2010/main" Requires="p14">
+        <mc:AlternateContent xmlns:mc="http://schemas.openxmlformats.org/markup-compatibility/2006" xmlns:p14="http://schemas.microsoft.com/office/powerpoint/2010/main">
+          <mc:Choice Requires="p14">
             <p:contentPart p14:bwMode="auto" r:id="rId17">
               <p14:nvContentPartPr>
                 <p14:cNvPr id="43" name="Ink 42">
@@ -5821,7 +6695,7 @@
               </p14:xfrm>
             </p:contentPart>
           </mc:Choice>
-          <mc:Fallback>
+          <mc:Fallback xmlns="">
             <p:pic>
               <p:nvPicPr>
                 <p:cNvPr id="43" name="Ink 42">
@@ -5852,8 +6726,8 @@
             </p:pic>
           </mc:Fallback>
         </mc:AlternateContent>
-        <mc:AlternateContent xmlns:mc="http://schemas.openxmlformats.org/markup-compatibility/2006">
-          <mc:Choice xmlns:p14="http://schemas.microsoft.com/office/powerpoint/2010/main" Requires="p14">
+        <mc:AlternateContent xmlns:mc="http://schemas.openxmlformats.org/markup-compatibility/2006" xmlns:p14="http://schemas.microsoft.com/office/powerpoint/2010/main">
+          <mc:Choice Requires="p14">
             <p:contentPart p14:bwMode="auto" r:id="rId19">
               <p14:nvContentPartPr>
                 <p14:cNvPr id="44" name="Ink 43">
@@ -5872,7 +6746,7 @@
               </p14:xfrm>
             </p:contentPart>
           </mc:Choice>
-          <mc:Fallback>
+          <mc:Fallback xmlns="">
             <p:pic>
               <p:nvPicPr>
                 <p:cNvPr id="44" name="Ink 43">
@@ -5924,8 +6798,8 @@
             <a:chExt cx="36720" cy="70920"/>
           </a:xfrm>
         </p:grpSpPr>
-        <mc:AlternateContent xmlns:mc="http://schemas.openxmlformats.org/markup-compatibility/2006">
-          <mc:Choice xmlns:p14="http://schemas.microsoft.com/office/powerpoint/2010/main" Requires="p14">
+        <mc:AlternateContent xmlns:mc="http://schemas.openxmlformats.org/markup-compatibility/2006" xmlns:p14="http://schemas.microsoft.com/office/powerpoint/2010/main">
+          <mc:Choice Requires="p14">
             <p:contentPart p14:bwMode="auto" r:id="rId21">
               <p14:nvContentPartPr>
                 <p14:cNvPr id="46" name="Ink 45">
@@ -5944,7 +6818,7 @@
               </p14:xfrm>
             </p:contentPart>
           </mc:Choice>
-          <mc:Fallback>
+          <mc:Fallback xmlns="">
             <p:pic>
               <p:nvPicPr>
                 <p:cNvPr id="46" name="Ink 45">
@@ -5975,8 +6849,8 @@
             </p:pic>
           </mc:Fallback>
         </mc:AlternateContent>
-        <mc:AlternateContent xmlns:mc="http://schemas.openxmlformats.org/markup-compatibility/2006">
-          <mc:Choice xmlns:p14="http://schemas.microsoft.com/office/powerpoint/2010/main" Requires="p14">
+        <mc:AlternateContent xmlns:mc="http://schemas.openxmlformats.org/markup-compatibility/2006" xmlns:p14="http://schemas.microsoft.com/office/powerpoint/2010/main">
+          <mc:Choice Requires="p14">
             <p:contentPart p14:bwMode="auto" r:id="rId23">
               <p14:nvContentPartPr>
                 <p14:cNvPr id="47" name="Ink 46">
@@ -5995,7 +6869,7 @@
               </p14:xfrm>
             </p:contentPart>
           </mc:Choice>
-          <mc:Fallback>
+          <mc:Fallback xmlns="">
             <p:pic>
               <p:nvPicPr>
                 <p:cNvPr id="47" name="Ink 46">
@@ -6027,8 +6901,8 @@
           </mc:Fallback>
         </mc:AlternateContent>
       </p:grpSp>
-      <mc:AlternateContent xmlns:mc="http://schemas.openxmlformats.org/markup-compatibility/2006">
-        <mc:Choice xmlns:p14="http://schemas.microsoft.com/office/powerpoint/2010/main" Requires="p14">
+      <mc:AlternateContent xmlns:mc="http://schemas.openxmlformats.org/markup-compatibility/2006" xmlns:p14="http://schemas.microsoft.com/office/powerpoint/2010/main">
+        <mc:Choice Requires="p14">
           <p:contentPart p14:bwMode="auto" r:id="rId25">
             <p14:nvContentPartPr>
               <p14:cNvPr id="49" name="Ink 48">
@@ -6047,7 +6921,7 @@
             </p14:xfrm>
           </p:contentPart>
         </mc:Choice>
-        <mc:Fallback>
+        <mc:Fallback xmlns="">
           <p:pic>
             <p:nvPicPr>
               <p:cNvPr id="49" name="Ink 48">
@@ -6098,8 +6972,8 @@
             <a:chExt cx="139320" cy="76320"/>
           </a:xfrm>
         </p:grpSpPr>
-        <mc:AlternateContent xmlns:mc="http://schemas.openxmlformats.org/markup-compatibility/2006">
-          <mc:Choice xmlns:p14="http://schemas.microsoft.com/office/powerpoint/2010/main" Requires="p14">
+        <mc:AlternateContent xmlns:mc="http://schemas.openxmlformats.org/markup-compatibility/2006" xmlns:p14="http://schemas.microsoft.com/office/powerpoint/2010/main">
+          <mc:Choice Requires="p14">
             <p:contentPart p14:bwMode="auto" r:id="rId27">
               <p14:nvContentPartPr>
                 <p14:cNvPr id="50" name="Ink 49">
@@ -6118,7 +6992,7 @@
               </p14:xfrm>
             </p:contentPart>
           </mc:Choice>
-          <mc:Fallback>
+          <mc:Fallback xmlns="">
             <p:pic>
               <p:nvPicPr>
                 <p:cNvPr id="50" name="Ink 49">
@@ -6149,8 +7023,8 @@
             </p:pic>
           </mc:Fallback>
         </mc:AlternateContent>
-        <mc:AlternateContent xmlns:mc="http://schemas.openxmlformats.org/markup-compatibility/2006">
-          <mc:Choice xmlns:p14="http://schemas.microsoft.com/office/powerpoint/2010/main" Requires="p14">
+        <mc:AlternateContent xmlns:mc="http://schemas.openxmlformats.org/markup-compatibility/2006" xmlns:p14="http://schemas.microsoft.com/office/powerpoint/2010/main">
+          <mc:Choice Requires="p14">
             <p:contentPart p14:bwMode="auto" r:id="rId29">
               <p14:nvContentPartPr>
                 <p14:cNvPr id="51" name="Ink 50">
@@ -6169,7 +7043,7 @@
               </p14:xfrm>
             </p:contentPart>
           </mc:Choice>
-          <mc:Fallback>
+          <mc:Fallback xmlns="">
             <p:pic>
               <p:nvPicPr>
                 <p:cNvPr id="51" name="Ink 50">
@@ -6200,8 +7074,8 @@
             </p:pic>
           </mc:Fallback>
         </mc:AlternateContent>
-        <mc:AlternateContent xmlns:mc="http://schemas.openxmlformats.org/markup-compatibility/2006">
-          <mc:Choice xmlns:p14="http://schemas.microsoft.com/office/powerpoint/2010/main" Requires="p14">
+        <mc:AlternateContent xmlns:mc="http://schemas.openxmlformats.org/markup-compatibility/2006" xmlns:p14="http://schemas.microsoft.com/office/powerpoint/2010/main">
+          <mc:Choice Requires="p14">
             <p:contentPart p14:bwMode="auto" r:id="rId31">
               <p14:nvContentPartPr>
                 <p14:cNvPr id="52" name="Ink 51">
@@ -6220,7 +7094,7 @@
               </p14:xfrm>
             </p:contentPart>
           </mc:Choice>
-          <mc:Fallback>
+          <mc:Fallback xmlns="">
             <p:pic>
               <p:nvPicPr>
                 <p:cNvPr id="52" name="Ink 51">
@@ -6272,8 +7146,8 @@
             <a:chExt cx="723960" cy="81720"/>
           </a:xfrm>
         </p:grpSpPr>
-        <mc:AlternateContent xmlns:mc="http://schemas.openxmlformats.org/markup-compatibility/2006">
-          <mc:Choice xmlns:p14="http://schemas.microsoft.com/office/powerpoint/2010/main" Requires="p14">
+        <mc:AlternateContent xmlns:mc="http://schemas.openxmlformats.org/markup-compatibility/2006" xmlns:p14="http://schemas.microsoft.com/office/powerpoint/2010/main">
+          <mc:Choice Requires="p14">
             <p:contentPart p14:bwMode="auto" r:id="rId33">
               <p14:nvContentPartPr>
                 <p14:cNvPr id="55" name="Ink 54">
@@ -6292,7 +7166,7 @@
               </p14:xfrm>
             </p:contentPart>
           </mc:Choice>
-          <mc:Fallback>
+          <mc:Fallback xmlns="">
             <p:pic>
               <p:nvPicPr>
                 <p:cNvPr id="55" name="Ink 54">
@@ -6323,8 +7197,8 @@
             </p:pic>
           </mc:Fallback>
         </mc:AlternateContent>
-        <mc:AlternateContent xmlns:mc="http://schemas.openxmlformats.org/markup-compatibility/2006">
-          <mc:Choice xmlns:p14="http://schemas.microsoft.com/office/powerpoint/2010/main" Requires="p14">
+        <mc:AlternateContent xmlns:mc="http://schemas.openxmlformats.org/markup-compatibility/2006" xmlns:p14="http://schemas.microsoft.com/office/powerpoint/2010/main">
+          <mc:Choice Requires="p14">
             <p:contentPart p14:bwMode="auto" r:id="rId35">
               <p14:nvContentPartPr>
                 <p14:cNvPr id="56" name="Ink 55">
@@ -6343,7 +7217,7 @@
               </p14:xfrm>
             </p:contentPart>
           </mc:Choice>
-          <mc:Fallback>
+          <mc:Fallback xmlns="">
             <p:pic>
               <p:nvPicPr>
                 <p:cNvPr id="56" name="Ink 55">
@@ -6374,8 +7248,8 @@
             </p:pic>
           </mc:Fallback>
         </mc:AlternateContent>
-        <mc:AlternateContent xmlns:mc="http://schemas.openxmlformats.org/markup-compatibility/2006">
-          <mc:Choice xmlns:p14="http://schemas.microsoft.com/office/powerpoint/2010/main" Requires="p14">
+        <mc:AlternateContent xmlns:mc="http://schemas.openxmlformats.org/markup-compatibility/2006" xmlns:p14="http://schemas.microsoft.com/office/powerpoint/2010/main">
+          <mc:Choice Requires="p14">
             <p:contentPart p14:bwMode="auto" r:id="rId37">
               <p14:nvContentPartPr>
                 <p14:cNvPr id="57" name="Ink 56">
@@ -6394,7 +7268,7 @@
               </p14:xfrm>
             </p:contentPart>
           </mc:Choice>
-          <mc:Fallback>
+          <mc:Fallback xmlns="">
             <p:pic>
               <p:nvPicPr>
                 <p:cNvPr id="57" name="Ink 56">
@@ -6425,8 +7299,8 @@
             </p:pic>
           </mc:Fallback>
         </mc:AlternateContent>
-        <mc:AlternateContent xmlns:mc="http://schemas.openxmlformats.org/markup-compatibility/2006">
-          <mc:Choice xmlns:p14="http://schemas.microsoft.com/office/powerpoint/2010/main" Requires="p14">
+        <mc:AlternateContent xmlns:mc="http://schemas.openxmlformats.org/markup-compatibility/2006" xmlns:p14="http://schemas.microsoft.com/office/powerpoint/2010/main">
+          <mc:Choice Requires="p14">
             <p:contentPart p14:bwMode="auto" r:id="rId39">
               <p14:nvContentPartPr>
                 <p14:cNvPr id="58" name="Ink 57">
@@ -6445,7 +7319,7 @@
               </p14:xfrm>
             </p:contentPart>
           </mc:Choice>
-          <mc:Fallback>
+          <mc:Fallback xmlns="">
             <p:pic>
               <p:nvPicPr>
                 <p:cNvPr id="58" name="Ink 57">
@@ -6476,8 +7350,8 @@
             </p:pic>
           </mc:Fallback>
         </mc:AlternateContent>
-        <mc:AlternateContent xmlns:mc="http://schemas.openxmlformats.org/markup-compatibility/2006">
-          <mc:Choice xmlns:p14="http://schemas.microsoft.com/office/powerpoint/2010/main" Requires="p14">
+        <mc:AlternateContent xmlns:mc="http://schemas.openxmlformats.org/markup-compatibility/2006" xmlns:p14="http://schemas.microsoft.com/office/powerpoint/2010/main">
+          <mc:Choice Requires="p14">
             <p:contentPart p14:bwMode="auto" r:id="rId41">
               <p14:nvContentPartPr>
                 <p14:cNvPr id="59" name="Ink 58">
@@ -6496,7 +7370,7 @@
               </p14:xfrm>
             </p:contentPart>
           </mc:Choice>
-          <mc:Fallback>
+          <mc:Fallback xmlns="">
             <p:pic>
               <p:nvPicPr>
                 <p:cNvPr id="59" name="Ink 58">
@@ -6527,8 +7401,8 @@
             </p:pic>
           </mc:Fallback>
         </mc:AlternateContent>
-        <mc:AlternateContent xmlns:mc="http://schemas.openxmlformats.org/markup-compatibility/2006">
-          <mc:Choice xmlns:p14="http://schemas.microsoft.com/office/powerpoint/2010/main" Requires="p14">
+        <mc:AlternateContent xmlns:mc="http://schemas.openxmlformats.org/markup-compatibility/2006" xmlns:p14="http://schemas.microsoft.com/office/powerpoint/2010/main">
+          <mc:Choice Requires="p14">
             <p:contentPart p14:bwMode="auto" r:id="rId43">
               <p14:nvContentPartPr>
                 <p14:cNvPr id="61" name="Ink 60">
@@ -6547,7 +7421,7 @@
               </p14:xfrm>
             </p:contentPart>
           </mc:Choice>
-          <mc:Fallback>
+          <mc:Fallback xmlns="">
             <p:pic>
               <p:nvPicPr>
                 <p:cNvPr id="61" name="Ink 60">
@@ -6578,8 +7452,8 @@
             </p:pic>
           </mc:Fallback>
         </mc:AlternateContent>
-        <mc:AlternateContent xmlns:mc="http://schemas.openxmlformats.org/markup-compatibility/2006">
-          <mc:Choice xmlns:p14="http://schemas.microsoft.com/office/powerpoint/2010/main" Requires="p14">
+        <mc:AlternateContent xmlns:mc="http://schemas.openxmlformats.org/markup-compatibility/2006" xmlns:p14="http://schemas.microsoft.com/office/powerpoint/2010/main">
+          <mc:Choice Requires="p14">
             <p:contentPart p14:bwMode="auto" r:id="rId45">
               <p14:nvContentPartPr>
                 <p14:cNvPr id="62" name="Ink 61">
@@ -6598,7 +7472,7 @@
               </p14:xfrm>
             </p:contentPart>
           </mc:Choice>
-          <mc:Fallback>
+          <mc:Fallback xmlns="">
             <p:pic>
               <p:nvPicPr>
                 <p:cNvPr id="62" name="Ink 61">
@@ -6629,8 +7503,8 @@
             </p:pic>
           </mc:Fallback>
         </mc:AlternateContent>
-        <mc:AlternateContent xmlns:mc="http://schemas.openxmlformats.org/markup-compatibility/2006">
-          <mc:Choice xmlns:p14="http://schemas.microsoft.com/office/powerpoint/2010/main" Requires="p14">
+        <mc:AlternateContent xmlns:mc="http://schemas.openxmlformats.org/markup-compatibility/2006" xmlns:p14="http://schemas.microsoft.com/office/powerpoint/2010/main">
+          <mc:Choice Requires="p14">
             <p:contentPart p14:bwMode="auto" r:id="rId47">
               <p14:nvContentPartPr>
                 <p14:cNvPr id="63" name="Ink 62">
@@ -6649,7 +7523,7 @@
               </p14:xfrm>
             </p:contentPart>
           </mc:Choice>
-          <mc:Fallback>
+          <mc:Fallback xmlns="">
             <p:pic>
               <p:nvPicPr>
                 <p:cNvPr id="63" name="Ink 62">
@@ -6680,8 +7554,8 @@
             </p:pic>
           </mc:Fallback>
         </mc:AlternateContent>
-        <mc:AlternateContent xmlns:mc="http://schemas.openxmlformats.org/markup-compatibility/2006">
-          <mc:Choice xmlns:p14="http://schemas.microsoft.com/office/powerpoint/2010/main" Requires="p14">
+        <mc:AlternateContent xmlns:mc="http://schemas.openxmlformats.org/markup-compatibility/2006" xmlns:p14="http://schemas.microsoft.com/office/powerpoint/2010/main">
+          <mc:Choice Requires="p14">
             <p:contentPart p14:bwMode="auto" r:id="rId49">
               <p14:nvContentPartPr>
                 <p14:cNvPr id="65" name="Ink 64">
@@ -6700,7 +7574,7 @@
               </p14:xfrm>
             </p:contentPart>
           </mc:Choice>
-          <mc:Fallback>
+          <mc:Fallback xmlns="">
             <p:pic>
               <p:nvPicPr>
                 <p:cNvPr id="65" name="Ink 64">
@@ -6731,8 +7605,8 @@
             </p:pic>
           </mc:Fallback>
         </mc:AlternateContent>
-        <mc:AlternateContent xmlns:mc="http://schemas.openxmlformats.org/markup-compatibility/2006">
-          <mc:Choice xmlns:p14="http://schemas.microsoft.com/office/powerpoint/2010/main" Requires="p14">
+        <mc:AlternateContent xmlns:mc="http://schemas.openxmlformats.org/markup-compatibility/2006" xmlns:p14="http://schemas.microsoft.com/office/powerpoint/2010/main">
+          <mc:Choice Requires="p14">
             <p:contentPart p14:bwMode="auto" r:id="rId51">
               <p14:nvContentPartPr>
                 <p14:cNvPr id="67" name="Ink 66">
@@ -6751,7 +7625,7 @@
               </p14:xfrm>
             </p:contentPart>
           </mc:Choice>
-          <mc:Fallback>
+          <mc:Fallback xmlns="">
             <p:pic>
               <p:nvPicPr>
                 <p:cNvPr id="67" name="Ink 66">
@@ -6782,8 +7656,8 @@
             </p:pic>
           </mc:Fallback>
         </mc:AlternateContent>
-        <mc:AlternateContent xmlns:mc="http://schemas.openxmlformats.org/markup-compatibility/2006">
-          <mc:Choice xmlns:p14="http://schemas.microsoft.com/office/powerpoint/2010/main" Requires="p14">
+        <mc:AlternateContent xmlns:mc="http://schemas.openxmlformats.org/markup-compatibility/2006" xmlns:p14="http://schemas.microsoft.com/office/powerpoint/2010/main">
+          <mc:Choice Requires="p14">
             <p:contentPart p14:bwMode="auto" r:id="rId53">
               <p14:nvContentPartPr>
                 <p14:cNvPr id="68" name="Ink 67">
@@ -6802,7 +7676,7 @@
               </p14:xfrm>
             </p:contentPart>
           </mc:Choice>
-          <mc:Fallback>
+          <mc:Fallback xmlns="">
             <p:pic>
               <p:nvPicPr>
                 <p:cNvPr id="68" name="Ink 67">
@@ -6833,8 +7707,8 @@
             </p:pic>
           </mc:Fallback>
         </mc:AlternateContent>
-        <mc:AlternateContent xmlns:mc="http://schemas.openxmlformats.org/markup-compatibility/2006">
-          <mc:Choice xmlns:p14="http://schemas.microsoft.com/office/powerpoint/2010/main" Requires="p14">
+        <mc:AlternateContent xmlns:mc="http://schemas.openxmlformats.org/markup-compatibility/2006" xmlns:p14="http://schemas.microsoft.com/office/powerpoint/2010/main">
+          <mc:Choice Requires="p14">
             <p:contentPart p14:bwMode="auto" r:id="rId55">
               <p14:nvContentPartPr>
                 <p14:cNvPr id="69" name="Ink 68">
@@ -6853,7 +7727,7 @@
               </p14:xfrm>
             </p:contentPart>
           </mc:Choice>
-          <mc:Fallback>
+          <mc:Fallback xmlns="">
             <p:pic>
               <p:nvPicPr>
                 <p:cNvPr id="69" name="Ink 68">
@@ -6884,8 +7758,8 @@
             </p:pic>
           </mc:Fallback>
         </mc:AlternateContent>
-        <mc:AlternateContent xmlns:mc="http://schemas.openxmlformats.org/markup-compatibility/2006">
-          <mc:Choice xmlns:p14="http://schemas.microsoft.com/office/powerpoint/2010/main" Requires="p14">
+        <mc:AlternateContent xmlns:mc="http://schemas.openxmlformats.org/markup-compatibility/2006" xmlns:p14="http://schemas.microsoft.com/office/powerpoint/2010/main">
+          <mc:Choice Requires="p14">
             <p:contentPart p14:bwMode="auto" r:id="rId57">
               <p14:nvContentPartPr>
                 <p14:cNvPr id="71" name="Ink 70">
@@ -6904,7 +7778,7 @@
               </p14:xfrm>
             </p:contentPart>
           </mc:Choice>
-          <mc:Fallback>
+          <mc:Fallback xmlns="">
             <p:pic>
               <p:nvPicPr>
                 <p:cNvPr id="71" name="Ink 70">
@@ -6935,8 +7809,8 @@
             </p:pic>
           </mc:Fallback>
         </mc:AlternateContent>
-        <mc:AlternateContent xmlns:mc="http://schemas.openxmlformats.org/markup-compatibility/2006">
-          <mc:Choice xmlns:p14="http://schemas.microsoft.com/office/powerpoint/2010/main" Requires="p14">
+        <mc:AlternateContent xmlns:mc="http://schemas.openxmlformats.org/markup-compatibility/2006" xmlns:p14="http://schemas.microsoft.com/office/powerpoint/2010/main">
+          <mc:Choice Requires="p14">
             <p:contentPart p14:bwMode="auto" r:id="rId59">
               <p14:nvContentPartPr>
                 <p14:cNvPr id="72" name="Ink 71">
@@ -6955,7 +7829,7 @@
               </p14:xfrm>
             </p:contentPart>
           </mc:Choice>
-          <mc:Fallback>
+          <mc:Fallback xmlns="">
             <p:pic>
               <p:nvPicPr>
                 <p:cNvPr id="72" name="Ink 71">
@@ -6986,8 +7860,8 @@
             </p:pic>
           </mc:Fallback>
         </mc:AlternateContent>
-        <mc:AlternateContent xmlns:mc="http://schemas.openxmlformats.org/markup-compatibility/2006">
-          <mc:Choice xmlns:p14="http://schemas.microsoft.com/office/powerpoint/2010/main" Requires="p14">
+        <mc:AlternateContent xmlns:mc="http://schemas.openxmlformats.org/markup-compatibility/2006" xmlns:p14="http://schemas.microsoft.com/office/powerpoint/2010/main">
+          <mc:Choice Requires="p14">
             <p:contentPart p14:bwMode="auto" r:id="rId61">
               <p14:nvContentPartPr>
                 <p14:cNvPr id="73" name="Ink 72">
@@ -7006,7 +7880,7 @@
               </p14:xfrm>
             </p:contentPart>
           </mc:Choice>
-          <mc:Fallback>
+          <mc:Fallback xmlns="">
             <p:pic>
               <p:nvPicPr>
                 <p:cNvPr id="73" name="Ink 72">
@@ -7037,8 +7911,8 @@
             </p:pic>
           </mc:Fallback>
         </mc:AlternateContent>
-        <mc:AlternateContent xmlns:mc="http://schemas.openxmlformats.org/markup-compatibility/2006">
-          <mc:Choice xmlns:p14="http://schemas.microsoft.com/office/powerpoint/2010/main" Requires="p14">
+        <mc:AlternateContent xmlns:mc="http://schemas.openxmlformats.org/markup-compatibility/2006" xmlns:p14="http://schemas.microsoft.com/office/powerpoint/2010/main">
+          <mc:Choice Requires="p14">
             <p:contentPart p14:bwMode="auto" r:id="rId63">
               <p14:nvContentPartPr>
                 <p14:cNvPr id="74" name="Ink 73">
@@ -7057,7 +7931,7 @@
               </p14:xfrm>
             </p:contentPart>
           </mc:Choice>
-          <mc:Fallback>
+          <mc:Fallback xmlns="">
             <p:pic>
               <p:nvPicPr>
                 <p:cNvPr id="74" name="Ink 73">
@@ -8160,7 +9034,7 @@
             </a:r>
             <a:r>
               <a:rPr lang="en-US" dirty="0"/>
-              <a:t> [98,99,100,114,115,116,130,131,132]</a:t>
+              <a:t>[98,99,100,114,115,116,130,131,132]</a:t>
             </a:r>
             <a:endParaRPr lang="en-GB" dirty="0"/>
           </a:p>
@@ -8221,6 +9095,3150 @@
     <p:extLst>
       <p:ext uri="{BB962C8B-B14F-4D97-AF65-F5344CB8AC3E}">
         <p14:creationId xmlns:p14="http://schemas.microsoft.com/office/powerpoint/2010/main" val="501184468"/>
+      </p:ext>
+    </p:extLst>
+  </p:cSld>
+  <p:clrMapOvr>
+    <a:masterClrMapping/>
+  </p:clrMapOvr>
+</p:sld>
+</file>
+
+<file path=ppt/slides/slide2.xml><?xml version="1.0" encoding="utf-8"?>
+<p:sld xmlns:a="http://schemas.openxmlformats.org/drawingml/2006/main" xmlns:r="http://schemas.openxmlformats.org/officeDocument/2006/relationships" xmlns:p="http://schemas.openxmlformats.org/presentationml/2006/main">
+  <p:cSld>
+    <p:spTree>
+      <p:nvGrpSpPr>
+        <p:cNvPr id="1" name=""/>
+        <p:cNvGrpSpPr/>
+        <p:nvPr/>
+      </p:nvGrpSpPr>
+      <p:grpSpPr>
+        <a:xfrm>
+          <a:off x="0" y="0"/>
+          <a:ext cx="0" cy="0"/>
+          <a:chOff x="0" y="0"/>
+          <a:chExt cx="0" cy="0"/>
+        </a:xfrm>
+      </p:grpSpPr>
+      <p:pic>
+        <p:nvPicPr>
+          <p:cNvPr id="2" name="Picture 1">
+            <a:extLst>
+              <a:ext uri="{FF2B5EF4-FFF2-40B4-BE49-F238E27FC236}">
+                <a16:creationId xmlns:a16="http://schemas.microsoft.com/office/drawing/2014/main" id="{13EDDF16-367C-7AC6-3A42-AC24FA15ED50}"/>
+              </a:ext>
+            </a:extLst>
+          </p:cNvPr>
+          <p:cNvPicPr>
+            <a:picLocks noChangeAspect="1"/>
+          </p:cNvPicPr>
+          <p:nvPr/>
+        </p:nvPicPr>
+        <p:blipFill>
+          <a:blip r:embed="rId2"/>
+          <a:stretch>
+            <a:fillRect/>
+          </a:stretch>
+        </p:blipFill>
+        <p:spPr>
+          <a:xfrm>
+            <a:off x="4040340" y="522011"/>
+            <a:ext cx="1821401" cy="3544504"/>
+          </a:xfrm>
+          <a:prstGeom prst="rect">
+            <a:avLst/>
+          </a:prstGeom>
+        </p:spPr>
+      </p:pic>
+      <mc:AlternateContent xmlns:mc="http://schemas.openxmlformats.org/markup-compatibility/2006">
+        <mc:Choice xmlns:p14="http://schemas.microsoft.com/office/powerpoint/2010/main" Requires="p14">
+          <p:contentPart p14:bwMode="auto" r:id="rId3">
+            <p14:nvContentPartPr>
+              <p14:cNvPr id="25" name="Ink 24">
+                <a:extLst>
+                  <a:ext uri="{FF2B5EF4-FFF2-40B4-BE49-F238E27FC236}">
+                    <a16:creationId xmlns:a16="http://schemas.microsoft.com/office/drawing/2014/main" id="{2D4F3101-E30D-0E1B-B603-14888EC525E2}"/>
+                  </a:ext>
+                </a:extLst>
+              </p14:cNvPr>
+              <p14:cNvContentPartPr/>
+              <p14:nvPr/>
+            </p14:nvContentPartPr>
+            <p14:xfrm>
+              <a:off x="4127565" y="62177"/>
+              <a:ext cx="360" cy="360"/>
+            </p14:xfrm>
+          </p:contentPart>
+        </mc:Choice>
+        <mc:Fallback>
+          <p:pic>
+            <p:nvPicPr>
+              <p:cNvPr id="25" name="Ink 24">
+                <a:extLst>
+                  <a:ext uri="{FF2B5EF4-FFF2-40B4-BE49-F238E27FC236}">
+                    <a16:creationId xmlns:a16="http://schemas.microsoft.com/office/drawing/2014/main" id="{2D4F3101-E30D-0E1B-B603-14888EC525E2}"/>
+                  </a:ext>
+                </a:extLst>
+              </p:cNvPr>
+              <p:cNvPicPr/>
+              <p:nvPr/>
+            </p:nvPicPr>
+            <p:blipFill>
+              <a:blip r:embed="rId4"/>
+              <a:stretch>
+                <a:fillRect/>
+              </a:stretch>
+            </p:blipFill>
+            <p:spPr>
+              <a:xfrm>
+                <a:off x="4123245" y="57857"/>
+                <a:ext cx="9000" cy="9000"/>
+              </a:xfrm>
+              <a:prstGeom prst="rect">
+                <a:avLst/>
+              </a:prstGeom>
+            </p:spPr>
+          </p:pic>
+        </mc:Fallback>
+      </mc:AlternateContent>
+      <mc:AlternateContent xmlns:mc="http://schemas.openxmlformats.org/markup-compatibility/2006">
+        <mc:Choice xmlns:p14="http://schemas.microsoft.com/office/powerpoint/2010/main" Requires="p14">
+          <p:contentPart p14:bwMode="auto" r:id="rId5">
+            <p14:nvContentPartPr>
+              <p14:cNvPr id="26" name="Ink 25">
+                <a:extLst>
+                  <a:ext uri="{FF2B5EF4-FFF2-40B4-BE49-F238E27FC236}">
+                    <a16:creationId xmlns:a16="http://schemas.microsoft.com/office/drawing/2014/main" id="{CD13C0E6-F0F9-3BFC-16AA-80FBFF2A9A0A}"/>
+                  </a:ext>
+                </a:extLst>
+              </p14:cNvPr>
+              <p14:cNvContentPartPr/>
+              <p14:nvPr/>
+            </p14:nvContentPartPr>
+            <p14:xfrm>
+              <a:off x="4118205" y="58217"/>
+              <a:ext cx="38520" cy="48600"/>
+            </p14:xfrm>
+          </p:contentPart>
+        </mc:Choice>
+        <mc:Fallback>
+          <p:pic>
+            <p:nvPicPr>
+              <p:cNvPr id="26" name="Ink 25">
+                <a:extLst>
+                  <a:ext uri="{FF2B5EF4-FFF2-40B4-BE49-F238E27FC236}">
+                    <a16:creationId xmlns:a16="http://schemas.microsoft.com/office/drawing/2014/main" id="{CD13C0E6-F0F9-3BFC-16AA-80FBFF2A9A0A}"/>
+                  </a:ext>
+                </a:extLst>
+              </p:cNvPr>
+              <p:cNvPicPr/>
+              <p:nvPr/>
+            </p:nvPicPr>
+            <p:blipFill>
+              <a:blip r:embed="rId6"/>
+              <a:stretch>
+                <a:fillRect/>
+              </a:stretch>
+            </p:blipFill>
+            <p:spPr>
+              <a:xfrm>
+                <a:off x="4113925" y="53897"/>
+                <a:ext cx="47080" cy="57240"/>
+              </a:xfrm>
+              <a:prstGeom prst="rect">
+                <a:avLst/>
+              </a:prstGeom>
+            </p:spPr>
+          </p:pic>
+        </mc:Fallback>
+      </mc:AlternateContent>
+      <p:grpSp>
+        <p:nvGrpSpPr>
+          <p:cNvPr id="27" name="Group 26">
+            <a:extLst>
+              <a:ext uri="{FF2B5EF4-FFF2-40B4-BE49-F238E27FC236}">
+                <a16:creationId xmlns:a16="http://schemas.microsoft.com/office/drawing/2014/main" id="{E6622B27-6C40-AE4B-531C-5B26DAD27420}"/>
+              </a:ext>
+            </a:extLst>
+          </p:cNvPr>
+          <p:cNvGrpSpPr/>
+          <p:nvPr/>
+        </p:nvGrpSpPr>
+        <p:grpSpPr>
+          <a:xfrm>
+            <a:off x="4225125" y="55697"/>
+            <a:ext cx="29520" cy="64800"/>
+            <a:chOff x="4217730" y="443115"/>
+            <a:chExt cx="29520" cy="64800"/>
+          </a:xfrm>
+        </p:grpSpPr>
+        <mc:AlternateContent xmlns:mc="http://schemas.openxmlformats.org/markup-compatibility/2006" xmlns:p14="http://schemas.microsoft.com/office/powerpoint/2010/main">
+          <mc:Choice Requires="p14">
+            <p:contentPart p14:bwMode="auto" r:id="rId7">
+              <p14:nvContentPartPr>
+                <p14:cNvPr id="28" name="Ink 27">
+                  <a:extLst>
+                    <a:ext uri="{FF2B5EF4-FFF2-40B4-BE49-F238E27FC236}">
+                      <a16:creationId xmlns:a16="http://schemas.microsoft.com/office/drawing/2014/main" id="{B5103318-0EED-51E1-BC92-5C1F55947A96}"/>
+                    </a:ext>
+                  </a:extLst>
+                </p14:cNvPr>
+                <p14:cNvContentPartPr/>
+                <p14:nvPr/>
+              </p14:nvContentPartPr>
+              <p14:xfrm>
+                <a:off x="4225290" y="449955"/>
+                <a:ext cx="10440" cy="5400"/>
+              </p14:xfrm>
+            </p:contentPart>
+          </mc:Choice>
+          <mc:Fallback xmlns="">
+            <p:pic>
+              <p:nvPicPr>
+                <p:cNvPr id="37" name="Ink 36">
+                  <a:extLst>
+                    <a:ext uri="{FF2B5EF4-FFF2-40B4-BE49-F238E27FC236}">
+                      <a16:creationId xmlns:a16="http://schemas.microsoft.com/office/drawing/2014/main" id="{420ED106-8EA1-42C7-9FB5-46568CD43441}"/>
+                    </a:ext>
+                  </a:extLst>
+                </p:cNvPr>
+                <p:cNvPicPr/>
+                <p:nvPr/>
+              </p:nvPicPr>
+              <p:blipFill>
+                <a:blip r:embed="rId9"/>
+                <a:stretch>
+                  <a:fillRect/>
+                </a:stretch>
+              </p:blipFill>
+              <p:spPr>
+                <a:xfrm>
+                  <a:off x="4220610" y="445635"/>
+                  <a:ext cx="19080" cy="14040"/>
+                </a:xfrm>
+                <a:prstGeom prst="rect">
+                  <a:avLst/>
+                </a:prstGeom>
+              </p:spPr>
+            </p:pic>
+          </mc:Fallback>
+        </mc:AlternateContent>
+        <mc:AlternateContent xmlns:mc="http://schemas.openxmlformats.org/markup-compatibility/2006" xmlns:p14="http://schemas.microsoft.com/office/powerpoint/2010/main">
+          <mc:Choice Requires="p14">
+            <p:contentPart p14:bwMode="auto" r:id="rId10">
+              <p14:nvContentPartPr>
+                <p14:cNvPr id="29" name="Ink 28">
+                  <a:extLst>
+                    <a:ext uri="{FF2B5EF4-FFF2-40B4-BE49-F238E27FC236}">
+                      <a16:creationId xmlns:a16="http://schemas.microsoft.com/office/drawing/2014/main" id="{2058EF5D-B1CF-4F92-2F93-90E778B1D1E8}"/>
+                    </a:ext>
+                  </a:extLst>
+                </p14:cNvPr>
+                <p14:cNvContentPartPr/>
+                <p14:nvPr/>
+              </p14:nvContentPartPr>
+              <p14:xfrm>
+                <a:off x="4217730" y="443115"/>
+                <a:ext cx="29520" cy="64800"/>
+              </p14:xfrm>
+            </p:contentPart>
+          </mc:Choice>
+          <mc:Fallback xmlns="">
+            <p:pic>
+              <p:nvPicPr>
+                <p:cNvPr id="38" name="Ink 37">
+                  <a:extLst>
+                    <a:ext uri="{FF2B5EF4-FFF2-40B4-BE49-F238E27FC236}">
+                      <a16:creationId xmlns:a16="http://schemas.microsoft.com/office/drawing/2014/main" id="{6351EC54-CFDC-4145-A1EA-F81119E2FCAB}"/>
+                    </a:ext>
+                  </a:extLst>
+                </p:cNvPr>
+                <p:cNvPicPr/>
+                <p:nvPr/>
+              </p:nvPicPr>
+              <p:blipFill>
+                <a:blip r:embed="rId11"/>
+                <a:stretch>
+                  <a:fillRect/>
+                </a:stretch>
+              </p:blipFill>
+              <p:spPr>
+                <a:xfrm>
+                  <a:off x="4213410" y="438795"/>
+                  <a:ext cx="38160" cy="73440"/>
+                </a:xfrm>
+                <a:prstGeom prst="rect">
+                  <a:avLst/>
+                </a:prstGeom>
+              </p:spPr>
+            </p:pic>
+          </mc:Fallback>
+        </mc:AlternateContent>
+      </p:grpSp>
+      <mc:AlternateContent xmlns:mc="http://schemas.openxmlformats.org/markup-compatibility/2006">
+        <mc:Choice xmlns:p14="http://schemas.microsoft.com/office/powerpoint/2010/main" Requires="p14">
+          <p:contentPart p14:bwMode="auto" r:id="rId12">
+            <p14:nvContentPartPr>
+              <p14:cNvPr id="30" name="Ink 29">
+                <a:extLst>
+                  <a:ext uri="{FF2B5EF4-FFF2-40B4-BE49-F238E27FC236}">
+                    <a16:creationId xmlns:a16="http://schemas.microsoft.com/office/drawing/2014/main" id="{78BBC86D-C9AE-FB2D-C7E4-802D20DD705C}"/>
+                  </a:ext>
+                </a:extLst>
+              </p14:cNvPr>
+              <p14:cNvContentPartPr/>
+              <p14:nvPr/>
+            </p14:nvContentPartPr>
+            <p14:xfrm>
+              <a:off x="4339245" y="61817"/>
+              <a:ext cx="34560" cy="59760"/>
+            </p14:xfrm>
+          </p:contentPart>
+        </mc:Choice>
+        <mc:Fallback>
+          <p:pic>
+            <p:nvPicPr>
+              <p:cNvPr id="30" name="Ink 29">
+                <a:extLst>
+                  <a:ext uri="{FF2B5EF4-FFF2-40B4-BE49-F238E27FC236}">
+                    <a16:creationId xmlns:a16="http://schemas.microsoft.com/office/drawing/2014/main" id="{78BBC86D-C9AE-FB2D-C7E4-802D20DD705C}"/>
+                  </a:ext>
+                </a:extLst>
+              </p:cNvPr>
+              <p:cNvPicPr/>
+              <p:nvPr/>
+            </p:nvPicPr>
+            <p:blipFill>
+              <a:blip r:embed="rId13"/>
+              <a:stretch>
+                <a:fillRect/>
+              </a:stretch>
+            </p:blipFill>
+            <p:spPr>
+              <a:xfrm>
+                <a:off x="4334970" y="57497"/>
+                <a:ext cx="43111" cy="68400"/>
+              </a:xfrm>
+              <a:prstGeom prst="rect">
+                <a:avLst/>
+              </a:prstGeom>
+            </p:spPr>
+          </p:pic>
+        </mc:Fallback>
+      </mc:AlternateContent>
+      <p:grpSp>
+        <p:nvGrpSpPr>
+          <p:cNvPr id="31" name="Group 30">
+            <a:extLst>
+              <a:ext uri="{FF2B5EF4-FFF2-40B4-BE49-F238E27FC236}">
+                <a16:creationId xmlns:a16="http://schemas.microsoft.com/office/drawing/2014/main" id="{B955C002-8ADD-6C03-8E98-F10B8928A6B1}"/>
+              </a:ext>
+            </a:extLst>
+          </p:cNvPr>
+          <p:cNvGrpSpPr/>
+          <p:nvPr/>
+        </p:nvGrpSpPr>
+        <p:grpSpPr>
+          <a:xfrm>
+            <a:off x="4455525" y="69377"/>
+            <a:ext cx="146880" cy="84960"/>
+            <a:chOff x="4448130" y="456795"/>
+            <a:chExt cx="146880" cy="84960"/>
+          </a:xfrm>
+        </p:grpSpPr>
+        <mc:AlternateContent xmlns:mc="http://schemas.openxmlformats.org/markup-compatibility/2006" xmlns:p14="http://schemas.microsoft.com/office/powerpoint/2010/main">
+          <mc:Choice Requires="p14">
+            <p:contentPart p14:bwMode="auto" r:id="rId14">
+              <p14:nvContentPartPr>
+                <p14:cNvPr id="32" name="Ink 31">
+                  <a:extLst>
+                    <a:ext uri="{FF2B5EF4-FFF2-40B4-BE49-F238E27FC236}">
+                      <a16:creationId xmlns:a16="http://schemas.microsoft.com/office/drawing/2014/main" id="{F49181F1-93C8-0481-C6D1-DB7672FF2F7F}"/>
+                    </a:ext>
+                  </a:extLst>
+                </p14:cNvPr>
+                <p14:cNvContentPartPr/>
+                <p14:nvPr/>
+              </p14:nvContentPartPr>
+              <p14:xfrm>
+                <a:off x="4448130" y="456795"/>
+                <a:ext cx="26640" cy="69480"/>
+              </p14:xfrm>
+            </p:contentPart>
+          </mc:Choice>
+          <mc:Fallback xmlns="">
+            <p:pic>
+              <p:nvPicPr>
+                <p:cNvPr id="41" name="Ink 40">
+                  <a:extLst>
+                    <a:ext uri="{FF2B5EF4-FFF2-40B4-BE49-F238E27FC236}">
+                      <a16:creationId xmlns:a16="http://schemas.microsoft.com/office/drawing/2014/main" id="{F6D59494-6D76-49F3-A992-35EA27A7B657}"/>
+                    </a:ext>
+                  </a:extLst>
+                </p:cNvPr>
+                <p:cNvPicPr/>
+                <p:nvPr/>
+              </p:nvPicPr>
+              <p:blipFill>
+                <a:blip r:embed="rId15"/>
+                <a:stretch>
+                  <a:fillRect/>
+                </a:stretch>
+              </p:blipFill>
+              <p:spPr>
+                <a:xfrm>
+                  <a:off x="4443810" y="452475"/>
+                  <a:ext cx="35280" cy="78120"/>
+                </a:xfrm>
+                <a:prstGeom prst="rect">
+                  <a:avLst/>
+                </a:prstGeom>
+              </p:spPr>
+            </p:pic>
+          </mc:Fallback>
+        </mc:AlternateContent>
+        <mc:AlternateContent xmlns:mc="http://schemas.openxmlformats.org/markup-compatibility/2006" xmlns:p14="http://schemas.microsoft.com/office/powerpoint/2010/main">
+          <mc:Choice Requires="p14">
+            <p:contentPart p14:bwMode="auto" r:id="rId16">
+              <p14:nvContentPartPr>
+                <p14:cNvPr id="33" name="Ink 32">
+                  <a:extLst>
+                    <a:ext uri="{FF2B5EF4-FFF2-40B4-BE49-F238E27FC236}">
+                      <a16:creationId xmlns:a16="http://schemas.microsoft.com/office/drawing/2014/main" id="{91593052-2A95-F3F4-DE39-A4A3611AAB50}"/>
+                    </a:ext>
+                  </a:extLst>
+                </p14:cNvPr>
+                <p14:cNvContentPartPr/>
+                <p14:nvPr/>
+              </p14:nvContentPartPr>
+              <p14:xfrm>
+                <a:off x="4449930" y="525555"/>
+                <a:ext cx="360" cy="360"/>
+              </p14:xfrm>
+            </p:contentPart>
+          </mc:Choice>
+          <mc:Fallback xmlns="">
+            <p:pic>
+              <p:nvPicPr>
+                <p:cNvPr id="42" name="Ink 41">
+                  <a:extLst>
+                    <a:ext uri="{FF2B5EF4-FFF2-40B4-BE49-F238E27FC236}">
+                      <a16:creationId xmlns:a16="http://schemas.microsoft.com/office/drawing/2014/main" id="{D25227EE-703E-4F6E-810D-B2EB745AA2B6}"/>
+                    </a:ext>
+                  </a:extLst>
+                </p:cNvPr>
+                <p:cNvPicPr/>
+                <p:nvPr/>
+              </p:nvPicPr>
+              <p:blipFill>
+                <a:blip r:embed="rId17"/>
+                <a:stretch>
+                  <a:fillRect/>
+                </a:stretch>
+              </p:blipFill>
+              <p:spPr>
+                <a:xfrm>
+                  <a:off x="4445610" y="521235"/>
+                  <a:ext cx="9000" cy="9000"/>
+                </a:xfrm>
+                <a:prstGeom prst="rect">
+                  <a:avLst/>
+                </a:prstGeom>
+              </p:spPr>
+            </p:pic>
+          </mc:Fallback>
+        </mc:AlternateContent>
+        <mc:AlternateContent xmlns:mc="http://schemas.openxmlformats.org/markup-compatibility/2006" xmlns:p14="http://schemas.microsoft.com/office/powerpoint/2010/main">
+          <mc:Choice Requires="p14">
+            <p:contentPart p14:bwMode="auto" r:id="rId18">
+              <p14:nvContentPartPr>
+                <p14:cNvPr id="34" name="Ink 33">
+                  <a:extLst>
+                    <a:ext uri="{FF2B5EF4-FFF2-40B4-BE49-F238E27FC236}">
+                      <a16:creationId xmlns:a16="http://schemas.microsoft.com/office/drawing/2014/main" id="{994A37D9-99B6-792A-CED4-600D47198311}"/>
+                    </a:ext>
+                  </a:extLst>
+                </p14:cNvPr>
+                <p14:cNvContentPartPr/>
+                <p14:nvPr/>
+              </p14:nvContentPartPr>
+              <p14:xfrm>
+                <a:off x="4542090" y="460755"/>
+                <a:ext cx="52920" cy="42480"/>
+              </p14:xfrm>
+            </p:contentPart>
+          </mc:Choice>
+          <mc:Fallback xmlns="">
+            <p:pic>
+              <p:nvPicPr>
+                <p:cNvPr id="43" name="Ink 42">
+                  <a:extLst>
+                    <a:ext uri="{FF2B5EF4-FFF2-40B4-BE49-F238E27FC236}">
+                      <a16:creationId xmlns:a16="http://schemas.microsoft.com/office/drawing/2014/main" id="{3E1D129E-E474-4350-B208-D5BC2A949DD9}"/>
+                    </a:ext>
+                  </a:extLst>
+                </p:cNvPr>
+                <p:cNvPicPr/>
+                <p:nvPr/>
+              </p:nvPicPr>
+              <p:blipFill>
+                <a:blip r:embed="rId19"/>
+                <a:stretch>
+                  <a:fillRect/>
+                </a:stretch>
+              </p:blipFill>
+              <p:spPr>
+                <a:xfrm>
+                  <a:off x="4537770" y="456435"/>
+                  <a:ext cx="61560" cy="51120"/>
+                </a:xfrm>
+                <a:prstGeom prst="rect">
+                  <a:avLst/>
+                </a:prstGeom>
+              </p:spPr>
+            </p:pic>
+          </mc:Fallback>
+        </mc:AlternateContent>
+        <mc:AlternateContent xmlns:mc="http://schemas.openxmlformats.org/markup-compatibility/2006" xmlns:p14="http://schemas.microsoft.com/office/powerpoint/2010/main">
+          <mc:Choice Requires="p14">
+            <p:contentPart p14:bwMode="auto" r:id="rId20">
+              <p14:nvContentPartPr>
+                <p14:cNvPr id="35" name="Ink 34">
+                  <a:extLst>
+                    <a:ext uri="{FF2B5EF4-FFF2-40B4-BE49-F238E27FC236}">
+                      <a16:creationId xmlns:a16="http://schemas.microsoft.com/office/drawing/2014/main" id="{F900BC70-3BD2-CCD0-0114-BFBC28F731E6}"/>
+                    </a:ext>
+                  </a:extLst>
+                </p14:cNvPr>
+                <p14:cNvContentPartPr/>
+                <p14:nvPr/>
+              </p14:nvContentPartPr>
+              <p14:xfrm>
+                <a:off x="4566570" y="464715"/>
+                <a:ext cx="3600" cy="77040"/>
+              </p14:xfrm>
+            </p:contentPart>
+          </mc:Choice>
+          <mc:Fallback xmlns="">
+            <p:pic>
+              <p:nvPicPr>
+                <p:cNvPr id="44" name="Ink 43">
+                  <a:extLst>
+                    <a:ext uri="{FF2B5EF4-FFF2-40B4-BE49-F238E27FC236}">
+                      <a16:creationId xmlns:a16="http://schemas.microsoft.com/office/drawing/2014/main" id="{35DDCE36-5F8E-4791-BC1E-38BBCD692B63}"/>
+                    </a:ext>
+                  </a:extLst>
+                </p:cNvPr>
+                <p:cNvPicPr/>
+                <p:nvPr/>
+              </p:nvPicPr>
+              <p:blipFill>
+                <a:blip r:embed="rId21"/>
+                <a:stretch>
+                  <a:fillRect/>
+                </a:stretch>
+              </p:blipFill>
+              <p:spPr>
+                <a:xfrm>
+                  <a:off x="4562250" y="460395"/>
+                  <a:ext cx="12240" cy="85680"/>
+                </a:xfrm>
+                <a:prstGeom prst="rect">
+                  <a:avLst/>
+                </a:prstGeom>
+              </p:spPr>
+            </p:pic>
+          </mc:Fallback>
+        </mc:AlternateContent>
+      </p:grpSp>
+      <p:grpSp>
+        <p:nvGrpSpPr>
+          <p:cNvPr id="36" name="Group 35">
+            <a:extLst>
+              <a:ext uri="{FF2B5EF4-FFF2-40B4-BE49-F238E27FC236}">
+                <a16:creationId xmlns:a16="http://schemas.microsoft.com/office/drawing/2014/main" id="{F008D015-FF9C-9882-3F79-9ED27183D3AA}"/>
+              </a:ext>
+            </a:extLst>
+          </p:cNvPr>
+          <p:cNvGrpSpPr/>
+          <p:nvPr/>
+        </p:nvGrpSpPr>
+        <p:grpSpPr>
+          <a:xfrm>
+            <a:off x="4665045" y="73697"/>
+            <a:ext cx="36720" cy="70920"/>
+            <a:chOff x="4657650" y="461115"/>
+            <a:chExt cx="36720" cy="70920"/>
+          </a:xfrm>
+        </p:grpSpPr>
+        <mc:AlternateContent xmlns:mc="http://schemas.openxmlformats.org/markup-compatibility/2006" xmlns:p14="http://schemas.microsoft.com/office/powerpoint/2010/main">
+          <mc:Choice Requires="p14">
+            <p:contentPart p14:bwMode="auto" r:id="rId22">
+              <p14:nvContentPartPr>
+                <p14:cNvPr id="37" name="Ink 36">
+                  <a:extLst>
+                    <a:ext uri="{FF2B5EF4-FFF2-40B4-BE49-F238E27FC236}">
+                      <a16:creationId xmlns:a16="http://schemas.microsoft.com/office/drawing/2014/main" id="{AB779E34-5098-F8B6-6657-A39BDC38D7FF}"/>
+                    </a:ext>
+                  </a:extLst>
+                </p14:cNvPr>
+                <p14:cNvContentPartPr/>
+                <p14:nvPr/>
+              </p14:nvContentPartPr>
+              <p14:xfrm>
+                <a:off x="4657650" y="472275"/>
+                <a:ext cx="36720" cy="59760"/>
+              </p14:xfrm>
+            </p:contentPart>
+          </mc:Choice>
+          <mc:Fallback xmlns="">
+            <p:pic>
+              <p:nvPicPr>
+                <p:cNvPr id="46" name="Ink 45">
+                  <a:extLst>
+                    <a:ext uri="{FF2B5EF4-FFF2-40B4-BE49-F238E27FC236}">
+                      <a16:creationId xmlns:a16="http://schemas.microsoft.com/office/drawing/2014/main" id="{2D563A38-66DB-4F3F-AE6A-ED612299B2AB}"/>
+                    </a:ext>
+                  </a:extLst>
+                </p:cNvPr>
+                <p:cNvPicPr/>
+                <p:nvPr/>
+              </p:nvPicPr>
+              <p:blipFill>
+                <a:blip r:embed="rId23"/>
+                <a:stretch>
+                  <a:fillRect/>
+                </a:stretch>
+              </p:blipFill>
+              <p:spPr>
+                <a:xfrm>
+                  <a:off x="4653330" y="467955"/>
+                  <a:ext cx="45360" cy="68400"/>
+                </a:xfrm>
+                <a:prstGeom prst="rect">
+                  <a:avLst/>
+                </a:prstGeom>
+              </p:spPr>
+            </p:pic>
+          </mc:Fallback>
+        </mc:AlternateContent>
+        <mc:AlternateContent xmlns:mc="http://schemas.openxmlformats.org/markup-compatibility/2006" xmlns:p14="http://schemas.microsoft.com/office/powerpoint/2010/main">
+          <mc:Choice Requires="p14">
+            <p:contentPart p14:bwMode="auto" r:id="rId24">
+              <p14:nvContentPartPr>
+                <p14:cNvPr id="38" name="Ink 37">
+                  <a:extLst>
+                    <a:ext uri="{FF2B5EF4-FFF2-40B4-BE49-F238E27FC236}">
+                      <a16:creationId xmlns:a16="http://schemas.microsoft.com/office/drawing/2014/main" id="{E130ECBD-B397-098D-183B-CE6104D392CB}"/>
+                    </a:ext>
+                  </a:extLst>
+                </p14:cNvPr>
+                <p14:cNvContentPartPr/>
+                <p14:nvPr/>
+              </p14:nvContentPartPr>
+              <p14:xfrm>
+                <a:off x="4659450" y="461115"/>
+                <a:ext cx="27000" cy="5760"/>
+              </p14:xfrm>
+            </p:contentPart>
+          </mc:Choice>
+          <mc:Fallback xmlns="">
+            <p:pic>
+              <p:nvPicPr>
+                <p:cNvPr id="47" name="Ink 46">
+                  <a:extLst>
+                    <a:ext uri="{FF2B5EF4-FFF2-40B4-BE49-F238E27FC236}">
+                      <a16:creationId xmlns:a16="http://schemas.microsoft.com/office/drawing/2014/main" id="{A184C262-2005-4FEB-A644-66FC92BC9115}"/>
+                    </a:ext>
+                  </a:extLst>
+                </p:cNvPr>
+                <p:cNvPicPr/>
+                <p:nvPr/>
+              </p:nvPicPr>
+              <p:blipFill>
+                <a:blip r:embed="rId25"/>
+                <a:stretch>
+                  <a:fillRect/>
+                </a:stretch>
+              </p:blipFill>
+              <p:spPr>
+                <a:xfrm>
+                  <a:off x="4655130" y="456795"/>
+                  <a:ext cx="35640" cy="14400"/>
+                </a:xfrm>
+                <a:prstGeom prst="rect">
+                  <a:avLst/>
+                </a:prstGeom>
+              </p:spPr>
+            </p:pic>
+          </mc:Fallback>
+        </mc:AlternateContent>
+      </p:grpSp>
+      <mc:AlternateContent xmlns:mc="http://schemas.openxmlformats.org/markup-compatibility/2006">
+        <mc:Choice xmlns:p14="http://schemas.microsoft.com/office/powerpoint/2010/main" Requires="p14">
+          <p:contentPart p14:bwMode="auto" r:id="rId26">
+            <p14:nvContentPartPr>
+              <p14:cNvPr id="39" name="Ink 38">
+                <a:extLst>
+                  <a:ext uri="{FF2B5EF4-FFF2-40B4-BE49-F238E27FC236}">
+                    <a16:creationId xmlns:a16="http://schemas.microsoft.com/office/drawing/2014/main" id="{FE3096BF-11C2-59EC-1EAE-097AA3E26631}"/>
+                  </a:ext>
+                </a:extLst>
+              </p14:cNvPr>
+              <p14:cNvContentPartPr/>
+              <p14:nvPr/>
+            </p14:nvContentPartPr>
+            <p14:xfrm>
+              <a:off x="4769445" y="80897"/>
+              <a:ext cx="33120" cy="56160"/>
+            </p14:xfrm>
+          </p:contentPart>
+        </mc:Choice>
+        <mc:Fallback>
+          <p:pic>
+            <p:nvPicPr>
+              <p:cNvPr id="39" name="Ink 38">
+                <a:extLst>
+                  <a:ext uri="{FF2B5EF4-FFF2-40B4-BE49-F238E27FC236}">
+                    <a16:creationId xmlns:a16="http://schemas.microsoft.com/office/drawing/2014/main" id="{FE3096BF-11C2-59EC-1EAE-097AA3E26631}"/>
+                  </a:ext>
+                </a:extLst>
+              </p:cNvPr>
+              <p:cNvPicPr/>
+              <p:nvPr/>
+            </p:nvPicPr>
+            <p:blipFill>
+              <a:blip r:embed="rId27"/>
+              <a:stretch>
+                <a:fillRect/>
+              </a:stretch>
+            </p:blipFill>
+            <p:spPr>
+              <a:xfrm>
+                <a:off x="4765125" y="76577"/>
+                <a:ext cx="41760" cy="64800"/>
+              </a:xfrm>
+              <a:prstGeom prst="rect">
+                <a:avLst/>
+              </a:prstGeom>
+            </p:spPr>
+          </p:pic>
+        </mc:Fallback>
+      </mc:AlternateContent>
+      <p:grpSp>
+        <p:nvGrpSpPr>
+          <p:cNvPr id="40" name="Group 39">
+            <a:extLst>
+              <a:ext uri="{FF2B5EF4-FFF2-40B4-BE49-F238E27FC236}">
+                <a16:creationId xmlns:a16="http://schemas.microsoft.com/office/drawing/2014/main" id="{563287EB-80BE-7DB4-38AE-0C0364C3A923}"/>
+              </a:ext>
+            </a:extLst>
+          </p:cNvPr>
+          <p:cNvGrpSpPr/>
+          <p:nvPr/>
+        </p:nvGrpSpPr>
+        <p:grpSpPr>
+          <a:xfrm>
+            <a:off x="4878525" y="70457"/>
+            <a:ext cx="139320" cy="76320"/>
+            <a:chOff x="4871130" y="457875"/>
+            <a:chExt cx="139320" cy="76320"/>
+          </a:xfrm>
+        </p:grpSpPr>
+        <mc:AlternateContent xmlns:mc="http://schemas.openxmlformats.org/markup-compatibility/2006" xmlns:p14="http://schemas.microsoft.com/office/powerpoint/2010/main">
+          <mc:Choice Requires="p14">
+            <p:contentPart p14:bwMode="auto" r:id="rId28">
+              <p14:nvContentPartPr>
+                <p14:cNvPr id="41" name="Ink 40">
+                  <a:extLst>
+                    <a:ext uri="{FF2B5EF4-FFF2-40B4-BE49-F238E27FC236}">
+                      <a16:creationId xmlns:a16="http://schemas.microsoft.com/office/drawing/2014/main" id="{8365C6B0-B854-DDC9-9975-06FC398A099B}"/>
+                    </a:ext>
+                  </a:extLst>
+                </p14:cNvPr>
+                <p14:cNvContentPartPr/>
+                <p14:nvPr/>
+              </p14:nvContentPartPr>
+              <p14:xfrm>
+                <a:off x="4871130" y="457875"/>
+                <a:ext cx="27000" cy="71280"/>
+              </p14:xfrm>
+            </p:contentPart>
+          </mc:Choice>
+          <mc:Fallback xmlns="">
+            <p:pic>
+              <p:nvPicPr>
+                <p:cNvPr id="50" name="Ink 49">
+                  <a:extLst>
+                    <a:ext uri="{FF2B5EF4-FFF2-40B4-BE49-F238E27FC236}">
+                      <a16:creationId xmlns:a16="http://schemas.microsoft.com/office/drawing/2014/main" id="{872077D2-1E4B-42FD-921E-50850A3595E9}"/>
+                    </a:ext>
+                  </a:extLst>
+                </p:cNvPr>
+                <p:cNvPicPr/>
+                <p:nvPr/>
+              </p:nvPicPr>
+              <p:blipFill>
+                <a:blip r:embed="rId29"/>
+                <a:stretch>
+                  <a:fillRect/>
+                </a:stretch>
+              </p:blipFill>
+              <p:spPr>
+                <a:xfrm>
+                  <a:off x="4866810" y="453555"/>
+                  <a:ext cx="35640" cy="79920"/>
+                </a:xfrm>
+                <a:prstGeom prst="rect">
+                  <a:avLst/>
+                </a:prstGeom>
+              </p:spPr>
+            </p:pic>
+          </mc:Fallback>
+        </mc:AlternateContent>
+        <mc:AlternateContent xmlns:mc="http://schemas.openxmlformats.org/markup-compatibility/2006" xmlns:p14="http://schemas.microsoft.com/office/powerpoint/2010/main">
+          <mc:Choice Requires="p14">
+            <p:contentPart p14:bwMode="auto" r:id="rId30">
+              <p14:nvContentPartPr>
+                <p14:cNvPr id="42" name="Ink 41">
+                  <a:extLst>
+                    <a:ext uri="{FF2B5EF4-FFF2-40B4-BE49-F238E27FC236}">
+                      <a16:creationId xmlns:a16="http://schemas.microsoft.com/office/drawing/2014/main" id="{60932489-5B00-506E-1C2E-ED59A2B218BD}"/>
+                    </a:ext>
+                  </a:extLst>
+                </p14:cNvPr>
+                <p14:cNvContentPartPr/>
+                <p14:nvPr/>
+              </p14:nvContentPartPr>
+              <p14:xfrm>
+                <a:off x="4874730" y="503235"/>
+                <a:ext cx="34920" cy="1800"/>
+              </p14:xfrm>
+            </p:contentPart>
+          </mc:Choice>
+          <mc:Fallback xmlns="">
+            <p:pic>
+              <p:nvPicPr>
+                <p:cNvPr id="51" name="Ink 50">
+                  <a:extLst>
+                    <a:ext uri="{FF2B5EF4-FFF2-40B4-BE49-F238E27FC236}">
+                      <a16:creationId xmlns:a16="http://schemas.microsoft.com/office/drawing/2014/main" id="{7EF079D4-B0ED-4C48-AD40-BD5A617B32D8}"/>
+                    </a:ext>
+                  </a:extLst>
+                </p:cNvPr>
+                <p:cNvPicPr/>
+                <p:nvPr/>
+              </p:nvPicPr>
+              <p:blipFill>
+                <a:blip r:embed="rId31"/>
+                <a:stretch>
+                  <a:fillRect/>
+                </a:stretch>
+              </p:blipFill>
+              <p:spPr>
+                <a:xfrm>
+                  <a:off x="4870410" y="498915"/>
+                  <a:ext cx="43560" cy="10440"/>
+                </a:xfrm>
+                <a:prstGeom prst="rect">
+                  <a:avLst/>
+                </a:prstGeom>
+              </p:spPr>
+            </p:pic>
+          </mc:Fallback>
+        </mc:AlternateContent>
+        <mc:AlternateContent xmlns:mc="http://schemas.openxmlformats.org/markup-compatibility/2006" xmlns:p14="http://schemas.microsoft.com/office/powerpoint/2010/main">
+          <mc:Choice Requires="p14">
+            <p:contentPart p14:bwMode="auto" r:id="rId32">
+              <p14:nvContentPartPr>
+                <p14:cNvPr id="43" name="Ink 42">
+                  <a:extLst>
+                    <a:ext uri="{FF2B5EF4-FFF2-40B4-BE49-F238E27FC236}">
+                      <a16:creationId xmlns:a16="http://schemas.microsoft.com/office/drawing/2014/main" id="{D690A967-B3FB-27B5-CAEA-463020F3E7F6}"/>
+                    </a:ext>
+                  </a:extLst>
+                </p14:cNvPr>
+                <p14:cNvContentPartPr/>
+                <p14:nvPr/>
+              </p14:nvContentPartPr>
+              <p14:xfrm>
+                <a:off x="4970130" y="460395"/>
+                <a:ext cx="40320" cy="73800"/>
+              </p14:xfrm>
+            </p:contentPart>
+          </mc:Choice>
+          <mc:Fallback xmlns="">
+            <p:pic>
+              <p:nvPicPr>
+                <p:cNvPr id="52" name="Ink 51">
+                  <a:extLst>
+                    <a:ext uri="{FF2B5EF4-FFF2-40B4-BE49-F238E27FC236}">
+                      <a16:creationId xmlns:a16="http://schemas.microsoft.com/office/drawing/2014/main" id="{2C66419A-E3BA-411C-B8FA-D41F5EFC80E8}"/>
+                    </a:ext>
+                  </a:extLst>
+                </p:cNvPr>
+                <p:cNvPicPr/>
+                <p:nvPr/>
+              </p:nvPicPr>
+              <p:blipFill>
+                <a:blip r:embed="rId33"/>
+                <a:stretch>
+                  <a:fillRect/>
+                </a:stretch>
+              </p:blipFill>
+              <p:spPr>
+                <a:xfrm>
+                  <a:off x="4965810" y="456075"/>
+                  <a:ext cx="48960" cy="82440"/>
+                </a:xfrm>
+                <a:prstGeom prst="rect">
+                  <a:avLst/>
+                </a:prstGeom>
+              </p:spPr>
+            </p:pic>
+          </mc:Fallback>
+        </mc:AlternateContent>
+      </p:grpSp>
+      <p:grpSp>
+        <p:nvGrpSpPr>
+          <p:cNvPr id="44" name="Group 43">
+            <a:extLst>
+              <a:ext uri="{FF2B5EF4-FFF2-40B4-BE49-F238E27FC236}">
+                <a16:creationId xmlns:a16="http://schemas.microsoft.com/office/drawing/2014/main" id="{EDBEA148-1E24-4A13-DA17-ABAA29D95868}"/>
+              </a:ext>
+            </a:extLst>
+          </p:cNvPr>
+          <p:cNvGrpSpPr/>
+          <p:nvPr/>
+        </p:nvGrpSpPr>
+        <p:grpSpPr>
+          <a:xfrm>
+            <a:off x="5089845" y="88457"/>
+            <a:ext cx="723960" cy="81720"/>
+            <a:chOff x="5082450" y="475875"/>
+            <a:chExt cx="723960" cy="81720"/>
+          </a:xfrm>
+        </p:grpSpPr>
+        <mc:AlternateContent xmlns:mc="http://schemas.openxmlformats.org/markup-compatibility/2006" xmlns:p14="http://schemas.microsoft.com/office/powerpoint/2010/main">
+          <mc:Choice Requires="p14">
+            <p:contentPart p14:bwMode="auto" r:id="rId34">
+              <p14:nvContentPartPr>
+                <p14:cNvPr id="45" name="Ink 44">
+                  <a:extLst>
+                    <a:ext uri="{FF2B5EF4-FFF2-40B4-BE49-F238E27FC236}">
+                      <a16:creationId xmlns:a16="http://schemas.microsoft.com/office/drawing/2014/main" id="{1A91B079-2133-9D30-684B-C5ACE3F71ACF}"/>
+                    </a:ext>
+                  </a:extLst>
+                </p14:cNvPr>
+                <p14:cNvContentPartPr/>
+                <p14:nvPr/>
+              </p14:nvContentPartPr>
+              <p14:xfrm>
+                <a:off x="5082450" y="475875"/>
+                <a:ext cx="45000" cy="68040"/>
+              </p14:xfrm>
+            </p:contentPart>
+          </mc:Choice>
+          <mc:Fallback xmlns="">
+            <p:pic>
+              <p:nvPicPr>
+                <p:cNvPr id="55" name="Ink 54">
+                  <a:extLst>
+                    <a:ext uri="{FF2B5EF4-FFF2-40B4-BE49-F238E27FC236}">
+                      <a16:creationId xmlns:a16="http://schemas.microsoft.com/office/drawing/2014/main" id="{D1858AF8-524A-4711-99DC-514E95CDD320}"/>
+                    </a:ext>
+                  </a:extLst>
+                </p:cNvPr>
+                <p:cNvPicPr/>
+                <p:nvPr/>
+              </p:nvPicPr>
+              <p:blipFill>
+                <a:blip r:embed="rId35"/>
+                <a:stretch>
+                  <a:fillRect/>
+                </a:stretch>
+              </p:blipFill>
+              <p:spPr>
+                <a:xfrm>
+                  <a:off x="5078130" y="471555"/>
+                  <a:ext cx="53640" cy="76680"/>
+                </a:xfrm>
+                <a:prstGeom prst="rect">
+                  <a:avLst/>
+                </a:prstGeom>
+              </p:spPr>
+            </p:pic>
+          </mc:Fallback>
+        </mc:AlternateContent>
+        <mc:AlternateContent xmlns:mc="http://schemas.openxmlformats.org/markup-compatibility/2006" xmlns:p14="http://schemas.microsoft.com/office/powerpoint/2010/main">
+          <mc:Choice Requires="p14">
+            <p:contentPart p14:bwMode="auto" r:id="rId36">
+              <p14:nvContentPartPr>
+                <p14:cNvPr id="46" name="Ink 45">
+                  <a:extLst>
+                    <a:ext uri="{FF2B5EF4-FFF2-40B4-BE49-F238E27FC236}">
+                      <a16:creationId xmlns:a16="http://schemas.microsoft.com/office/drawing/2014/main" id="{9C529151-7F89-29CE-2B11-94B9299F1666}"/>
+                    </a:ext>
+                  </a:extLst>
+                </p14:cNvPr>
+                <p14:cNvContentPartPr/>
+                <p14:nvPr/>
+              </p14:nvContentPartPr>
+              <p14:xfrm>
+                <a:off x="5194770" y="478395"/>
+                <a:ext cx="23400" cy="59760"/>
+              </p14:xfrm>
+            </p:contentPart>
+          </mc:Choice>
+          <mc:Fallback xmlns="">
+            <p:pic>
+              <p:nvPicPr>
+                <p:cNvPr id="56" name="Ink 55">
+                  <a:extLst>
+                    <a:ext uri="{FF2B5EF4-FFF2-40B4-BE49-F238E27FC236}">
+                      <a16:creationId xmlns:a16="http://schemas.microsoft.com/office/drawing/2014/main" id="{7CF0656D-0168-4DC0-B44B-7A2E0C32C775}"/>
+                    </a:ext>
+                  </a:extLst>
+                </p:cNvPr>
+                <p:cNvPicPr/>
+                <p:nvPr/>
+              </p:nvPicPr>
+              <p:blipFill>
+                <a:blip r:embed="rId37"/>
+                <a:stretch>
+                  <a:fillRect/>
+                </a:stretch>
+              </p:blipFill>
+              <p:spPr>
+                <a:xfrm>
+                  <a:off x="5190450" y="474075"/>
+                  <a:ext cx="32040" cy="68400"/>
+                </a:xfrm>
+                <a:prstGeom prst="rect">
+                  <a:avLst/>
+                </a:prstGeom>
+              </p:spPr>
+            </p:pic>
+          </mc:Fallback>
+        </mc:AlternateContent>
+        <mc:AlternateContent xmlns:mc="http://schemas.openxmlformats.org/markup-compatibility/2006" xmlns:p14="http://schemas.microsoft.com/office/powerpoint/2010/main">
+          <mc:Choice Requires="p14">
+            <p:contentPart p14:bwMode="auto" r:id="rId38">
+              <p14:nvContentPartPr>
+                <p14:cNvPr id="47" name="Ink 46">
+                  <a:extLst>
+                    <a:ext uri="{FF2B5EF4-FFF2-40B4-BE49-F238E27FC236}">
+                      <a16:creationId xmlns:a16="http://schemas.microsoft.com/office/drawing/2014/main" id="{1E744008-240A-3689-1118-9C11744FCB90}"/>
+                    </a:ext>
+                  </a:extLst>
+                </p14:cNvPr>
+                <p14:cNvContentPartPr/>
+                <p14:nvPr/>
+              </p14:nvContentPartPr>
+              <p14:xfrm>
+                <a:off x="5220690" y="485955"/>
+                <a:ext cx="27720" cy="46440"/>
+              </p14:xfrm>
+            </p:contentPart>
+          </mc:Choice>
+          <mc:Fallback xmlns="">
+            <p:pic>
+              <p:nvPicPr>
+                <p:cNvPr id="57" name="Ink 56">
+                  <a:extLst>
+                    <a:ext uri="{FF2B5EF4-FFF2-40B4-BE49-F238E27FC236}">
+                      <a16:creationId xmlns:a16="http://schemas.microsoft.com/office/drawing/2014/main" id="{2D61B20D-D252-43B7-8161-FAE67837A8B4}"/>
+                    </a:ext>
+                  </a:extLst>
+                </p:cNvPr>
+                <p:cNvPicPr/>
+                <p:nvPr/>
+              </p:nvPicPr>
+              <p:blipFill>
+                <a:blip r:embed="rId39"/>
+                <a:stretch>
+                  <a:fillRect/>
+                </a:stretch>
+              </p:blipFill>
+              <p:spPr>
+                <a:xfrm>
+                  <a:off x="5216370" y="481635"/>
+                  <a:ext cx="36360" cy="55080"/>
+                </a:xfrm>
+                <a:prstGeom prst="rect">
+                  <a:avLst/>
+                </a:prstGeom>
+              </p:spPr>
+            </p:pic>
+          </mc:Fallback>
+        </mc:AlternateContent>
+        <mc:AlternateContent xmlns:mc="http://schemas.openxmlformats.org/markup-compatibility/2006" xmlns:p14="http://schemas.microsoft.com/office/powerpoint/2010/main">
+          <mc:Choice Requires="p14">
+            <p:contentPart p14:bwMode="auto" r:id="rId40">
+              <p14:nvContentPartPr>
+                <p14:cNvPr id="48" name="Ink 47">
+                  <a:extLst>
+                    <a:ext uri="{FF2B5EF4-FFF2-40B4-BE49-F238E27FC236}">
+                      <a16:creationId xmlns:a16="http://schemas.microsoft.com/office/drawing/2014/main" id="{DFD63A2B-09B0-E5B1-0048-D83EA5090B4D}"/>
+                    </a:ext>
+                  </a:extLst>
+                </p14:cNvPr>
+                <p14:cNvContentPartPr/>
+                <p14:nvPr/>
+              </p14:nvContentPartPr>
+              <p14:xfrm>
+                <a:off x="5305290" y="493875"/>
+                <a:ext cx="13680" cy="44280"/>
+              </p14:xfrm>
+            </p:contentPart>
+          </mc:Choice>
+          <mc:Fallback xmlns="">
+            <p:pic>
+              <p:nvPicPr>
+                <p:cNvPr id="58" name="Ink 57">
+                  <a:extLst>
+                    <a:ext uri="{FF2B5EF4-FFF2-40B4-BE49-F238E27FC236}">
+                      <a16:creationId xmlns:a16="http://schemas.microsoft.com/office/drawing/2014/main" id="{F6C7102F-604B-4A38-955C-C6FFB358C8D6}"/>
+                    </a:ext>
+                  </a:extLst>
+                </p:cNvPr>
+                <p:cNvPicPr/>
+                <p:nvPr/>
+              </p:nvPicPr>
+              <p:blipFill>
+                <a:blip r:embed="rId41"/>
+                <a:stretch>
+                  <a:fillRect/>
+                </a:stretch>
+              </p:blipFill>
+              <p:spPr>
+                <a:xfrm>
+                  <a:off x="5300970" y="489555"/>
+                  <a:ext cx="22320" cy="52920"/>
+                </a:xfrm>
+                <a:prstGeom prst="rect">
+                  <a:avLst/>
+                </a:prstGeom>
+              </p:spPr>
+            </p:pic>
+          </mc:Fallback>
+        </mc:AlternateContent>
+        <mc:AlternateContent xmlns:mc="http://schemas.openxmlformats.org/markup-compatibility/2006" xmlns:p14="http://schemas.microsoft.com/office/powerpoint/2010/main">
+          <mc:Choice Requires="p14">
+            <p:contentPart p14:bwMode="auto" r:id="rId42">
+              <p14:nvContentPartPr>
+                <p14:cNvPr id="49" name="Ink 48">
+                  <a:extLst>
+                    <a:ext uri="{FF2B5EF4-FFF2-40B4-BE49-F238E27FC236}">
+                      <a16:creationId xmlns:a16="http://schemas.microsoft.com/office/drawing/2014/main" id="{BF501641-D70A-C017-B379-28F9A0B9587D}"/>
+                    </a:ext>
+                  </a:extLst>
+                </p14:cNvPr>
+                <p14:cNvContentPartPr/>
+                <p14:nvPr/>
+              </p14:nvContentPartPr>
+              <p14:xfrm>
+                <a:off x="5345250" y="496395"/>
+                <a:ext cx="6480" cy="46800"/>
+              </p14:xfrm>
+            </p:contentPart>
+          </mc:Choice>
+          <mc:Fallback xmlns="">
+            <p:pic>
+              <p:nvPicPr>
+                <p:cNvPr id="59" name="Ink 58">
+                  <a:extLst>
+                    <a:ext uri="{FF2B5EF4-FFF2-40B4-BE49-F238E27FC236}">
+                      <a16:creationId xmlns:a16="http://schemas.microsoft.com/office/drawing/2014/main" id="{476C3DCD-B3CF-405C-8A26-A8CF862F1DA6}"/>
+                    </a:ext>
+                  </a:extLst>
+                </p:cNvPr>
+                <p:cNvPicPr/>
+                <p:nvPr/>
+              </p:nvPicPr>
+              <p:blipFill>
+                <a:blip r:embed="rId43"/>
+                <a:stretch>
+                  <a:fillRect/>
+                </a:stretch>
+              </p:blipFill>
+              <p:spPr>
+                <a:xfrm>
+                  <a:off x="5340930" y="492075"/>
+                  <a:ext cx="15120" cy="55440"/>
+                </a:xfrm>
+                <a:prstGeom prst="rect">
+                  <a:avLst/>
+                </a:prstGeom>
+              </p:spPr>
+            </p:pic>
+          </mc:Fallback>
+        </mc:AlternateContent>
+        <mc:AlternateContent xmlns:mc="http://schemas.openxmlformats.org/markup-compatibility/2006" xmlns:p14="http://schemas.microsoft.com/office/powerpoint/2010/main">
+          <mc:Choice Requires="p14">
+            <p:contentPart p14:bwMode="auto" r:id="rId44">
+              <p14:nvContentPartPr>
+                <p14:cNvPr id="50" name="Ink 49">
+                  <a:extLst>
+                    <a:ext uri="{FF2B5EF4-FFF2-40B4-BE49-F238E27FC236}">
+                      <a16:creationId xmlns:a16="http://schemas.microsoft.com/office/drawing/2014/main" id="{90863B45-C6AF-4229-87CE-9C56FA1FD9D1}"/>
+                    </a:ext>
+                  </a:extLst>
+                </p14:cNvPr>
+                <p14:cNvContentPartPr/>
+                <p14:nvPr/>
+              </p14:nvContentPartPr>
+              <p14:xfrm>
+                <a:off x="5411850" y="486675"/>
+                <a:ext cx="15840" cy="46800"/>
+              </p14:xfrm>
+            </p:contentPart>
+          </mc:Choice>
+          <mc:Fallback xmlns="">
+            <p:pic>
+              <p:nvPicPr>
+                <p:cNvPr id="61" name="Ink 60">
+                  <a:extLst>
+                    <a:ext uri="{FF2B5EF4-FFF2-40B4-BE49-F238E27FC236}">
+                      <a16:creationId xmlns:a16="http://schemas.microsoft.com/office/drawing/2014/main" id="{8BD206C8-021A-4F78-AEAF-6ABF44B4B016}"/>
+                    </a:ext>
+                  </a:extLst>
+                </p:cNvPr>
+                <p:cNvPicPr/>
+                <p:nvPr/>
+              </p:nvPicPr>
+              <p:blipFill>
+                <a:blip r:embed="rId45"/>
+                <a:stretch>
+                  <a:fillRect/>
+                </a:stretch>
+              </p:blipFill>
+              <p:spPr>
+                <a:xfrm>
+                  <a:off x="5407530" y="482355"/>
+                  <a:ext cx="24480" cy="55440"/>
+                </a:xfrm>
+                <a:prstGeom prst="rect">
+                  <a:avLst/>
+                </a:prstGeom>
+              </p:spPr>
+            </p:pic>
+          </mc:Fallback>
+        </mc:AlternateContent>
+        <mc:AlternateContent xmlns:mc="http://schemas.openxmlformats.org/markup-compatibility/2006" xmlns:p14="http://schemas.microsoft.com/office/powerpoint/2010/main">
+          <mc:Choice Requires="p14">
+            <p:contentPart p14:bwMode="auto" r:id="rId46">
+              <p14:nvContentPartPr>
+                <p14:cNvPr id="51" name="Ink 50">
+                  <a:extLst>
+                    <a:ext uri="{FF2B5EF4-FFF2-40B4-BE49-F238E27FC236}">
+                      <a16:creationId xmlns:a16="http://schemas.microsoft.com/office/drawing/2014/main" id="{A548390D-B82E-162F-D056-1523C2B3E2B4}"/>
+                    </a:ext>
+                  </a:extLst>
+                </p14:cNvPr>
+                <p14:cNvContentPartPr/>
+                <p14:nvPr/>
+              </p14:nvContentPartPr>
+              <p14:xfrm>
+                <a:off x="5441370" y="491355"/>
+                <a:ext cx="29880" cy="42480"/>
+              </p14:xfrm>
+            </p:contentPart>
+          </mc:Choice>
+          <mc:Fallback xmlns="">
+            <p:pic>
+              <p:nvPicPr>
+                <p:cNvPr id="62" name="Ink 61">
+                  <a:extLst>
+                    <a:ext uri="{FF2B5EF4-FFF2-40B4-BE49-F238E27FC236}">
+                      <a16:creationId xmlns:a16="http://schemas.microsoft.com/office/drawing/2014/main" id="{3C69BF2F-0F97-4B4D-8994-109D82A306BF}"/>
+                    </a:ext>
+                  </a:extLst>
+                </p:cNvPr>
+                <p:cNvPicPr/>
+                <p:nvPr/>
+              </p:nvPicPr>
+              <p:blipFill>
+                <a:blip r:embed="rId47"/>
+                <a:stretch>
+                  <a:fillRect/>
+                </a:stretch>
+              </p:blipFill>
+              <p:spPr>
+                <a:xfrm>
+                  <a:off x="5437050" y="487035"/>
+                  <a:ext cx="38520" cy="51120"/>
+                </a:xfrm>
+                <a:prstGeom prst="rect">
+                  <a:avLst/>
+                </a:prstGeom>
+              </p:spPr>
+            </p:pic>
+          </mc:Fallback>
+        </mc:AlternateContent>
+        <mc:AlternateContent xmlns:mc="http://schemas.openxmlformats.org/markup-compatibility/2006" xmlns:p14="http://schemas.microsoft.com/office/powerpoint/2010/main">
+          <mc:Choice Requires="p14">
+            <p:contentPart p14:bwMode="auto" r:id="rId48">
+              <p14:nvContentPartPr>
+                <p14:cNvPr id="52" name="Ink 51">
+                  <a:extLst>
+                    <a:ext uri="{FF2B5EF4-FFF2-40B4-BE49-F238E27FC236}">
+                      <a16:creationId xmlns:a16="http://schemas.microsoft.com/office/drawing/2014/main" id="{455B90A3-99D0-C361-0523-2F3E0249CFC3}"/>
+                    </a:ext>
+                  </a:extLst>
+                </p14:cNvPr>
+                <p14:cNvContentPartPr/>
+                <p14:nvPr/>
+              </p14:nvContentPartPr>
+              <p14:xfrm>
+                <a:off x="5440290" y="483435"/>
+                <a:ext cx="5040" cy="4320"/>
+              </p14:xfrm>
+            </p:contentPart>
+          </mc:Choice>
+          <mc:Fallback xmlns="">
+            <p:pic>
+              <p:nvPicPr>
+                <p:cNvPr id="63" name="Ink 62">
+                  <a:extLst>
+                    <a:ext uri="{FF2B5EF4-FFF2-40B4-BE49-F238E27FC236}">
+                      <a16:creationId xmlns:a16="http://schemas.microsoft.com/office/drawing/2014/main" id="{584E0329-6D63-4C33-BCF9-172BBBEA5B54}"/>
+                    </a:ext>
+                  </a:extLst>
+                </p:cNvPr>
+                <p:cNvPicPr/>
+                <p:nvPr/>
+              </p:nvPicPr>
+              <p:blipFill>
+                <a:blip r:embed="rId49"/>
+                <a:stretch>
+                  <a:fillRect/>
+                </a:stretch>
+              </p:blipFill>
+              <p:spPr>
+                <a:xfrm>
+                  <a:off x="5435970" y="479115"/>
+                  <a:ext cx="13680" cy="12960"/>
+                </a:xfrm>
+                <a:prstGeom prst="rect">
+                  <a:avLst/>
+                </a:prstGeom>
+              </p:spPr>
+            </p:pic>
+          </mc:Fallback>
+        </mc:AlternateContent>
+        <mc:AlternateContent xmlns:mc="http://schemas.openxmlformats.org/markup-compatibility/2006" xmlns:p14="http://schemas.microsoft.com/office/powerpoint/2010/main">
+          <mc:Choice Requires="p14">
+            <p:contentPart p14:bwMode="auto" r:id="rId50">
+              <p14:nvContentPartPr>
+                <p14:cNvPr id="53" name="Ink 52">
+                  <a:extLst>
+                    <a:ext uri="{FF2B5EF4-FFF2-40B4-BE49-F238E27FC236}">
+                      <a16:creationId xmlns:a16="http://schemas.microsoft.com/office/drawing/2014/main" id="{AF088321-9207-2DA1-FAA1-70CA515010CB}"/>
+                    </a:ext>
+                  </a:extLst>
+                </p14:cNvPr>
+                <p14:cNvContentPartPr/>
+                <p14:nvPr/>
+              </p14:nvContentPartPr>
+              <p14:xfrm>
+                <a:off x="5507250" y="479475"/>
+                <a:ext cx="17640" cy="49320"/>
+              </p14:xfrm>
+            </p:contentPart>
+          </mc:Choice>
+          <mc:Fallback xmlns="">
+            <p:pic>
+              <p:nvPicPr>
+                <p:cNvPr id="65" name="Ink 64">
+                  <a:extLst>
+                    <a:ext uri="{FF2B5EF4-FFF2-40B4-BE49-F238E27FC236}">
+                      <a16:creationId xmlns:a16="http://schemas.microsoft.com/office/drawing/2014/main" id="{89BAF7C8-F489-4CDA-B91F-BB50739581B0}"/>
+                    </a:ext>
+                  </a:extLst>
+                </p:cNvPr>
+                <p:cNvPicPr/>
+                <p:nvPr/>
+              </p:nvPicPr>
+              <p:blipFill>
+                <a:blip r:embed="rId51"/>
+                <a:stretch>
+                  <a:fillRect/>
+                </a:stretch>
+              </p:blipFill>
+              <p:spPr>
+                <a:xfrm>
+                  <a:off x="5502930" y="475155"/>
+                  <a:ext cx="26280" cy="57960"/>
+                </a:xfrm>
+                <a:prstGeom prst="rect">
+                  <a:avLst/>
+                </a:prstGeom>
+              </p:spPr>
+            </p:pic>
+          </mc:Fallback>
+        </mc:AlternateContent>
+        <mc:AlternateContent xmlns:mc="http://schemas.openxmlformats.org/markup-compatibility/2006" xmlns:p14="http://schemas.microsoft.com/office/powerpoint/2010/main">
+          <mc:Choice Requires="p14">
+            <p:contentPart p14:bwMode="auto" r:id="rId52">
+              <p14:nvContentPartPr>
+                <p14:cNvPr id="54" name="Ink 53">
+                  <a:extLst>
+                    <a:ext uri="{FF2B5EF4-FFF2-40B4-BE49-F238E27FC236}">
+                      <a16:creationId xmlns:a16="http://schemas.microsoft.com/office/drawing/2014/main" id="{B740515E-767E-4213-4759-D69273C294D3}"/>
+                    </a:ext>
+                  </a:extLst>
+                </p14:cNvPr>
+                <p14:cNvContentPartPr/>
+                <p14:nvPr/>
+              </p14:nvContentPartPr>
+              <p14:xfrm>
+                <a:off x="5532810" y="488475"/>
+                <a:ext cx="29880" cy="56880"/>
+              </p14:xfrm>
+            </p:contentPart>
+          </mc:Choice>
+          <mc:Fallback xmlns="">
+            <p:pic>
+              <p:nvPicPr>
+                <p:cNvPr id="67" name="Ink 66">
+                  <a:extLst>
+                    <a:ext uri="{FF2B5EF4-FFF2-40B4-BE49-F238E27FC236}">
+                      <a16:creationId xmlns:a16="http://schemas.microsoft.com/office/drawing/2014/main" id="{628C2A8F-473C-4F41-8BC1-3746CFFB5087}"/>
+                    </a:ext>
+                  </a:extLst>
+                </p:cNvPr>
+                <p:cNvPicPr/>
+                <p:nvPr/>
+              </p:nvPicPr>
+              <p:blipFill>
+                <a:blip r:embed="rId53"/>
+                <a:stretch>
+                  <a:fillRect/>
+                </a:stretch>
+              </p:blipFill>
+              <p:spPr>
+                <a:xfrm>
+                  <a:off x="5528490" y="484155"/>
+                  <a:ext cx="38520" cy="65520"/>
+                </a:xfrm>
+                <a:prstGeom prst="rect">
+                  <a:avLst/>
+                </a:prstGeom>
+              </p:spPr>
+            </p:pic>
+          </mc:Fallback>
+        </mc:AlternateContent>
+        <mc:AlternateContent xmlns:mc="http://schemas.openxmlformats.org/markup-compatibility/2006" xmlns:p14="http://schemas.microsoft.com/office/powerpoint/2010/main">
+          <mc:Choice Requires="p14">
+            <p:contentPart p14:bwMode="auto" r:id="rId54">
+              <p14:nvContentPartPr>
+                <p14:cNvPr id="55" name="Ink 54">
+                  <a:extLst>
+                    <a:ext uri="{FF2B5EF4-FFF2-40B4-BE49-F238E27FC236}">
+                      <a16:creationId xmlns:a16="http://schemas.microsoft.com/office/drawing/2014/main" id="{B858DE27-4768-BF3A-5DB2-DBC64504B98C}"/>
+                    </a:ext>
+                  </a:extLst>
+                </p14:cNvPr>
+                <p14:cNvContentPartPr/>
+                <p14:nvPr/>
+              </p14:nvContentPartPr>
+              <p14:xfrm>
+                <a:off x="5613810" y="500715"/>
+                <a:ext cx="15840" cy="45000"/>
+              </p14:xfrm>
+            </p:contentPart>
+          </mc:Choice>
+          <mc:Fallback xmlns="">
+            <p:pic>
+              <p:nvPicPr>
+                <p:cNvPr id="68" name="Ink 67">
+                  <a:extLst>
+                    <a:ext uri="{FF2B5EF4-FFF2-40B4-BE49-F238E27FC236}">
+                      <a16:creationId xmlns:a16="http://schemas.microsoft.com/office/drawing/2014/main" id="{2642CDC8-AF0F-4B67-9A49-2F6B0DDC48C7}"/>
+                    </a:ext>
+                  </a:extLst>
+                </p:cNvPr>
+                <p:cNvPicPr/>
+                <p:nvPr/>
+              </p:nvPicPr>
+              <p:blipFill>
+                <a:blip r:embed="rId55"/>
+                <a:stretch>
+                  <a:fillRect/>
+                </a:stretch>
+              </p:blipFill>
+              <p:spPr>
+                <a:xfrm>
+                  <a:off x="5609490" y="496395"/>
+                  <a:ext cx="24480" cy="53640"/>
+                </a:xfrm>
+                <a:prstGeom prst="rect">
+                  <a:avLst/>
+                </a:prstGeom>
+              </p:spPr>
+            </p:pic>
+          </mc:Fallback>
+        </mc:AlternateContent>
+        <mc:AlternateContent xmlns:mc="http://schemas.openxmlformats.org/markup-compatibility/2006" xmlns:p14="http://schemas.microsoft.com/office/powerpoint/2010/main">
+          <mc:Choice Requires="p14">
+            <p:contentPart p14:bwMode="auto" r:id="rId56">
+              <p14:nvContentPartPr>
+                <p14:cNvPr id="56" name="Ink 55">
+                  <a:extLst>
+                    <a:ext uri="{FF2B5EF4-FFF2-40B4-BE49-F238E27FC236}">
+                      <a16:creationId xmlns:a16="http://schemas.microsoft.com/office/drawing/2014/main" id="{D4D3EB83-297C-50C7-6031-F861D1EEEBA3}"/>
+                    </a:ext>
+                  </a:extLst>
+                </p14:cNvPr>
+                <p14:cNvContentPartPr/>
+                <p14:nvPr/>
+              </p14:nvContentPartPr>
+              <p14:xfrm>
+                <a:off x="5645490" y="493155"/>
+                <a:ext cx="37440" cy="45720"/>
+              </p14:xfrm>
+            </p:contentPart>
+          </mc:Choice>
+          <mc:Fallback xmlns="">
+            <p:pic>
+              <p:nvPicPr>
+                <p:cNvPr id="69" name="Ink 68">
+                  <a:extLst>
+                    <a:ext uri="{FF2B5EF4-FFF2-40B4-BE49-F238E27FC236}">
+                      <a16:creationId xmlns:a16="http://schemas.microsoft.com/office/drawing/2014/main" id="{EF3D1B71-26E5-42E7-9196-43FEC55A1AEE}"/>
+                    </a:ext>
+                  </a:extLst>
+                </p:cNvPr>
+                <p:cNvPicPr/>
+                <p:nvPr/>
+              </p:nvPicPr>
+              <p:blipFill>
+                <a:blip r:embed="rId57"/>
+                <a:stretch>
+                  <a:fillRect/>
+                </a:stretch>
+              </p:blipFill>
+              <p:spPr>
+                <a:xfrm>
+                  <a:off x="5641170" y="488835"/>
+                  <a:ext cx="46080" cy="54360"/>
+                </a:xfrm>
+                <a:prstGeom prst="rect">
+                  <a:avLst/>
+                </a:prstGeom>
+              </p:spPr>
+            </p:pic>
+          </mc:Fallback>
+        </mc:AlternateContent>
+        <mc:AlternateContent xmlns:mc="http://schemas.openxmlformats.org/markup-compatibility/2006" xmlns:p14="http://schemas.microsoft.com/office/powerpoint/2010/main">
+          <mc:Choice Requires="p14">
+            <p:contentPart p14:bwMode="auto" r:id="rId58">
+              <p14:nvContentPartPr>
+                <p14:cNvPr id="57" name="Ink 56">
+                  <a:extLst>
+                    <a:ext uri="{FF2B5EF4-FFF2-40B4-BE49-F238E27FC236}">
+                      <a16:creationId xmlns:a16="http://schemas.microsoft.com/office/drawing/2014/main" id="{D2ECDA52-88AF-4168-B9AE-F1E71026A48C}"/>
+                    </a:ext>
+                  </a:extLst>
+                </p14:cNvPr>
+                <p14:cNvContentPartPr/>
+                <p14:nvPr/>
+              </p14:nvContentPartPr>
+              <p14:xfrm>
+                <a:off x="5665290" y="498915"/>
+                <a:ext cx="14040" cy="58680"/>
+              </p14:xfrm>
+            </p:contentPart>
+          </mc:Choice>
+          <mc:Fallback xmlns="">
+            <p:pic>
+              <p:nvPicPr>
+                <p:cNvPr id="71" name="Ink 70">
+                  <a:extLst>
+                    <a:ext uri="{FF2B5EF4-FFF2-40B4-BE49-F238E27FC236}">
+                      <a16:creationId xmlns:a16="http://schemas.microsoft.com/office/drawing/2014/main" id="{A9293524-14E2-4AA2-82A7-71F2C1EB0AC3}"/>
+                    </a:ext>
+                  </a:extLst>
+                </p:cNvPr>
+                <p:cNvPicPr/>
+                <p:nvPr/>
+              </p:nvPicPr>
+              <p:blipFill>
+                <a:blip r:embed="rId59"/>
+                <a:stretch>
+                  <a:fillRect/>
+                </a:stretch>
+              </p:blipFill>
+              <p:spPr>
+                <a:xfrm>
+                  <a:off x="5660970" y="494595"/>
+                  <a:ext cx="22680" cy="67320"/>
+                </a:xfrm>
+                <a:prstGeom prst="rect">
+                  <a:avLst/>
+                </a:prstGeom>
+              </p:spPr>
+            </p:pic>
+          </mc:Fallback>
+        </mc:AlternateContent>
+        <mc:AlternateContent xmlns:mc="http://schemas.openxmlformats.org/markup-compatibility/2006" xmlns:p14="http://schemas.microsoft.com/office/powerpoint/2010/main">
+          <mc:Choice Requires="p14">
+            <p:contentPart p14:bwMode="auto" r:id="rId60">
+              <p14:nvContentPartPr>
+                <p14:cNvPr id="58" name="Ink 57">
+                  <a:extLst>
+                    <a:ext uri="{FF2B5EF4-FFF2-40B4-BE49-F238E27FC236}">
+                      <a16:creationId xmlns:a16="http://schemas.microsoft.com/office/drawing/2014/main" id="{5E0046AB-D5E1-78E6-63C9-CEFC1B33A5E7}"/>
+                    </a:ext>
+                  </a:extLst>
+                </p14:cNvPr>
+                <p14:cNvContentPartPr/>
+                <p14:nvPr/>
+              </p14:nvContentPartPr>
+              <p14:xfrm>
+                <a:off x="5735850" y="485235"/>
+                <a:ext cx="6120" cy="45000"/>
+              </p14:xfrm>
+            </p:contentPart>
+          </mc:Choice>
+          <mc:Fallback xmlns="">
+            <p:pic>
+              <p:nvPicPr>
+                <p:cNvPr id="72" name="Ink 71">
+                  <a:extLst>
+                    <a:ext uri="{FF2B5EF4-FFF2-40B4-BE49-F238E27FC236}">
+                      <a16:creationId xmlns:a16="http://schemas.microsoft.com/office/drawing/2014/main" id="{DA57B001-42BA-43B5-A3B8-4441D8484AB5}"/>
+                    </a:ext>
+                  </a:extLst>
+                </p:cNvPr>
+                <p:cNvPicPr/>
+                <p:nvPr/>
+              </p:nvPicPr>
+              <p:blipFill>
+                <a:blip r:embed="rId61"/>
+                <a:stretch>
+                  <a:fillRect/>
+                </a:stretch>
+              </p:blipFill>
+              <p:spPr>
+                <a:xfrm>
+                  <a:off x="5731530" y="480915"/>
+                  <a:ext cx="14760" cy="53640"/>
+                </a:xfrm>
+                <a:prstGeom prst="rect">
+                  <a:avLst/>
+                </a:prstGeom>
+              </p:spPr>
+            </p:pic>
+          </mc:Fallback>
+        </mc:AlternateContent>
+        <mc:AlternateContent xmlns:mc="http://schemas.openxmlformats.org/markup-compatibility/2006" xmlns:p14="http://schemas.microsoft.com/office/powerpoint/2010/main">
+          <mc:Choice Requires="p14">
+            <p:contentPart p14:bwMode="auto" r:id="rId62">
+              <p14:nvContentPartPr>
+                <p14:cNvPr id="59" name="Ink 58">
+                  <a:extLst>
+                    <a:ext uri="{FF2B5EF4-FFF2-40B4-BE49-F238E27FC236}">
+                      <a16:creationId xmlns:a16="http://schemas.microsoft.com/office/drawing/2014/main" id="{E5E33655-E8B7-ACFD-C737-EDE9C27A639B}"/>
+                    </a:ext>
+                  </a:extLst>
+                </p14:cNvPr>
+                <p14:cNvContentPartPr/>
+                <p14:nvPr/>
+              </p14:nvContentPartPr>
+              <p14:xfrm>
+                <a:off x="5743770" y="489555"/>
+                <a:ext cx="41400" cy="50400"/>
+              </p14:xfrm>
+            </p:contentPart>
+          </mc:Choice>
+          <mc:Fallback xmlns="">
+            <p:pic>
+              <p:nvPicPr>
+                <p:cNvPr id="73" name="Ink 72">
+                  <a:extLst>
+                    <a:ext uri="{FF2B5EF4-FFF2-40B4-BE49-F238E27FC236}">
+                      <a16:creationId xmlns:a16="http://schemas.microsoft.com/office/drawing/2014/main" id="{4F065000-F912-4324-9CBD-11EB82198A08}"/>
+                    </a:ext>
+                  </a:extLst>
+                </p:cNvPr>
+                <p:cNvPicPr/>
+                <p:nvPr/>
+              </p:nvPicPr>
+              <p:blipFill>
+                <a:blip r:embed="rId63"/>
+                <a:stretch>
+                  <a:fillRect/>
+                </a:stretch>
+              </p:blipFill>
+              <p:spPr>
+                <a:xfrm>
+                  <a:off x="5739450" y="484875"/>
+                  <a:ext cx="50040" cy="59040"/>
+                </a:xfrm>
+                <a:prstGeom prst="rect">
+                  <a:avLst/>
+                </a:prstGeom>
+              </p:spPr>
+            </p:pic>
+          </mc:Fallback>
+        </mc:AlternateContent>
+        <mc:AlternateContent xmlns:mc="http://schemas.openxmlformats.org/markup-compatibility/2006" xmlns:p14="http://schemas.microsoft.com/office/powerpoint/2010/main">
+          <mc:Choice Requires="p14">
+            <p:contentPart p14:bwMode="auto" r:id="rId64">
+              <p14:nvContentPartPr>
+                <p14:cNvPr id="60" name="Ink 59">
+                  <a:extLst>
+                    <a:ext uri="{FF2B5EF4-FFF2-40B4-BE49-F238E27FC236}">
+                      <a16:creationId xmlns:a16="http://schemas.microsoft.com/office/drawing/2014/main" id="{E964C5F1-478F-DA9C-872D-321847312FC7}"/>
+                    </a:ext>
+                  </a:extLst>
+                </p14:cNvPr>
+                <p14:cNvContentPartPr/>
+                <p14:nvPr/>
+              </p14:nvContentPartPr>
+              <p14:xfrm>
+                <a:off x="5764290" y="485595"/>
+                <a:ext cx="42120" cy="4320"/>
+              </p14:xfrm>
+            </p:contentPart>
+          </mc:Choice>
+          <mc:Fallback xmlns="">
+            <p:pic>
+              <p:nvPicPr>
+                <p:cNvPr id="74" name="Ink 73">
+                  <a:extLst>
+                    <a:ext uri="{FF2B5EF4-FFF2-40B4-BE49-F238E27FC236}">
+                      <a16:creationId xmlns:a16="http://schemas.microsoft.com/office/drawing/2014/main" id="{EB1947D2-1DE8-4FE1-BEDF-7340FD4E9588}"/>
+                    </a:ext>
+                  </a:extLst>
+                </p:cNvPr>
+                <p:cNvPicPr/>
+                <p:nvPr/>
+              </p:nvPicPr>
+              <p:blipFill>
+                <a:blip r:embed="rId65"/>
+                <a:stretch>
+                  <a:fillRect/>
+                </a:stretch>
+              </p:blipFill>
+              <p:spPr>
+                <a:xfrm>
+                  <a:off x="5759970" y="481275"/>
+                  <a:ext cx="50760" cy="12960"/>
+                </a:xfrm>
+                <a:prstGeom prst="rect">
+                  <a:avLst/>
+                </a:prstGeom>
+              </p:spPr>
+            </p:pic>
+          </mc:Fallback>
+        </mc:AlternateContent>
+      </p:grpSp>
+      <p:sp>
+        <p:nvSpPr>
+          <p:cNvPr id="61" name="TextBox 60">
+            <a:extLst>
+              <a:ext uri="{FF2B5EF4-FFF2-40B4-BE49-F238E27FC236}">
+                <a16:creationId xmlns:a16="http://schemas.microsoft.com/office/drawing/2014/main" id="{C96C72A6-D66B-1A20-C36A-362C847EA385}"/>
+              </a:ext>
+            </a:extLst>
+          </p:cNvPr>
+          <p:cNvSpPr txBox="1"/>
+          <p:nvPr/>
+        </p:nvSpPr>
+        <p:spPr>
+          <a:xfrm>
+            <a:off x="3887338" y="505035"/>
+            <a:ext cx="277640" cy="3588675"/>
+          </a:xfrm>
+          <a:prstGeom prst="rect">
+            <a:avLst/>
+          </a:prstGeom>
+          <a:noFill/>
+        </p:spPr>
+        <p:txBody>
+          <a:bodyPr wrap="none" rtlCol="0">
+            <a:spAutoFit/>
+          </a:bodyPr>
+          <a:lstStyle/>
+          <a:p>
+            <a:pPr algn="r"/>
+            <a:r>
+              <a:rPr lang="en-US" sz="710" dirty="0"/>
+              <a:t>0</a:t>
+            </a:r>
+          </a:p>
+          <a:p>
+            <a:pPr algn="r"/>
+            <a:r>
+              <a:rPr lang="en-US" sz="710" dirty="0"/>
+              <a:t>1</a:t>
+            </a:r>
+          </a:p>
+          <a:p>
+            <a:pPr algn="r"/>
+            <a:r>
+              <a:rPr lang="en-US" sz="710" dirty="0"/>
+              <a:t>2</a:t>
+            </a:r>
+          </a:p>
+          <a:p>
+            <a:pPr algn="r"/>
+            <a:r>
+              <a:rPr lang="en-GB" sz="710" dirty="0"/>
+              <a:t>3</a:t>
+            </a:r>
+          </a:p>
+          <a:p>
+            <a:pPr algn="r"/>
+            <a:r>
+              <a:rPr lang="en-GB" sz="710" dirty="0"/>
+              <a:t>4</a:t>
+            </a:r>
+          </a:p>
+          <a:p>
+            <a:pPr algn="r"/>
+            <a:r>
+              <a:rPr lang="en-GB" sz="710" dirty="0"/>
+              <a:t>5</a:t>
+            </a:r>
+          </a:p>
+          <a:p>
+            <a:pPr algn="r"/>
+            <a:r>
+              <a:rPr lang="en-GB" sz="710" dirty="0"/>
+              <a:t>6</a:t>
+            </a:r>
+          </a:p>
+          <a:p>
+            <a:pPr algn="r"/>
+            <a:r>
+              <a:rPr lang="en-GB" sz="710" dirty="0"/>
+              <a:t>7</a:t>
+            </a:r>
+          </a:p>
+          <a:p>
+            <a:pPr algn="r"/>
+            <a:r>
+              <a:rPr lang="en-GB" sz="710" dirty="0"/>
+              <a:t>8</a:t>
+            </a:r>
+          </a:p>
+          <a:p>
+            <a:pPr algn="r"/>
+            <a:r>
+              <a:rPr lang="en-GB" sz="710" dirty="0"/>
+              <a:t>9</a:t>
+            </a:r>
+          </a:p>
+          <a:p>
+            <a:pPr algn="r"/>
+            <a:r>
+              <a:rPr lang="en-GB" sz="710" dirty="0"/>
+              <a:t>10</a:t>
+            </a:r>
+          </a:p>
+          <a:p>
+            <a:pPr algn="r"/>
+            <a:r>
+              <a:rPr lang="en-GB" sz="710" dirty="0"/>
+              <a:t>11</a:t>
+            </a:r>
+          </a:p>
+          <a:p>
+            <a:pPr algn="r"/>
+            <a:r>
+              <a:rPr lang="en-GB" sz="710" dirty="0"/>
+              <a:t>12</a:t>
+            </a:r>
+          </a:p>
+          <a:p>
+            <a:pPr algn="r"/>
+            <a:r>
+              <a:rPr lang="en-GB" sz="710" dirty="0"/>
+              <a:t>13</a:t>
+            </a:r>
+          </a:p>
+          <a:p>
+            <a:pPr algn="r"/>
+            <a:r>
+              <a:rPr lang="en-GB" sz="710" dirty="0"/>
+              <a:t>14</a:t>
+            </a:r>
+          </a:p>
+          <a:p>
+            <a:pPr algn="r"/>
+            <a:r>
+              <a:rPr lang="en-GB" sz="710" dirty="0"/>
+              <a:t>15</a:t>
+            </a:r>
+          </a:p>
+          <a:p>
+            <a:pPr algn="r"/>
+            <a:r>
+              <a:rPr lang="en-GB" sz="710" dirty="0"/>
+              <a:t>16</a:t>
+            </a:r>
+          </a:p>
+          <a:p>
+            <a:pPr algn="r"/>
+            <a:r>
+              <a:rPr lang="en-GB" sz="710" dirty="0"/>
+              <a:t>17</a:t>
+            </a:r>
+          </a:p>
+          <a:p>
+            <a:pPr algn="r"/>
+            <a:r>
+              <a:rPr lang="en-GB" sz="710" dirty="0"/>
+              <a:t>18</a:t>
+            </a:r>
+          </a:p>
+          <a:p>
+            <a:pPr algn="r"/>
+            <a:r>
+              <a:rPr lang="en-GB" sz="710" dirty="0"/>
+              <a:t>19</a:t>
+            </a:r>
+          </a:p>
+          <a:p>
+            <a:pPr algn="r"/>
+            <a:r>
+              <a:rPr lang="en-GB" sz="710" dirty="0"/>
+              <a:t>20</a:t>
+            </a:r>
+          </a:p>
+          <a:p>
+            <a:pPr algn="r"/>
+            <a:r>
+              <a:rPr lang="en-GB" sz="710" dirty="0"/>
+              <a:t>21</a:t>
+            </a:r>
+          </a:p>
+          <a:p>
+            <a:pPr algn="r"/>
+            <a:r>
+              <a:rPr lang="en-GB" sz="710" dirty="0"/>
+              <a:t>22</a:t>
+            </a:r>
+          </a:p>
+          <a:p>
+            <a:pPr algn="r"/>
+            <a:r>
+              <a:rPr lang="en-GB" sz="710" dirty="0"/>
+              <a:t>23</a:t>
+            </a:r>
+          </a:p>
+          <a:p>
+            <a:pPr algn="r"/>
+            <a:r>
+              <a:rPr lang="en-GB" sz="710" dirty="0"/>
+              <a:t>24</a:t>
+            </a:r>
+          </a:p>
+          <a:p>
+            <a:pPr algn="r"/>
+            <a:r>
+              <a:rPr lang="en-GB" sz="710" dirty="0"/>
+              <a:t>25</a:t>
+            </a:r>
+          </a:p>
+          <a:p>
+            <a:pPr algn="r"/>
+            <a:r>
+              <a:rPr lang="en-GB" sz="710" dirty="0"/>
+              <a:t>26</a:t>
+            </a:r>
+          </a:p>
+          <a:p>
+            <a:pPr algn="r"/>
+            <a:r>
+              <a:rPr lang="en-GB" sz="710" dirty="0"/>
+              <a:t>27</a:t>
+            </a:r>
+          </a:p>
+          <a:p>
+            <a:pPr algn="r"/>
+            <a:r>
+              <a:rPr lang="en-GB" sz="710" dirty="0"/>
+              <a:t>28</a:t>
+            </a:r>
+          </a:p>
+          <a:p>
+            <a:pPr algn="r"/>
+            <a:r>
+              <a:rPr lang="en-GB" sz="710" dirty="0"/>
+              <a:t>29</a:t>
+            </a:r>
+          </a:p>
+          <a:p>
+            <a:pPr algn="r"/>
+            <a:r>
+              <a:rPr lang="en-GB" sz="710" dirty="0"/>
+              <a:t>30</a:t>
+            </a:r>
+          </a:p>
+          <a:p>
+            <a:pPr algn="r"/>
+            <a:r>
+              <a:rPr lang="en-GB" sz="710" dirty="0"/>
+              <a:t>31</a:t>
+            </a:r>
+          </a:p>
+        </p:txBody>
+      </p:sp>
+      <p:sp>
+        <p:nvSpPr>
+          <p:cNvPr id="62" name="TextBox 61">
+            <a:extLst>
+              <a:ext uri="{FF2B5EF4-FFF2-40B4-BE49-F238E27FC236}">
+                <a16:creationId xmlns:a16="http://schemas.microsoft.com/office/drawing/2014/main" id="{09B09226-ED88-E5C5-9425-212F019019E3}"/>
+              </a:ext>
+            </a:extLst>
+          </p:cNvPr>
+          <p:cNvSpPr txBox="1"/>
+          <p:nvPr/>
+        </p:nvSpPr>
+        <p:spPr>
+          <a:xfrm>
+            <a:off x="4032256" y="426251"/>
+            <a:ext cx="1983452" cy="201594"/>
+          </a:xfrm>
+          <a:prstGeom prst="rect">
+            <a:avLst/>
+          </a:prstGeom>
+          <a:noFill/>
+        </p:spPr>
+        <p:txBody>
+          <a:bodyPr wrap="square" rtlCol="0">
+            <a:spAutoFit/>
+          </a:bodyPr>
+          <a:lstStyle/>
+          <a:p>
+            <a:r>
+              <a:rPr lang="en-US" sz="710" dirty="0"/>
+              <a:t>0  1   2   </a:t>
+            </a:r>
+            <a:r>
+              <a:rPr lang="en-GB" sz="710" dirty="0"/>
+              <a:t>3   4   5   6   7   8   9  10 11 12 13 14 15</a:t>
+            </a:r>
+          </a:p>
+        </p:txBody>
+      </p:sp>
+      <p:pic>
+        <p:nvPicPr>
+          <p:cNvPr id="67" name="Picture 66">
+            <a:extLst>
+              <a:ext uri="{FF2B5EF4-FFF2-40B4-BE49-F238E27FC236}">
+                <a16:creationId xmlns:a16="http://schemas.microsoft.com/office/drawing/2014/main" id="{0133636F-9CEE-A648-F02E-A8C8C68D4C4B}"/>
+              </a:ext>
+            </a:extLst>
+          </p:cNvPr>
+          <p:cNvPicPr>
+            <a:picLocks noChangeAspect="1"/>
+          </p:cNvPicPr>
+          <p:nvPr/>
+        </p:nvPicPr>
+        <p:blipFill>
+          <a:blip r:embed="rId66"/>
+          <a:stretch>
+            <a:fillRect/>
+          </a:stretch>
+        </p:blipFill>
+        <p:spPr>
+          <a:xfrm>
+            <a:off x="2163837" y="505035"/>
+            <a:ext cx="1812590" cy="3561479"/>
+          </a:xfrm>
+          <a:prstGeom prst="rect">
+            <a:avLst/>
+          </a:prstGeom>
+        </p:spPr>
+      </p:pic>
+      <p:sp>
+        <p:nvSpPr>
+          <p:cNvPr id="68" name="Rectangle: Rounded Corners 67">
+            <a:extLst>
+              <a:ext uri="{FF2B5EF4-FFF2-40B4-BE49-F238E27FC236}">
+                <a16:creationId xmlns:a16="http://schemas.microsoft.com/office/drawing/2014/main" id="{850B34F7-1AFA-81F5-962C-9F79D5DE6DC0}"/>
+              </a:ext>
+            </a:extLst>
+          </p:cNvPr>
+          <p:cNvSpPr/>
+          <p:nvPr/>
+        </p:nvSpPr>
+        <p:spPr>
+          <a:xfrm>
+            <a:off x="2743418" y="1924375"/>
+            <a:ext cx="751221" cy="466303"/>
+          </a:xfrm>
+          <a:prstGeom prst="roundRect">
+            <a:avLst/>
+          </a:prstGeom>
+          <a:solidFill>
+            <a:schemeClr val="bg1">
+              <a:lumMod val="85000"/>
+              <a:alpha val="52000"/>
+            </a:schemeClr>
+          </a:solidFill>
+          <a:ln w="19050">
+            <a:solidFill>
+              <a:schemeClr val="tx1"/>
+            </a:solidFill>
+            <a:prstDash val="dash"/>
+          </a:ln>
+        </p:spPr>
+        <p:style>
+          <a:lnRef idx="2">
+            <a:schemeClr val="accent1">
+              <a:shade val="50000"/>
+            </a:schemeClr>
+          </a:lnRef>
+          <a:fillRef idx="1">
+            <a:schemeClr val="accent1"/>
+          </a:fillRef>
+          <a:effectRef idx="0">
+            <a:schemeClr val="accent1"/>
+          </a:effectRef>
+          <a:fontRef idx="minor">
+            <a:schemeClr val="lt1"/>
+          </a:fontRef>
+        </p:style>
+        <p:txBody>
+          <a:bodyPr rtlCol="0" anchor="ctr"/>
+          <a:lstStyle/>
+          <a:p>
+            <a:pPr algn="ctr"/>
+            <a:endParaRPr lang="en-GB"/>
+          </a:p>
+        </p:txBody>
+      </p:sp>
+      <p:sp>
+        <p:nvSpPr>
+          <p:cNvPr id="69" name="Rectangle: Rounded Corners 68">
+            <a:extLst>
+              <a:ext uri="{FF2B5EF4-FFF2-40B4-BE49-F238E27FC236}">
+                <a16:creationId xmlns:a16="http://schemas.microsoft.com/office/drawing/2014/main" id="{A3CC60F0-4406-BA47-A78C-55238DBA57BE}"/>
+              </a:ext>
+            </a:extLst>
+          </p:cNvPr>
+          <p:cNvSpPr/>
+          <p:nvPr/>
+        </p:nvSpPr>
+        <p:spPr>
+          <a:xfrm>
+            <a:off x="2404191" y="1137208"/>
+            <a:ext cx="363032" cy="387941"/>
+          </a:xfrm>
+          <a:prstGeom prst="roundRect">
+            <a:avLst/>
+          </a:prstGeom>
+          <a:solidFill>
+            <a:schemeClr val="bg1">
+              <a:lumMod val="85000"/>
+              <a:alpha val="52000"/>
+            </a:schemeClr>
+          </a:solidFill>
+          <a:ln w="19050">
+            <a:solidFill>
+              <a:schemeClr val="tx1"/>
+            </a:solidFill>
+            <a:prstDash val="dash"/>
+          </a:ln>
+        </p:spPr>
+        <p:style>
+          <a:lnRef idx="2">
+            <a:schemeClr val="accent1">
+              <a:shade val="50000"/>
+            </a:schemeClr>
+          </a:lnRef>
+          <a:fillRef idx="1">
+            <a:schemeClr val="accent1"/>
+          </a:fillRef>
+          <a:effectRef idx="0">
+            <a:schemeClr val="accent1"/>
+          </a:effectRef>
+          <a:fontRef idx="minor">
+            <a:schemeClr val="lt1"/>
+          </a:fontRef>
+        </p:style>
+        <p:txBody>
+          <a:bodyPr rtlCol="0" anchor="ctr"/>
+          <a:lstStyle/>
+          <a:p>
+            <a:pPr algn="ctr"/>
+            <a:endParaRPr lang="en-GB" sz="600" dirty="0">
+              <a:latin typeface="Anuphan Light" panose="020B0503050203000203" pitchFamily="34" charset="0"/>
+              <a:cs typeface="Anuphan Light" panose="020B0503050203000203" pitchFamily="34" charset="0"/>
+            </a:endParaRPr>
+          </a:p>
+        </p:txBody>
+      </p:sp>
+      <p:sp>
+        <p:nvSpPr>
+          <p:cNvPr id="70" name="Rectangle: Rounded Corners 69">
+            <a:extLst>
+              <a:ext uri="{FF2B5EF4-FFF2-40B4-BE49-F238E27FC236}">
+                <a16:creationId xmlns:a16="http://schemas.microsoft.com/office/drawing/2014/main" id="{F3E8322B-5D10-F835-0282-673A0736580F}"/>
+              </a:ext>
+            </a:extLst>
+          </p:cNvPr>
+          <p:cNvSpPr/>
+          <p:nvPr/>
+        </p:nvSpPr>
+        <p:spPr>
+          <a:xfrm>
+            <a:off x="3406733" y="1137208"/>
+            <a:ext cx="313088" cy="387941"/>
+          </a:xfrm>
+          <a:prstGeom prst="roundRect">
+            <a:avLst/>
+          </a:prstGeom>
+          <a:solidFill>
+            <a:schemeClr val="bg1">
+              <a:lumMod val="85000"/>
+              <a:alpha val="52000"/>
+            </a:schemeClr>
+          </a:solidFill>
+          <a:ln w="19050">
+            <a:solidFill>
+              <a:schemeClr val="tx1"/>
+            </a:solidFill>
+            <a:prstDash val="dash"/>
+          </a:ln>
+        </p:spPr>
+        <p:style>
+          <a:lnRef idx="2">
+            <a:schemeClr val="accent1">
+              <a:shade val="50000"/>
+            </a:schemeClr>
+          </a:lnRef>
+          <a:fillRef idx="1">
+            <a:schemeClr val="accent1"/>
+          </a:fillRef>
+          <a:effectRef idx="0">
+            <a:schemeClr val="accent1"/>
+          </a:effectRef>
+          <a:fontRef idx="minor">
+            <a:schemeClr val="lt1"/>
+          </a:fontRef>
+        </p:style>
+        <p:txBody>
+          <a:bodyPr rtlCol="0" anchor="ctr"/>
+          <a:lstStyle/>
+          <a:p>
+            <a:pPr algn="ctr"/>
+            <a:endParaRPr lang="en-GB"/>
+          </a:p>
+        </p:txBody>
+      </p:sp>
+      <p:sp>
+        <p:nvSpPr>
+          <p:cNvPr id="71" name="Rectangle: Rounded Corners 70">
+            <a:extLst>
+              <a:ext uri="{FF2B5EF4-FFF2-40B4-BE49-F238E27FC236}">
+                <a16:creationId xmlns:a16="http://schemas.microsoft.com/office/drawing/2014/main" id="{4E35B34C-A7CC-C48F-66CE-C61BC1954377}"/>
+              </a:ext>
+            </a:extLst>
+          </p:cNvPr>
+          <p:cNvSpPr/>
+          <p:nvPr/>
+        </p:nvSpPr>
+        <p:spPr>
+          <a:xfrm>
+            <a:off x="2301322" y="1693808"/>
+            <a:ext cx="549767" cy="257320"/>
+          </a:xfrm>
+          <a:prstGeom prst="roundRect">
+            <a:avLst/>
+          </a:prstGeom>
+          <a:solidFill>
+            <a:schemeClr val="bg1">
+              <a:lumMod val="85000"/>
+              <a:alpha val="52000"/>
+            </a:schemeClr>
+          </a:solidFill>
+          <a:ln w="19050">
+            <a:solidFill>
+              <a:schemeClr val="tx1"/>
+            </a:solidFill>
+            <a:prstDash val="dash"/>
+          </a:ln>
+        </p:spPr>
+        <p:style>
+          <a:lnRef idx="2">
+            <a:schemeClr val="accent1">
+              <a:shade val="50000"/>
+            </a:schemeClr>
+          </a:lnRef>
+          <a:fillRef idx="1">
+            <a:schemeClr val="accent1"/>
+          </a:fillRef>
+          <a:effectRef idx="0">
+            <a:schemeClr val="accent1"/>
+          </a:effectRef>
+          <a:fontRef idx="minor">
+            <a:schemeClr val="lt1"/>
+          </a:fontRef>
+        </p:style>
+        <p:txBody>
+          <a:bodyPr rtlCol="0" anchor="ctr"/>
+          <a:lstStyle/>
+          <a:p>
+            <a:pPr algn="ctr"/>
+            <a:endParaRPr lang="en-GB"/>
+          </a:p>
+        </p:txBody>
+      </p:sp>
+      <p:sp>
+        <p:nvSpPr>
+          <p:cNvPr id="72" name="Rectangle: Rounded Corners 71">
+            <a:extLst>
+              <a:ext uri="{FF2B5EF4-FFF2-40B4-BE49-F238E27FC236}">
+                <a16:creationId xmlns:a16="http://schemas.microsoft.com/office/drawing/2014/main" id="{CACB3B71-6046-4DD5-BD1B-55D671AA3BEB}"/>
+              </a:ext>
+            </a:extLst>
+          </p:cNvPr>
+          <p:cNvSpPr/>
+          <p:nvPr/>
+        </p:nvSpPr>
+        <p:spPr>
+          <a:xfrm>
+            <a:off x="3316844" y="1680432"/>
+            <a:ext cx="519093" cy="257320"/>
+          </a:xfrm>
+          <a:prstGeom prst="roundRect">
+            <a:avLst/>
+          </a:prstGeom>
+          <a:solidFill>
+            <a:schemeClr val="bg1">
+              <a:lumMod val="85000"/>
+              <a:alpha val="52000"/>
+            </a:schemeClr>
+          </a:solidFill>
+          <a:ln w="19050">
+            <a:solidFill>
+              <a:schemeClr val="tx1"/>
+            </a:solidFill>
+            <a:prstDash val="dash"/>
+          </a:ln>
+        </p:spPr>
+        <p:style>
+          <a:lnRef idx="2">
+            <a:schemeClr val="accent1">
+              <a:shade val="50000"/>
+            </a:schemeClr>
+          </a:lnRef>
+          <a:fillRef idx="1">
+            <a:schemeClr val="accent1"/>
+          </a:fillRef>
+          <a:effectRef idx="0">
+            <a:schemeClr val="accent1"/>
+          </a:effectRef>
+          <a:fontRef idx="minor">
+            <a:schemeClr val="lt1"/>
+          </a:fontRef>
+        </p:style>
+        <p:txBody>
+          <a:bodyPr rtlCol="0" anchor="ctr"/>
+          <a:lstStyle/>
+          <a:p>
+            <a:pPr algn="ctr"/>
+            <a:endParaRPr lang="en-GB"/>
+          </a:p>
+        </p:txBody>
+      </p:sp>
+      <p:sp>
+        <p:nvSpPr>
+          <p:cNvPr id="73" name="Rectangle: Rounded Corners 72">
+            <a:extLst>
+              <a:ext uri="{FF2B5EF4-FFF2-40B4-BE49-F238E27FC236}">
+                <a16:creationId xmlns:a16="http://schemas.microsoft.com/office/drawing/2014/main" id="{1E45C6F7-C2A6-1721-8056-9DA256DBD2F4}"/>
+              </a:ext>
+            </a:extLst>
+          </p:cNvPr>
+          <p:cNvSpPr/>
+          <p:nvPr/>
+        </p:nvSpPr>
+        <p:spPr>
+          <a:xfrm>
+            <a:off x="2743418" y="665860"/>
+            <a:ext cx="661712" cy="401921"/>
+          </a:xfrm>
+          <a:prstGeom prst="roundRect">
+            <a:avLst/>
+          </a:prstGeom>
+          <a:solidFill>
+            <a:schemeClr val="bg1">
+              <a:lumMod val="85000"/>
+              <a:alpha val="52000"/>
+            </a:schemeClr>
+          </a:solidFill>
+          <a:ln w="19050">
+            <a:solidFill>
+              <a:schemeClr val="tx1"/>
+            </a:solidFill>
+            <a:prstDash val="dash"/>
+          </a:ln>
+        </p:spPr>
+        <p:style>
+          <a:lnRef idx="2">
+            <a:schemeClr val="accent1">
+              <a:shade val="50000"/>
+            </a:schemeClr>
+          </a:lnRef>
+          <a:fillRef idx="1">
+            <a:schemeClr val="accent1"/>
+          </a:fillRef>
+          <a:effectRef idx="0">
+            <a:schemeClr val="accent1"/>
+          </a:effectRef>
+          <a:fontRef idx="minor">
+            <a:schemeClr val="lt1"/>
+          </a:fontRef>
+        </p:style>
+        <p:txBody>
+          <a:bodyPr rtlCol="0" anchor="ctr"/>
+          <a:lstStyle/>
+          <a:p>
+            <a:pPr algn="ctr"/>
+            <a:endParaRPr lang="en-GB" b="1" dirty="0">
+              <a:solidFill>
+                <a:schemeClr val="tx1"/>
+              </a:solidFill>
+              <a:latin typeface="Anuphan" panose="020B0503050203000203" pitchFamily="34" charset="0"/>
+              <a:cs typeface="Anuphan" panose="020B0503050203000203" pitchFamily="34" charset="0"/>
+            </a:endParaRPr>
+          </a:p>
+        </p:txBody>
+      </p:sp>
+      <p:sp>
+        <p:nvSpPr>
+          <p:cNvPr id="74" name="Rectangle: Rounded Corners 73">
+            <a:extLst>
+              <a:ext uri="{FF2B5EF4-FFF2-40B4-BE49-F238E27FC236}">
+                <a16:creationId xmlns:a16="http://schemas.microsoft.com/office/drawing/2014/main" id="{75130944-C0A2-45BE-282F-2749B0F434E7}"/>
+              </a:ext>
+            </a:extLst>
+          </p:cNvPr>
+          <p:cNvSpPr/>
+          <p:nvPr/>
+        </p:nvSpPr>
+        <p:spPr>
+          <a:xfrm>
+            <a:off x="2332944" y="3388182"/>
+            <a:ext cx="625851" cy="387939"/>
+          </a:xfrm>
+          <a:prstGeom prst="roundRect">
+            <a:avLst/>
+          </a:prstGeom>
+          <a:solidFill>
+            <a:schemeClr val="bg1">
+              <a:lumMod val="85000"/>
+              <a:alpha val="52000"/>
+            </a:schemeClr>
+          </a:solidFill>
+          <a:ln w="19050">
+            <a:solidFill>
+              <a:schemeClr val="tx1"/>
+            </a:solidFill>
+            <a:prstDash val="dash"/>
+          </a:ln>
+        </p:spPr>
+        <p:style>
+          <a:lnRef idx="2">
+            <a:schemeClr val="accent1">
+              <a:shade val="50000"/>
+            </a:schemeClr>
+          </a:lnRef>
+          <a:fillRef idx="1">
+            <a:schemeClr val="accent1"/>
+          </a:fillRef>
+          <a:effectRef idx="0">
+            <a:schemeClr val="accent1"/>
+          </a:effectRef>
+          <a:fontRef idx="minor">
+            <a:schemeClr val="lt1"/>
+          </a:fontRef>
+        </p:style>
+        <p:txBody>
+          <a:bodyPr rtlCol="0" anchor="ctr"/>
+          <a:lstStyle/>
+          <a:p>
+            <a:pPr algn="ctr"/>
+            <a:endParaRPr lang="en-GB"/>
+          </a:p>
+        </p:txBody>
+      </p:sp>
+      <p:sp>
+        <p:nvSpPr>
+          <p:cNvPr id="75" name="Rectangle: Rounded Corners 74">
+            <a:extLst>
+              <a:ext uri="{FF2B5EF4-FFF2-40B4-BE49-F238E27FC236}">
+                <a16:creationId xmlns:a16="http://schemas.microsoft.com/office/drawing/2014/main" id="{86FF5BC0-E2FC-5A63-BE1B-4CBC01435DC8}"/>
+              </a:ext>
+            </a:extLst>
+          </p:cNvPr>
+          <p:cNvSpPr/>
+          <p:nvPr/>
+        </p:nvSpPr>
+        <p:spPr>
+          <a:xfrm>
+            <a:off x="3213745" y="3379003"/>
+            <a:ext cx="608264" cy="397118"/>
+          </a:xfrm>
+          <a:prstGeom prst="roundRect">
+            <a:avLst/>
+          </a:prstGeom>
+          <a:solidFill>
+            <a:schemeClr val="bg1">
+              <a:lumMod val="85000"/>
+              <a:alpha val="52000"/>
+            </a:schemeClr>
+          </a:solidFill>
+          <a:ln w="19050">
+            <a:solidFill>
+              <a:schemeClr val="tx1"/>
+            </a:solidFill>
+            <a:prstDash val="dash"/>
+          </a:ln>
+        </p:spPr>
+        <p:style>
+          <a:lnRef idx="2">
+            <a:schemeClr val="accent1">
+              <a:shade val="50000"/>
+            </a:schemeClr>
+          </a:lnRef>
+          <a:fillRef idx="1">
+            <a:schemeClr val="accent1"/>
+          </a:fillRef>
+          <a:effectRef idx="0">
+            <a:schemeClr val="accent1"/>
+          </a:effectRef>
+          <a:fontRef idx="minor">
+            <a:schemeClr val="lt1"/>
+          </a:fontRef>
+        </p:style>
+        <p:txBody>
+          <a:bodyPr rtlCol="0" anchor="ctr"/>
+          <a:lstStyle/>
+          <a:p>
+            <a:pPr algn="ctr"/>
+            <a:endParaRPr lang="en-GB"/>
+          </a:p>
+        </p:txBody>
+      </p:sp>
+      <p:pic>
+        <p:nvPicPr>
+          <p:cNvPr id="78" name="Picture 77">
+            <a:extLst>
+              <a:ext uri="{FF2B5EF4-FFF2-40B4-BE49-F238E27FC236}">
+                <a16:creationId xmlns:a16="http://schemas.microsoft.com/office/drawing/2014/main" id="{F633FA23-9B79-08BD-5CB9-428DDF4E33F8}"/>
+              </a:ext>
+            </a:extLst>
+          </p:cNvPr>
+          <p:cNvPicPr>
+            <a:picLocks noChangeAspect="1"/>
+          </p:cNvPicPr>
+          <p:nvPr/>
+        </p:nvPicPr>
+        <p:blipFill>
+          <a:blip r:embed="rId67">
+            <a:extLst>
+              <a:ext uri="{28A0092B-C50C-407E-A947-70E740481C1C}">
+                <a14:useLocalDpi xmlns:a14="http://schemas.microsoft.com/office/drawing/2010/main" val="0"/>
+              </a:ext>
+            </a:extLst>
+          </a:blip>
+          <a:stretch>
+            <a:fillRect/>
+          </a:stretch>
+        </p:blipFill>
+        <p:spPr>
+          <a:xfrm>
+            <a:off x="4127565" y="627845"/>
+            <a:ext cx="1600200" cy="3228975"/>
+          </a:xfrm>
+          <a:prstGeom prst="rect">
+            <a:avLst/>
+          </a:prstGeom>
+        </p:spPr>
+      </p:pic>
+      <p:sp>
+        <p:nvSpPr>
+          <p:cNvPr id="79" name="Rectangle: Rounded Corners 78">
+            <a:extLst>
+              <a:ext uri="{FF2B5EF4-FFF2-40B4-BE49-F238E27FC236}">
+                <a16:creationId xmlns:a16="http://schemas.microsoft.com/office/drawing/2014/main" id="{E18BF562-7379-3C73-37AC-CF9A4525E079}"/>
+              </a:ext>
+            </a:extLst>
+          </p:cNvPr>
+          <p:cNvSpPr/>
+          <p:nvPr/>
+        </p:nvSpPr>
+        <p:spPr>
+          <a:xfrm>
+            <a:off x="4186092" y="1632899"/>
+            <a:ext cx="687603" cy="318229"/>
+          </a:xfrm>
+          <a:prstGeom prst="roundRect">
+            <a:avLst/>
+          </a:prstGeom>
+          <a:solidFill>
+            <a:schemeClr val="bg1">
+              <a:lumMod val="85000"/>
+              <a:alpha val="52000"/>
+            </a:schemeClr>
+          </a:solidFill>
+          <a:ln w="19050">
+            <a:solidFill>
+              <a:schemeClr val="tx1"/>
+            </a:solidFill>
+            <a:prstDash val="dash"/>
+          </a:ln>
+        </p:spPr>
+        <p:style>
+          <a:lnRef idx="2">
+            <a:schemeClr val="accent1">
+              <a:shade val="50000"/>
+            </a:schemeClr>
+          </a:lnRef>
+          <a:fillRef idx="1">
+            <a:schemeClr val="accent1"/>
+          </a:fillRef>
+          <a:effectRef idx="0">
+            <a:schemeClr val="accent1"/>
+          </a:effectRef>
+          <a:fontRef idx="minor">
+            <a:schemeClr val="lt1"/>
+          </a:fontRef>
+        </p:style>
+        <p:txBody>
+          <a:bodyPr rtlCol="0" anchor="ctr"/>
+          <a:lstStyle/>
+          <a:p>
+            <a:pPr algn="ctr"/>
+            <a:endParaRPr lang="en-GB"/>
+          </a:p>
+        </p:txBody>
+      </p:sp>
+      <p:sp>
+        <p:nvSpPr>
+          <p:cNvPr id="80" name="TextBox 79">
+            <a:extLst>
+              <a:ext uri="{FF2B5EF4-FFF2-40B4-BE49-F238E27FC236}">
+                <a16:creationId xmlns:a16="http://schemas.microsoft.com/office/drawing/2014/main" id="{AD006C41-F579-6DB1-068D-E9A0A05AE0B9}"/>
+              </a:ext>
+            </a:extLst>
+          </p:cNvPr>
+          <p:cNvSpPr txBox="1"/>
+          <p:nvPr/>
+        </p:nvSpPr>
+        <p:spPr>
+          <a:xfrm>
+            <a:off x="3828132" y="1773022"/>
+            <a:ext cx="754545" cy="230832"/>
+          </a:xfrm>
+          <a:prstGeom prst="rect">
+            <a:avLst/>
+          </a:prstGeom>
+          <a:noFill/>
+        </p:spPr>
+        <p:txBody>
+          <a:bodyPr wrap="square">
+            <a:spAutoFit/>
+          </a:bodyPr>
+          <a:lstStyle/>
+          <a:p>
+            <a:pPr algn="ctr"/>
+            <a:r>
+              <a:rPr lang="th-TH" sz="900" dirty="0">
+                <a:latin typeface="Anuphan Medium" panose="020B0503050203000203" pitchFamily="34" charset="0"/>
+                <a:cs typeface="Anuphan Medium" panose="020B0503050203000203" pitchFamily="34" charset="0"/>
+              </a:rPr>
+              <a:t>ข้อศอก</a:t>
+            </a:r>
+            <a:endParaRPr lang="en-GB" sz="900" dirty="0">
+              <a:latin typeface="Anuphan Medium" panose="020B0503050203000203" pitchFamily="34" charset="0"/>
+              <a:cs typeface="Anuphan Medium" panose="020B0503050203000203" pitchFamily="34" charset="0"/>
+            </a:endParaRPr>
+          </a:p>
+        </p:txBody>
+      </p:sp>
+      <p:sp>
+        <p:nvSpPr>
+          <p:cNvPr id="81" name="Rectangle: Rounded Corners 80">
+            <a:extLst>
+              <a:ext uri="{FF2B5EF4-FFF2-40B4-BE49-F238E27FC236}">
+                <a16:creationId xmlns:a16="http://schemas.microsoft.com/office/drawing/2014/main" id="{CEC54214-3D81-485C-EA2E-85FBE864C916}"/>
+              </a:ext>
+            </a:extLst>
+          </p:cNvPr>
+          <p:cNvSpPr/>
+          <p:nvPr/>
+        </p:nvSpPr>
+        <p:spPr>
+          <a:xfrm>
+            <a:off x="4601348" y="682798"/>
+            <a:ext cx="687603" cy="421809"/>
+          </a:xfrm>
+          <a:prstGeom prst="roundRect">
+            <a:avLst/>
+          </a:prstGeom>
+          <a:solidFill>
+            <a:schemeClr val="bg1">
+              <a:lumMod val="85000"/>
+              <a:alpha val="52000"/>
+            </a:schemeClr>
+          </a:solidFill>
+          <a:ln w="19050">
+            <a:solidFill>
+              <a:schemeClr val="tx1"/>
+            </a:solidFill>
+            <a:prstDash val="dash"/>
+          </a:ln>
+        </p:spPr>
+        <p:style>
+          <a:lnRef idx="2">
+            <a:schemeClr val="accent1">
+              <a:shade val="50000"/>
+            </a:schemeClr>
+          </a:lnRef>
+          <a:fillRef idx="1">
+            <a:schemeClr val="accent1"/>
+          </a:fillRef>
+          <a:effectRef idx="0">
+            <a:schemeClr val="accent1"/>
+          </a:effectRef>
+          <a:fontRef idx="minor">
+            <a:schemeClr val="lt1"/>
+          </a:fontRef>
+        </p:style>
+        <p:txBody>
+          <a:bodyPr rtlCol="0" anchor="ctr"/>
+          <a:lstStyle/>
+          <a:p>
+            <a:pPr algn="ctr"/>
+            <a:endParaRPr lang="en-GB" b="1" dirty="0">
+              <a:solidFill>
+                <a:schemeClr val="tx1"/>
+              </a:solidFill>
+              <a:latin typeface="Anuphan" panose="020B0503050203000203" pitchFamily="34" charset="0"/>
+              <a:cs typeface="Anuphan" panose="020B0503050203000203" pitchFamily="34" charset="0"/>
+            </a:endParaRPr>
+          </a:p>
+        </p:txBody>
+      </p:sp>
+      <p:sp>
+        <p:nvSpPr>
+          <p:cNvPr id="82" name="TextBox 81">
+            <a:extLst>
+              <a:ext uri="{FF2B5EF4-FFF2-40B4-BE49-F238E27FC236}">
+                <a16:creationId xmlns:a16="http://schemas.microsoft.com/office/drawing/2014/main" id="{74784C6B-CB6A-3333-C72B-59B1D8ACD8D4}"/>
+              </a:ext>
+            </a:extLst>
+          </p:cNvPr>
+          <p:cNvSpPr txBox="1"/>
+          <p:nvPr/>
+        </p:nvSpPr>
+        <p:spPr>
+          <a:xfrm>
+            <a:off x="4575517" y="397013"/>
+            <a:ext cx="713433" cy="230832"/>
+          </a:xfrm>
+          <a:prstGeom prst="rect">
+            <a:avLst/>
+          </a:prstGeom>
+          <a:noFill/>
+        </p:spPr>
+        <p:txBody>
+          <a:bodyPr wrap="square">
+            <a:spAutoFit/>
+          </a:bodyPr>
+          <a:lstStyle>
+            <a:defPPr>
+              <a:defRPr lang="en-US"/>
+            </a:defPPr>
+            <a:lvl1pPr algn="ctr">
+              <a:defRPr sz="900">
+                <a:latin typeface="Anuphan Medium" panose="020B0503050203000203" pitchFamily="34" charset="0"/>
+                <a:cs typeface="Anuphan Medium" panose="020B0503050203000203" pitchFamily="34" charset="0"/>
+              </a:defRPr>
+            </a:lvl1pPr>
+          </a:lstStyle>
+          <a:p>
+            <a:r>
+              <a:rPr lang="th-TH" dirty="0"/>
+              <a:t>บริเวณหัว</a:t>
+            </a:r>
+            <a:endParaRPr lang="en-GB" dirty="0"/>
+          </a:p>
+        </p:txBody>
+      </p:sp>
+      <p:sp>
+        <p:nvSpPr>
+          <p:cNvPr id="83" name="Rectangle: Rounded Corners 82">
+            <a:extLst>
+              <a:ext uri="{FF2B5EF4-FFF2-40B4-BE49-F238E27FC236}">
+                <a16:creationId xmlns:a16="http://schemas.microsoft.com/office/drawing/2014/main" id="{3E2870E0-9A8B-B4BB-1EF6-3680DA6162DC}"/>
+              </a:ext>
+            </a:extLst>
+          </p:cNvPr>
+          <p:cNvSpPr/>
+          <p:nvPr/>
+        </p:nvSpPr>
+        <p:spPr>
+          <a:xfrm>
+            <a:off x="4601349" y="1212694"/>
+            <a:ext cx="711336" cy="387941"/>
+          </a:xfrm>
+          <a:prstGeom prst="roundRect">
+            <a:avLst/>
+          </a:prstGeom>
+          <a:solidFill>
+            <a:schemeClr val="bg1">
+              <a:lumMod val="85000"/>
+              <a:alpha val="52000"/>
+            </a:schemeClr>
+          </a:solidFill>
+          <a:ln w="19050">
+            <a:solidFill>
+              <a:schemeClr val="tx1"/>
+            </a:solidFill>
+            <a:prstDash val="dash"/>
+          </a:ln>
+        </p:spPr>
+        <p:style>
+          <a:lnRef idx="2">
+            <a:schemeClr val="accent1">
+              <a:shade val="50000"/>
+            </a:schemeClr>
+          </a:lnRef>
+          <a:fillRef idx="1">
+            <a:schemeClr val="accent1"/>
+          </a:fillRef>
+          <a:effectRef idx="0">
+            <a:schemeClr val="accent1"/>
+          </a:effectRef>
+          <a:fontRef idx="minor">
+            <a:schemeClr val="lt1"/>
+          </a:fontRef>
+        </p:style>
+        <p:txBody>
+          <a:bodyPr rtlCol="0" anchor="ctr"/>
+          <a:lstStyle/>
+          <a:p>
+            <a:pPr algn="ctr"/>
+            <a:endParaRPr lang="en-GB" sz="600" dirty="0">
+              <a:latin typeface="Anuphan Light" panose="020B0503050203000203" pitchFamily="34" charset="0"/>
+              <a:cs typeface="Anuphan Light" panose="020B0503050203000203" pitchFamily="34" charset="0"/>
+            </a:endParaRPr>
+          </a:p>
+        </p:txBody>
+      </p:sp>
+      <p:sp>
+        <p:nvSpPr>
+          <p:cNvPr id="84" name="TextBox 83">
+            <a:extLst>
+              <a:ext uri="{FF2B5EF4-FFF2-40B4-BE49-F238E27FC236}">
+                <a16:creationId xmlns:a16="http://schemas.microsoft.com/office/drawing/2014/main" id="{67ECEC54-E1C1-C09F-ABE5-A200A73EDD2D}"/>
+              </a:ext>
+            </a:extLst>
+          </p:cNvPr>
+          <p:cNvSpPr txBox="1"/>
+          <p:nvPr/>
+        </p:nvSpPr>
+        <p:spPr>
+          <a:xfrm>
+            <a:off x="4051698" y="1365828"/>
+            <a:ext cx="687603" cy="230832"/>
+          </a:xfrm>
+          <a:prstGeom prst="rect">
+            <a:avLst/>
+          </a:prstGeom>
+          <a:noFill/>
+        </p:spPr>
+        <p:txBody>
+          <a:bodyPr wrap="square">
+            <a:spAutoFit/>
+          </a:bodyPr>
+          <a:lstStyle>
+            <a:defPPr>
+              <a:defRPr lang="en-US"/>
+            </a:defPPr>
+            <a:lvl1pPr algn="ctr">
+              <a:defRPr sz="900">
+                <a:latin typeface="Anuphan Medium" panose="020B0503050203000203" pitchFamily="34" charset="0"/>
+                <a:cs typeface="Anuphan Medium" panose="020B0503050203000203" pitchFamily="34" charset="0"/>
+              </a:defRPr>
+            </a:lvl1pPr>
+          </a:lstStyle>
+          <a:p>
+            <a:r>
+              <a:rPr lang="th-TH" dirty="0"/>
+              <a:t>หัวไหล่</a:t>
+            </a:r>
+            <a:endParaRPr lang="en-GB" dirty="0"/>
+          </a:p>
+        </p:txBody>
+      </p:sp>
+      <p:sp>
+        <p:nvSpPr>
+          <p:cNvPr id="85" name="TextBox 84">
+            <a:hlinkClick r:id="" action="ppaction://noaction"/>
+            <a:extLst>
+              <a:ext uri="{FF2B5EF4-FFF2-40B4-BE49-F238E27FC236}">
+                <a16:creationId xmlns:a16="http://schemas.microsoft.com/office/drawing/2014/main" id="{89004BDA-C933-E681-7CED-94123CDFDED5}"/>
+              </a:ext>
+            </a:extLst>
+          </p:cNvPr>
+          <p:cNvSpPr txBox="1"/>
+          <p:nvPr/>
+        </p:nvSpPr>
+        <p:spPr>
+          <a:xfrm>
+            <a:off x="8900982" y="4359816"/>
+            <a:ext cx="2512088" cy="369332"/>
+          </a:xfrm>
+          <a:prstGeom prst="rect">
+            <a:avLst/>
+          </a:prstGeom>
+          <a:noFill/>
+        </p:spPr>
+        <p:txBody>
+          <a:bodyPr wrap="square">
+            <a:spAutoFit/>
+          </a:bodyPr>
+          <a:lstStyle/>
+          <a:p>
+            <a:pPr algn="ctr"/>
+            <a:r>
+              <a:rPr lang="th-TH" dirty="0">
+                <a:latin typeface="Kanit" pitchFamily="2" charset="-34"/>
+                <a:cs typeface="Kanit" pitchFamily="2" charset="-34"/>
+              </a:rPr>
+              <a:t>ท่านอนตะแคง</a:t>
+            </a:r>
+            <a:endParaRPr lang="en-GB" dirty="0">
+              <a:latin typeface="Kanit" pitchFamily="2" charset="-34"/>
+              <a:cs typeface="Kanit" pitchFamily="2" charset="-34"/>
+            </a:endParaRPr>
+          </a:p>
+        </p:txBody>
+      </p:sp>
+      <p:sp>
+        <p:nvSpPr>
+          <p:cNvPr id="86" name="Rectangle: Rounded Corners 85">
+            <a:extLst>
+              <a:ext uri="{FF2B5EF4-FFF2-40B4-BE49-F238E27FC236}">
+                <a16:creationId xmlns:a16="http://schemas.microsoft.com/office/drawing/2014/main" id="{0BE2CC7B-7D73-EE2A-DC0C-57820BCB57C6}"/>
+              </a:ext>
+            </a:extLst>
+          </p:cNvPr>
+          <p:cNvSpPr/>
+          <p:nvPr/>
+        </p:nvSpPr>
+        <p:spPr>
+          <a:xfrm>
+            <a:off x="4186092" y="3370690"/>
+            <a:ext cx="1486593" cy="510953"/>
+          </a:xfrm>
+          <a:prstGeom prst="roundRect">
+            <a:avLst/>
+          </a:prstGeom>
+          <a:solidFill>
+            <a:schemeClr val="bg1">
+              <a:lumMod val="85000"/>
+              <a:alpha val="52000"/>
+            </a:schemeClr>
+          </a:solidFill>
+          <a:ln w="19050">
+            <a:solidFill>
+              <a:schemeClr val="tx1"/>
+            </a:solidFill>
+            <a:prstDash val="dash"/>
+          </a:ln>
+        </p:spPr>
+        <p:style>
+          <a:lnRef idx="2">
+            <a:schemeClr val="accent1">
+              <a:shade val="50000"/>
+            </a:schemeClr>
+          </a:lnRef>
+          <a:fillRef idx="1">
+            <a:schemeClr val="accent1"/>
+          </a:fillRef>
+          <a:effectRef idx="0">
+            <a:schemeClr val="accent1"/>
+          </a:effectRef>
+          <a:fontRef idx="minor">
+            <a:schemeClr val="lt1"/>
+          </a:fontRef>
+        </p:style>
+        <p:txBody>
+          <a:bodyPr rtlCol="0" anchor="ctr"/>
+          <a:lstStyle/>
+          <a:p>
+            <a:pPr algn="ctr"/>
+            <a:endParaRPr lang="en-GB"/>
+          </a:p>
+        </p:txBody>
+      </p:sp>
+      <p:sp>
+        <p:nvSpPr>
+          <p:cNvPr id="87" name="TextBox 86">
+            <a:extLst>
+              <a:ext uri="{FF2B5EF4-FFF2-40B4-BE49-F238E27FC236}">
+                <a16:creationId xmlns:a16="http://schemas.microsoft.com/office/drawing/2014/main" id="{7D35224B-F29D-DD79-E5F2-3AB87ABB676C}"/>
+              </a:ext>
+            </a:extLst>
+          </p:cNvPr>
+          <p:cNvSpPr txBox="1"/>
+          <p:nvPr/>
+        </p:nvSpPr>
+        <p:spPr>
+          <a:xfrm>
+            <a:off x="4051698" y="3255275"/>
+            <a:ext cx="687603" cy="230832"/>
+          </a:xfrm>
+          <a:prstGeom prst="rect">
+            <a:avLst/>
+          </a:prstGeom>
+          <a:noFill/>
+        </p:spPr>
+        <p:txBody>
+          <a:bodyPr wrap="square">
+            <a:spAutoFit/>
+          </a:bodyPr>
+          <a:lstStyle/>
+          <a:p>
+            <a:pPr algn="ctr"/>
+            <a:r>
+              <a:rPr lang="th-TH" sz="900" dirty="0">
+                <a:latin typeface="Anuphan Medium" panose="020B0503050203000203" pitchFamily="34" charset="0"/>
+                <a:cs typeface="Anuphan Medium" panose="020B0503050203000203" pitchFamily="34" charset="0"/>
+              </a:rPr>
+              <a:t>ตาตุ่ม</a:t>
+            </a:r>
+            <a:endParaRPr lang="en-GB" sz="900" dirty="0">
+              <a:latin typeface="Anuphan Medium" panose="020B0503050203000203" pitchFamily="34" charset="0"/>
+              <a:cs typeface="Anuphan Medium" panose="020B0503050203000203" pitchFamily="34" charset="0"/>
+            </a:endParaRPr>
+          </a:p>
+        </p:txBody>
+      </p:sp>
+      <p:sp>
+        <p:nvSpPr>
+          <p:cNvPr id="88" name="Rectangle: Rounded Corners 87">
+            <a:extLst>
+              <a:ext uri="{FF2B5EF4-FFF2-40B4-BE49-F238E27FC236}">
+                <a16:creationId xmlns:a16="http://schemas.microsoft.com/office/drawing/2014/main" id="{0FDB8433-C347-8AE9-3785-7322900BFC2A}"/>
+              </a:ext>
+            </a:extLst>
+          </p:cNvPr>
+          <p:cNvSpPr/>
+          <p:nvPr/>
+        </p:nvSpPr>
+        <p:spPr>
+          <a:xfrm>
+            <a:off x="4617383" y="1983392"/>
+            <a:ext cx="754547" cy="510954"/>
+          </a:xfrm>
+          <a:prstGeom prst="roundRect">
+            <a:avLst/>
+          </a:prstGeom>
+          <a:solidFill>
+            <a:schemeClr val="bg1">
+              <a:lumMod val="85000"/>
+              <a:alpha val="52000"/>
+            </a:schemeClr>
+          </a:solidFill>
+          <a:ln w="19050">
+            <a:solidFill>
+              <a:schemeClr val="tx1"/>
+            </a:solidFill>
+            <a:prstDash val="dash"/>
+          </a:ln>
+        </p:spPr>
+        <p:style>
+          <a:lnRef idx="2">
+            <a:schemeClr val="accent1">
+              <a:shade val="50000"/>
+            </a:schemeClr>
+          </a:lnRef>
+          <a:fillRef idx="1">
+            <a:schemeClr val="accent1"/>
+          </a:fillRef>
+          <a:effectRef idx="0">
+            <a:schemeClr val="accent1"/>
+          </a:effectRef>
+          <a:fontRef idx="minor">
+            <a:schemeClr val="lt1"/>
+          </a:fontRef>
+        </p:style>
+        <p:txBody>
+          <a:bodyPr rtlCol="0" anchor="ctr"/>
+          <a:lstStyle/>
+          <a:p>
+            <a:pPr algn="ctr"/>
+            <a:endParaRPr lang="en-GB"/>
+          </a:p>
+        </p:txBody>
+      </p:sp>
+      <p:sp>
+        <p:nvSpPr>
+          <p:cNvPr id="89" name="TextBox 88">
+            <a:extLst>
+              <a:ext uri="{FF2B5EF4-FFF2-40B4-BE49-F238E27FC236}">
+                <a16:creationId xmlns:a16="http://schemas.microsoft.com/office/drawing/2014/main" id="{B399D0F5-E901-C8E7-3BDF-8355D3308F9F}"/>
+              </a:ext>
+            </a:extLst>
+          </p:cNvPr>
+          <p:cNvSpPr txBox="1"/>
+          <p:nvPr/>
+        </p:nvSpPr>
+        <p:spPr>
+          <a:xfrm>
+            <a:off x="3766874" y="2197391"/>
+            <a:ext cx="877063" cy="230832"/>
+          </a:xfrm>
+          <a:prstGeom prst="rect">
+            <a:avLst/>
+          </a:prstGeom>
+          <a:noFill/>
+        </p:spPr>
+        <p:txBody>
+          <a:bodyPr wrap="square">
+            <a:spAutoFit/>
+          </a:bodyPr>
+          <a:lstStyle>
+            <a:defPPr>
+              <a:defRPr lang="en-US"/>
+            </a:defPPr>
+            <a:lvl1pPr algn="ctr">
+              <a:defRPr sz="900">
+                <a:latin typeface="Anuphan Medium" panose="020B0503050203000203" pitchFamily="34" charset="0"/>
+                <a:cs typeface="Anuphan Medium" panose="020B0503050203000203" pitchFamily="34" charset="0"/>
+              </a:defRPr>
+            </a:lvl1pPr>
+          </a:lstStyle>
+          <a:p>
+            <a:r>
+              <a:rPr lang="th-TH" dirty="0"/>
+              <a:t>บริเวณสะโพก</a:t>
+            </a:r>
+            <a:endParaRPr lang="en-GB" dirty="0"/>
+          </a:p>
+        </p:txBody>
+      </p:sp>
+    </p:spTree>
+    <p:extLst>
+      <p:ext uri="{BB962C8B-B14F-4D97-AF65-F5344CB8AC3E}">
+        <p14:creationId xmlns:p14="http://schemas.microsoft.com/office/powerpoint/2010/main" val="2577134894"/>
       </p:ext>
     </p:extLst>
   </p:cSld>
